--- a/presenntation/pendulum_theory.pptx
+++ b/presenntation/pendulum_theory.pptx
@@ -5,23 +5,40 @@
     <p:sldMasterId id="2147483660" r:id="rId1"/>
   </p:sldMasterIdLst>
   <p:notesMasterIdLst>
-    <p:notesMasterId r:id="rId16"/>
+    <p:notesMasterId r:id="rId33"/>
   </p:notesMasterIdLst>
   <p:sldIdLst>
     <p:sldId id="256" r:id="rId2"/>
-    <p:sldId id="257" r:id="rId3"/>
-    <p:sldId id="258" r:id="rId4"/>
-    <p:sldId id="259" r:id="rId5"/>
-    <p:sldId id="260" r:id="rId6"/>
-    <p:sldId id="261" r:id="rId7"/>
-    <p:sldId id="262" r:id="rId8"/>
-    <p:sldId id="263" r:id="rId9"/>
-    <p:sldId id="264" r:id="rId10"/>
-    <p:sldId id="265" r:id="rId11"/>
-    <p:sldId id="266" r:id="rId12"/>
-    <p:sldId id="267" r:id="rId13"/>
-    <p:sldId id="268" r:id="rId14"/>
-    <p:sldId id="269" r:id="rId15"/>
+    <p:sldId id="270" r:id="rId3"/>
+    <p:sldId id="279" r:id="rId4"/>
+    <p:sldId id="272" r:id="rId5"/>
+    <p:sldId id="281" r:id="rId6"/>
+    <p:sldId id="271" r:id="rId7"/>
+    <p:sldId id="282" r:id="rId8"/>
+    <p:sldId id="273" r:id="rId9"/>
+    <p:sldId id="274" r:id="rId10"/>
+    <p:sldId id="275" r:id="rId11"/>
+    <p:sldId id="283" r:id="rId12"/>
+    <p:sldId id="276" r:id="rId13"/>
+    <p:sldId id="277" r:id="rId14"/>
+    <p:sldId id="284" r:id="rId15"/>
+    <p:sldId id="285" r:id="rId16"/>
+    <p:sldId id="286" r:id="rId17"/>
+    <p:sldId id="287" r:id="rId18"/>
+    <p:sldId id="288" r:id="rId19"/>
+    <p:sldId id="257" r:id="rId20"/>
+    <p:sldId id="258" r:id="rId21"/>
+    <p:sldId id="259" r:id="rId22"/>
+    <p:sldId id="260" r:id="rId23"/>
+    <p:sldId id="261" r:id="rId24"/>
+    <p:sldId id="262" r:id="rId25"/>
+    <p:sldId id="263" r:id="rId26"/>
+    <p:sldId id="264" r:id="rId27"/>
+    <p:sldId id="265" r:id="rId28"/>
+    <p:sldId id="266" r:id="rId29"/>
+    <p:sldId id="267" r:id="rId30"/>
+    <p:sldId id="268" r:id="rId31"/>
+    <p:sldId id="269" r:id="rId32"/>
   </p:sldIdLst>
   <p:sldSz cx="9144000" cy="6858000" type="screen4x3"/>
   <p:notesSz cx="6858000" cy="9144000"/>
@@ -120,12 +137,17 @@
       </a:defRPr>
     </a:lvl9pPr>
   </p:defaultTextStyle>
+  <p:extLst>
+    <p:ext uri="{EFAFB233-063F-42B5-8137-9DF3F51BA10A}">
+      <p15:sldGuideLst xmlns:p15="http://schemas.microsoft.com/office/powerpoint/2012/main"/>
+    </p:ext>
+  </p:extLst>
 </p:presentation>
 </file>
 
 <file path=ppt/commentAuthors.xml><?xml version="1.0" encoding="utf-8"?>
 <p:cmAuthorLst xmlns:a="http://schemas.openxmlformats.org/drawingml/2006/main" xmlns:r="http://schemas.openxmlformats.org/officeDocument/2006/relationships" xmlns:p="http://schemas.openxmlformats.org/presentationml/2006/main">
-  <p:cmAuthor id="1" name="maeda" initials="m" lastIdx="1" clrIdx="0">
+  <p:cmAuthor id="1" name="maeda" initials="m" lastIdx="2" clrIdx="0">
     <p:extLst>
       <p:ext uri="{19B8F6BF-5375-455C-9EA6-DF929625EA0E}">
         <p15:presenceInfo xmlns:p15="http://schemas.microsoft.com/office/powerpoint/2012/main" userId="maeda" providerId="None"/>
@@ -136,6 +158,20 @@
 </file>
 
 <file path=ppt/comments/comment1.xml><?xml version="1.0" encoding="utf-8"?>
+<p:cmLst xmlns:a="http://schemas.openxmlformats.org/drawingml/2006/main" xmlns:r="http://schemas.openxmlformats.org/officeDocument/2006/relationships" xmlns:p="http://schemas.openxmlformats.org/presentationml/2006/main">
+  <p:cm authorId="1" dt="2017-07-20T14:32:17.252" idx="2">
+    <p:pos x="10" y="10"/>
+    <p:text>倒立振子の実機画像を挿入</p:text>
+    <p:extLst>
+      <p:ext uri="{C676402C-5697-4E1C-873F-D02D1690AC5C}">
+        <p15:threadingInfo xmlns:p15="http://schemas.microsoft.com/office/powerpoint/2012/main" timeZoneBias="-540"/>
+      </p:ext>
+    </p:extLst>
+  </p:cm>
+</p:cmLst>
+</file>
+
+<file path=ppt/comments/comment2.xml><?xml version="1.0" encoding="utf-8"?>
 <p:cmLst xmlns:a="http://schemas.openxmlformats.org/drawingml/2006/main" xmlns:r="http://schemas.openxmlformats.org/officeDocument/2006/relationships" xmlns:p="http://schemas.openxmlformats.org/presentationml/2006/main">
   <p:cm authorId="1" dt="2017-07-20T09:25:15.960" idx="1">
     <p:pos x="10" y="10"/>
@@ -231,7 +267,7 @@
           <a:p>
             <a:fld id="{553C94D9-FB5F-4813-990E-9CF18D2E540A}" type="datetimeFigureOut">
               <a:rPr kumimoji="1" lang="ja-JP" altLang="en-US" smtClean="0"/>
-              <a:t>2017/7/19</a:t>
+              <a:t>2017/7/20</a:t>
             </a:fld>
             <a:endParaRPr kumimoji="1" lang="ja-JP" altLang="en-US"/>
           </a:p>
@@ -662,7 +698,7 @@
           <a:p>
             <a:fld id="{C39640DA-01F2-4EE1-9FB2-D81E8F6277C3}" type="datetime1">
               <a:rPr kumimoji="1" lang="ja-JP" altLang="en-US" smtClean="0"/>
-              <a:t>2017/7/19</a:t>
+              <a:t>2017/7/20</a:t>
             </a:fld>
             <a:endParaRPr kumimoji="1" lang="ja-JP" altLang="en-US"/>
           </a:p>
@@ -864,7 +900,7 @@
           <a:p>
             <a:fld id="{D581D386-1734-43A2-8181-60C016C90FD8}" type="datetime1">
               <a:rPr kumimoji="1" lang="ja-JP" altLang="en-US" smtClean="0"/>
-              <a:t>2017/7/19</a:t>
+              <a:t>2017/7/20</a:t>
             </a:fld>
             <a:endParaRPr kumimoji="1" lang="ja-JP" altLang="en-US"/>
           </a:p>
@@ -1076,7 +1112,7 @@
           <a:p>
             <a:fld id="{FAFDD80C-870D-48B5-AB62-251EF6F4CA65}" type="datetime1">
               <a:rPr kumimoji="1" lang="ja-JP" altLang="en-US" smtClean="0"/>
-              <a:t>2017/7/19</a:t>
+              <a:t>2017/7/20</a:t>
             </a:fld>
             <a:endParaRPr kumimoji="1" lang="ja-JP" altLang="en-US"/>
           </a:p>
@@ -1176,7 +1212,7 @@
           </a:bodyPr>
           <a:lstStyle>
             <a:lvl1pPr algn="ctr">
-              <a:defRPr sz="4000"/>
+              <a:defRPr sz="4000" b="1"/>
             </a:lvl1pPr>
           </a:lstStyle>
           <a:p>
@@ -1294,7 +1330,7 @@
           <a:p>
             <a:fld id="{D67C7FC8-B739-435D-B729-BF0ABAB3B454}" type="datetime1">
               <a:rPr kumimoji="1" lang="ja-JP" altLang="en-US" smtClean="0"/>
-              <a:t>2017/7/19</a:t>
+              <a:t>2017/7/20</a:t>
             </a:fld>
             <a:endParaRPr kumimoji="1" lang="ja-JP" altLang="en-US"/>
           </a:p>
@@ -1543,7 +1579,7 @@
           <a:p>
             <a:fld id="{A9C65C7C-F382-4AFB-B8B7-900C5F32E725}" type="datetime1">
               <a:rPr kumimoji="1" lang="ja-JP" altLang="en-US" smtClean="0"/>
-              <a:t>2017/7/19</a:t>
+              <a:t>2017/7/20</a:t>
             </a:fld>
             <a:endParaRPr kumimoji="1" lang="ja-JP" altLang="en-US"/>
           </a:p>
@@ -1839,7 +1875,7 @@
           <a:p>
             <a:fld id="{218687D5-A5C3-4D80-A647-4E83A686625A}" type="datetime1">
               <a:rPr kumimoji="1" lang="ja-JP" altLang="en-US" smtClean="0"/>
-              <a:t>2017/7/19</a:t>
+              <a:t>2017/7/20</a:t>
             </a:fld>
             <a:endParaRPr kumimoji="1" lang="ja-JP" altLang="en-US"/>
           </a:p>
@@ -2270,7 +2306,7 @@
           <a:p>
             <a:fld id="{B826E6D6-844B-4145-9C2B-7B554F619ABB}" type="datetime1">
               <a:rPr kumimoji="1" lang="ja-JP" altLang="en-US" smtClean="0"/>
-              <a:t>2017/7/19</a:t>
+              <a:t>2017/7/20</a:t>
             </a:fld>
             <a:endParaRPr kumimoji="1" lang="ja-JP" altLang="en-US"/>
           </a:p>
@@ -2388,7 +2424,7 @@
           <a:p>
             <a:fld id="{9178DD8F-3DF5-4D88-A800-EAEA28C5FA1A}" type="datetime1">
               <a:rPr kumimoji="1" lang="ja-JP" altLang="en-US" smtClean="0"/>
-              <a:t>2017/7/19</a:t>
+              <a:t>2017/7/20</a:t>
             </a:fld>
             <a:endParaRPr kumimoji="1" lang="ja-JP" altLang="en-US"/>
           </a:p>
@@ -2483,7 +2519,7 @@
           <a:p>
             <a:fld id="{469F3D63-F674-4223-843F-6B22069D3A49}" type="datetime1">
               <a:rPr kumimoji="1" lang="ja-JP" altLang="en-US" smtClean="0"/>
-              <a:t>2017/7/19</a:t>
+              <a:t>2017/7/20</a:t>
             </a:fld>
             <a:endParaRPr kumimoji="1" lang="ja-JP" altLang="en-US"/>
           </a:p>
@@ -2792,7 +2828,7 @@
           <a:p>
             <a:fld id="{42BB8E51-10EE-4D61-A2E5-9E648E907DA2}" type="datetime1">
               <a:rPr kumimoji="1" lang="ja-JP" altLang="en-US" smtClean="0"/>
-              <a:t>2017/7/19</a:t>
+              <a:t>2017/7/20</a:t>
             </a:fld>
             <a:endParaRPr kumimoji="1" lang="ja-JP" altLang="en-US"/>
           </a:p>
@@ -3049,7 +3085,7 @@
           <a:p>
             <a:fld id="{14D37A31-4D62-4151-AF5D-C77A426BC59C}" type="datetime1">
               <a:rPr kumimoji="1" lang="ja-JP" altLang="en-US" smtClean="0"/>
-              <a:t>2017/7/19</a:t>
+              <a:t>2017/7/20</a:t>
             </a:fld>
             <a:endParaRPr kumimoji="1" lang="ja-JP" altLang="en-US"/>
           </a:p>
@@ -3294,7 +3330,7 @@
           <a:p>
             <a:fld id="{CA7EAE47-AFA5-4621-BC2B-E9D95EB91215}" type="datetime1">
               <a:rPr kumimoji="1" lang="ja-JP" altLang="en-US" smtClean="0"/>
-              <a:t>2017/7/19</a:t>
+              <a:t>2017/7/20</a:t>
             </a:fld>
             <a:endParaRPr kumimoji="1" lang="ja-JP" altLang="en-US"/>
           </a:p>
@@ -3808,108 +3844,14 @@
           <a:chExt cx="0" cy="0"/>
         </a:xfrm>
       </p:grpSpPr>
-      <mc:AlternateContent xmlns:mc="http://schemas.openxmlformats.org/markup-compatibility/2006">
-        <mc:Choice xmlns:a14="http://schemas.microsoft.com/office/drawing/2010/main" Requires="a14">
-          <p:sp>
-            <p:nvSpPr>
-              <p:cNvPr id="2" name="タイトル 1"/>
-              <p:cNvSpPr>
-                <a:spLocks noGrp="1"/>
-              </p:cNvSpPr>
-              <p:nvPr>
-                <p:ph type="title"/>
-              </p:nvPr>
-            </p:nvSpPr>
-            <p:spPr/>
-            <p:txBody>
-              <a:bodyPr/>
-              <a:lstStyle/>
-              <a:p>
-                <a14:m>
-                  <m:oMath xmlns:m="http://schemas.openxmlformats.org/officeDocument/2006/math">
-                    <m:r>
-                      <a:rPr lang="en-US" altLang="ja-JP" i="1">
-                        <a:latin typeface="Cambria Math" panose="02040503050406030204" pitchFamily="18" charset="0"/>
-                      </a:rPr>
-                      <m:t>𝑀</m:t>
-                    </m:r>
-                    <m:r>
-                      <a:rPr lang="en-US" altLang="ja-JP" i="1">
-                        <a:latin typeface="Cambria Math" panose="02040503050406030204" pitchFamily="18" charset="0"/>
-                      </a:rPr>
-                      <m:t>, </m:t>
-                    </m:r>
-                    <m:r>
-                      <a:rPr lang="en-US" altLang="ja-JP" i="1">
-                        <a:latin typeface="Cambria Math" panose="02040503050406030204" pitchFamily="18" charset="0"/>
-                      </a:rPr>
-                      <m:t>𝑓</m:t>
-                    </m:r>
-                  </m:oMath>
-                </a14:m>
-                <a:r>
-                  <a:rPr lang="en-US" altLang="ja-JP" dirty="0" err="1"/>
-                  <a:t>の測定</a:t>
-                </a:r>
-                <a:r>
-                  <a:rPr lang="en-US" altLang="ja-JP" dirty="0" smtClean="0"/>
-                  <a:t>(</a:t>
-                </a:r>
-                <a:r>
-                  <a:rPr lang="en-US" altLang="ja-JP" dirty="0" err="1" smtClean="0"/>
-                  <a:t>フィードバック</a:t>
-                </a:r>
-                <a:r>
-                  <a:rPr lang="en-US" altLang="ja-JP" dirty="0" smtClean="0"/>
-                  <a:t>)</a:t>
-                </a:r>
-                <a:endParaRPr kumimoji="1" lang="ja-JP" altLang="en-US" dirty="0"/>
-              </a:p>
-            </p:txBody>
-          </p:sp>
-        </mc:Choice>
-        <mc:Fallback>
-          <p:sp>
-            <p:nvSpPr>
-              <p:cNvPr id="2" name="タイトル 1"/>
-              <p:cNvSpPr>
-                <a:spLocks noGrp="1" noRot="1" noChangeAspect="1" noMove="1" noResize="1" noEditPoints="1" noAdjustHandles="1" noChangeArrowheads="1" noChangeShapeType="1" noTextEdit="1"/>
-              </p:cNvSpPr>
-              <p:nvPr>
-                <p:ph type="title"/>
-              </p:nvPr>
-            </p:nvSpPr>
-            <p:spPr>
-              <a:blipFill>
-                <a:blip r:embed="rId2"/>
-                <a:stretch>
-                  <a:fillRect/>
-                </a:stretch>
-              </a:blipFill>
-            </p:spPr>
-            <p:txBody>
-              <a:bodyPr/>
-              <a:lstStyle/>
-              <a:p>
-                <a:r>
-                  <a:rPr lang="ja-JP" altLang="en-US">
-                    <a:noFill/>
-                  </a:rPr>
-                  <a:t> </a:t>
-                </a:r>
-              </a:p>
-            </p:txBody>
-          </p:sp>
-        </mc:Fallback>
-      </mc:AlternateContent>
-      <p:sp>
-        <p:nvSpPr>
-          <p:cNvPr id="3" name="コンテンツ プレースホルダー 2"/>
-          <p:cNvSpPr>
-            <a:spLocks noGrp="1"/>
-          </p:cNvSpPr>
-          <p:nvPr>
-            <p:ph idx="1"/>
+      <p:sp>
+        <p:nvSpPr>
+          <p:cNvPr id="2" name="タイトル 1"/>
+          <p:cNvSpPr>
+            <a:spLocks noGrp="1"/>
+          </p:cNvSpPr>
+          <p:nvPr>
+            <p:ph type="title"/>
           </p:nvPr>
         </p:nvSpPr>
         <p:spPr/>
@@ -3918,79 +3860,41 @@
           <a:lstStyle/>
           <a:p>
             <a:r>
+              <a:rPr lang="ja-JP" altLang="en-US" dirty="0" smtClean="0"/>
+              <a:t>制御</a:t>
+            </a:r>
+            <a:r>
               <a:rPr kumimoji="1" lang="ja-JP" altLang="en-US" dirty="0" smtClean="0"/>
-              <a:t>台車の運動方程式</a:t>
-            </a:r>
-            <a:endParaRPr kumimoji="1" lang="en-US" altLang="ja-JP" dirty="0" smtClean="0"/>
-          </a:p>
-          <a:p>
-            <a:pPr marL="0" indent="0">
-              <a:buNone/>
-            </a:pPr>
-            <a:endParaRPr kumimoji="1" lang="en-US" altLang="ja-JP" dirty="0" smtClean="0"/>
-          </a:p>
-          <a:p>
-            <a:endParaRPr lang="en-US" altLang="ja-JP" dirty="0"/>
-          </a:p>
-          <a:p>
-            <a:r>
-              <a:rPr kumimoji="1" lang="ja-JP" altLang="en-US" dirty="0" smtClean="0"/>
-              <a:t>フィードバック</a:t>
-            </a:r>
-            <a:endParaRPr kumimoji="1" lang="en-US" altLang="ja-JP" dirty="0" smtClean="0"/>
-          </a:p>
-          <a:p>
-            <a:pPr marL="0" indent="0">
-              <a:buNone/>
-            </a:pPr>
-            <a:endParaRPr kumimoji="1" lang="en-US" altLang="ja-JP" dirty="0" smtClean="0"/>
-          </a:p>
-          <a:p>
-            <a:endParaRPr lang="en-US" altLang="ja-JP" dirty="0"/>
-          </a:p>
-          <a:p>
-            <a:r>
-              <a:rPr kumimoji="1" lang="ja-JP" altLang="en-US" dirty="0" smtClean="0"/>
-              <a:t>閉ループの応答</a:t>
+              <a:t>目的</a:t>
+            </a:r>
+            <a:r>
+              <a:rPr kumimoji="1" lang="en-US" altLang="ja-JP" dirty="0" smtClean="0"/>
+              <a:t>(</a:t>
+            </a:r>
+            <a:r>
+              <a:rPr kumimoji="1" lang="en-US" altLang="ja-JP" dirty="0" err="1" smtClean="0"/>
+              <a:t>振り上げ制御</a:t>
+            </a:r>
+            <a:r>
+              <a:rPr kumimoji="1" lang="en-US" altLang="ja-JP" dirty="0" smtClean="0"/>
+              <a:t>)</a:t>
             </a:r>
             <a:endParaRPr kumimoji="1" lang="ja-JP" altLang="en-US" dirty="0"/>
-          </a:p>
-        </p:txBody>
-      </p:sp>
-      <p:sp>
-        <p:nvSpPr>
-          <p:cNvPr id="4" name="スライド番号プレースホルダー 3"/>
-          <p:cNvSpPr>
-            <a:spLocks noGrp="1"/>
-          </p:cNvSpPr>
-          <p:nvPr>
-            <p:ph type="sldNum" sz="quarter" idx="12"/>
-          </p:nvPr>
-        </p:nvSpPr>
-        <p:spPr/>
-        <p:txBody>
-          <a:bodyPr/>
-          <a:lstStyle/>
-          <a:p>
-            <a:fld id="{879872E2-8930-43A6-82EA-52DD58EFA9F7}" type="slidenum">
-              <a:rPr lang="ja-JP" altLang="en-US" smtClean="0"/>
-              <a:pPr/>
-              <a:t>10</a:t>
-            </a:fld>
-            <a:endParaRPr lang="ja-JP" altLang="en-US" dirty="0"/>
           </a:p>
         </p:txBody>
       </p:sp>
       <p:pic>
         <p:nvPicPr>
-          <p:cNvPr id="5" name="図 4"/>
+          <p:cNvPr id="5" name="コンテンツ プレースホルダー 4"/>
           <p:cNvPicPr>
-            <a:picLocks noChangeAspect="1"/>
+            <a:picLocks noGrp="1" noChangeAspect="1"/>
           </p:cNvPicPr>
-          <p:nvPr/>
+          <p:nvPr>
+            <p:ph idx="1"/>
+          </p:nvPr>
         </p:nvPicPr>
         <p:blipFill>
-          <a:blip r:embed="rId3">
+          <a:blip r:embed="rId2">
             <a:extLst>
               <a:ext uri="{28A0092B-C50C-407E-A947-70E740481C1C}">
                 <a14:useLocalDpi xmlns:a14="http://schemas.microsoft.com/office/drawing/2010/main" val="0"/>
@@ -4003,78 +3907,99 @@
         </p:blipFill>
         <p:spPr>
           <a:xfrm>
-            <a:off x="3301019" y="2239328"/>
-            <a:ext cx="2466667" cy="352381"/>
+            <a:off x="1108868" y="1445901"/>
+            <a:ext cx="6744648" cy="4910450"/>
+          </a:xfrm>
+        </p:spPr>
+      </p:pic>
+      <p:sp>
+        <p:nvSpPr>
+          <p:cNvPr id="4" name="スライド番号プレースホルダー 3"/>
+          <p:cNvSpPr>
+            <a:spLocks noGrp="1"/>
+          </p:cNvSpPr>
+          <p:nvPr>
+            <p:ph type="sldNum" sz="quarter" idx="12"/>
+          </p:nvPr>
+        </p:nvSpPr>
+        <p:spPr/>
+        <p:txBody>
+          <a:bodyPr/>
+          <a:lstStyle/>
+          <a:p>
+            <a:fld id="{879872E2-8930-43A6-82EA-52DD58EFA9F7}" type="slidenum">
+              <a:rPr lang="ja-JP" altLang="en-US" smtClean="0"/>
+              <a:pPr/>
+              <a:t>10</a:t>
+            </a:fld>
+            <a:endParaRPr lang="ja-JP" altLang="en-US" dirty="0"/>
+          </a:p>
+        </p:txBody>
+      </p:sp>
+      <p:sp>
+        <p:nvSpPr>
+          <p:cNvPr id="6" name="テキスト ボックス 5"/>
+          <p:cNvSpPr txBox="1"/>
+          <p:nvPr/>
+        </p:nvSpPr>
+        <p:spPr>
+          <a:xfrm>
+            <a:off x="1976284" y="2529349"/>
+            <a:ext cx="2286000" cy="369332"/>
           </a:xfrm>
           <a:prstGeom prst="rect">
             <a:avLst/>
           </a:prstGeom>
+          <a:noFill/>
         </p:spPr>
-      </p:pic>
-      <p:pic>
-        <p:nvPicPr>
-          <p:cNvPr id="6" name="図 5"/>
-          <p:cNvPicPr>
-            <a:picLocks noChangeAspect="1"/>
-          </p:cNvPicPr>
+        <p:txBody>
+          <a:bodyPr wrap="square" rtlCol="0">
+            <a:spAutoFit/>
+          </a:bodyPr>
+          <a:lstStyle/>
+          <a:p>
+            <a:r>
+              <a:rPr kumimoji="1" lang="ja-JP" altLang="en-US" dirty="0" smtClean="0"/>
+              <a:t>安定平衡点</a:t>
+            </a:r>
+            <a:endParaRPr kumimoji="1" lang="ja-JP" altLang="en-US" dirty="0"/>
+          </a:p>
+        </p:txBody>
+      </p:sp>
+      <p:sp>
+        <p:nvSpPr>
+          <p:cNvPr id="7" name="テキスト ボックス 6"/>
+          <p:cNvSpPr txBox="1"/>
           <p:nvPr/>
-        </p:nvPicPr>
-        <p:blipFill>
-          <a:blip r:embed="rId4">
-            <a:extLst>
-              <a:ext uri="{28A0092B-C50C-407E-A947-70E740481C1C}">
-                <a14:useLocalDpi xmlns:a14="http://schemas.microsoft.com/office/drawing/2010/main" val="0"/>
-              </a:ext>
-            </a:extLst>
-          </a:blip>
-          <a:stretch>
-            <a:fillRect/>
-          </a:stretch>
-        </p:blipFill>
+        </p:nvSpPr>
         <p:spPr>
           <a:xfrm>
-            <a:off x="3301019" y="3639055"/>
-            <a:ext cx="2447619" cy="409524"/>
+            <a:off x="5964801" y="5043949"/>
+            <a:ext cx="2219632" cy="369332"/>
           </a:xfrm>
           <a:prstGeom prst="rect">
             <a:avLst/>
           </a:prstGeom>
+          <a:noFill/>
         </p:spPr>
-      </p:pic>
-      <p:pic>
-        <p:nvPicPr>
-          <p:cNvPr id="7" name="図 6"/>
-          <p:cNvPicPr>
-            <a:picLocks noChangeAspect="1"/>
-          </p:cNvPicPr>
-          <p:nvPr/>
-        </p:nvPicPr>
-        <p:blipFill>
-          <a:blip r:embed="rId5">
-            <a:extLst>
-              <a:ext uri="{28A0092B-C50C-407E-A947-70E740481C1C}">
-                <a14:useLocalDpi xmlns:a14="http://schemas.microsoft.com/office/drawing/2010/main" val="0"/>
-              </a:ext>
-            </a:extLst>
-          </a:blip>
-          <a:stretch>
-            <a:fillRect/>
-          </a:stretch>
-        </p:blipFill>
-        <p:spPr>
-          <a:xfrm>
-            <a:off x="1958161" y="5095925"/>
-            <a:ext cx="5152381" cy="352381"/>
-          </a:xfrm>
-          <a:prstGeom prst="rect">
-            <a:avLst/>
-          </a:prstGeom>
-        </p:spPr>
-      </p:pic>
+        <p:txBody>
+          <a:bodyPr wrap="square" rtlCol="0">
+            <a:spAutoFit/>
+          </a:bodyPr>
+          <a:lstStyle/>
+          <a:p>
+            <a:r>
+              <a:rPr kumimoji="1" lang="ja-JP" altLang="en-US" dirty="0" smtClean="0"/>
+              <a:t>不安定平衡点</a:t>
+            </a:r>
+            <a:endParaRPr kumimoji="1" lang="ja-JP" altLang="en-US" dirty="0"/>
+          </a:p>
+        </p:txBody>
+      </p:sp>
     </p:spTree>
     <p:extLst>
       <p:ext uri="{BB962C8B-B14F-4D97-AF65-F5344CB8AC3E}">
-        <p14:creationId xmlns:p14="http://schemas.microsoft.com/office/powerpoint/2010/main" val="1140271384"/>
+        <p14:creationId xmlns:p14="http://schemas.microsoft.com/office/powerpoint/2010/main" val="2484166551"/>
       </p:ext>
     </p:extLst>
   </p:cSld>
@@ -4101,211 +4026,30 @@
           <a:chExt cx="0" cy="0"/>
         </a:xfrm>
       </p:grpSpPr>
-      <mc:AlternateContent xmlns:mc="http://schemas.openxmlformats.org/markup-compatibility/2006">
-        <mc:Choice xmlns:a14="http://schemas.microsoft.com/office/drawing/2010/main" Requires="a14">
-          <p:sp>
-            <p:nvSpPr>
-              <p:cNvPr id="2" name="タイトル 1"/>
-              <p:cNvSpPr>
-                <a:spLocks noGrp="1"/>
-              </p:cNvSpPr>
-              <p:nvPr>
-                <p:ph type="title"/>
-              </p:nvPr>
-            </p:nvSpPr>
-            <p:spPr/>
-            <p:txBody>
-              <a:bodyPr/>
-              <a:lstStyle/>
-              <a:p>
-                <a14:m>
-                  <m:oMath xmlns:m="http://schemas.openxmlformats.org/officeDocument/2006/math">
-                    <m:r>
-                      <a:rPr lang="en-US" altLang="ja-JP" i="1">
-                        <a:latin typeface="Cambria Math" panose="02040503050406030204" pitchFamily="18" charset="0"/>
-                      </a:rPr>
-                      <m:t>𝑀</m:t>
-                    </m:r>
-                    <m:r>
-                      <a:rPr lang="en-US" altLang="ja-JP" i="1">
-                        <a:latin typeface="Cambria Math" panose="02040503050406030204" pitchFamily="18" charset="0"/>
-                      </a:rPr>
-                      <m:t>, </m:t>
-                    </m:r>
-                    <m:r>
-                      <a:rPr lang="en-US" altLang="ja-JP" i="1">
-                        <a:latin typeface="Cambria Math" panose="02040503050406030204" pitchFamily="18" charset="0"/>
-                      </a:rPr>
-                      <m:t>𝑓</m:t>
-                    </m:r>
-                  </m:oMath>
-                </a14:m>
-                <a:r>
-                  <a:rPr lang="en-US" altLang="ja-JP" dirty="0" err="1"/>
-                  <a:t>の測定</a:t>
-                </a:r>
-                <a:r>
-                  <a:rPr lang="en-US" altLang="ja-JP" dirty="0"/>
-                  <a:t>(</a:t>
-                </a:r>
-                <a:r>
-                  <a:rPr lang="en-US" altLang="ja-JP" dirty="0" err="1" smtClean="0"/>
-                  <a:t>フィードバック</a:t>
-                </a:r>
-                <a:r>
-                  <a:rPr lang="en-US" altLang="ja-JP" dirty="0" smtClean="0"/>
-                  <a:t>)</a:t>
-                </a:r>
-                <a:endParaRPr kumimoji="1" lang="ja-JP" altLang="en-US" dirty="0"/>
-              </a:p>
-            </p:txBody>
-          </p:sp>
-        </mc:Choice>
-        <mc:Fallback>
-          <p:sp>
-            <p:nvSpPr>
-              <p:cNvPr id="2" name="タイトル 1"/>
-              <p:cNvSpPr>
-                <a:spLocks noGrp="1" noRot="1" noChangeAspect="1" noMove="1" noResize="1" noEditPoints="1" noAdjustHandles="1" noChangeArrowheads="1" noChangeShapeType="1" noTextEdit="1"/>
-              </p:cNvSpPr>
-              <p:nvPr>
-                <p:ph type="title"/>
-              </p:nvPr>
-            </p:nvSpPr>
-            <p:spPr>
-              <a:blipFill>
-                <a:blip r:embed="rId2"/>
-                <a:stretch>
-                  <a:fillRect/>
-                </a:stretch>
-              </a:blipFill>
-            </p:spPr>
-            <p:txBody>
-              <a:bodyPr/>
-              <a:lstStyle/>
-              <a:p>
-                <a:r>
-                  <a:rPr lang="ja-JP" altLang="en-US">
-                    <a:noFill/>
-                  </a:rPr>
-                  <a:t> </a:t>
-                </a:r>
-              </a:p>
-            </p:txBody>
-          </p:sp>
-        </mc:Fallback>
-      </mc:AlternateContent>
-      <p:sp>
-        <p:nvSpPr>
-          <p:cNvPr id="3" name="コンテンツ プレースホルダー 2"/>
-          <p:cNvSpPr>
-            <a:spLocks noGrp="1"/>
-          </p:cNvSpPr>
-          <p:nvPr>
-            <p:ph idx="1"/>
-          </p:nvPr>
-        </p:nvSpPr>
-        <p:spPr/>
+      <p:sp>
+        <p:nvSpPr>
+          <p:cNvPr id="2" name="タイトル 1"/>
+          <p:cNvSpPr>
+            <a:spLocks noGrp="1"/>
+          </p:cNvSpPr>
+          <p:nvPr>
+            <p:ph type="title"/>
+          </p:nvPr>
+        </p:nvSpPr>
+        <p:spPr>
+          <a:xfrm>
+            <a:off x="396772" y="2687646"/>
+            <a:ext cx="8319408" cy="1325563"/>
+          </a:xfrm>
+        </p:spPr>
         <p:txBody>
           <a:bodyPr/>
           <a:lstStyle/>
           <a:p>
-            <a:pPr marL="0" indent="0">
-              <a:buNone/>
-            </a:pPr>
-            <a:r>
-              <a:rPr kumimoji="1" lang="ja-JP" altLang="en-US" dirty="0" smtClean="0"/>
-              <a:t>偏差を</a:t>
-            </a:r>
-            <a:r>
-              <a:rPr kumimoji="1" lang="en-US" altLang="ja-JP" dirty="0" smtClean="0"/>
-              <a:t>,</a:t>
-            </a:r>
-          </a:p>
-          <a:p>
-            <a:pPr marL="0" indent="0">
-              <a:buNone/>
-            </a:pPr>
-            <a:endParaRPr lang="en-US" altLang="ja-JP" dirty="0"/>
-          </a:p>
-          <a:p>
-            <a:pPr marL="0" indent="0">
-              <a:buNone/>
-            </a:pPr>
-            <a:r>
-              <a:rPr kumimoji="1" lang="ja-JP" altLang="en-US" dirty="0" smtClean="0"/>
-              <a:t>とすると</a:t>
-            </a:r>
-            <a:r>
-              <a:rPr kumimoji="1" lang="en-US" altLang="ja-JP" dirty="0" smtClean="0"/>
-              <a:t>,</a:t>
-            </a:r>
-          </a:p>
-          <a:p>
-            <a:pPr marL="0" indent="0">
-              <a:buNone/>
-            </a:pPr>
-            <a:endParaRPr lang="en-US" altLang="ja-JP" dirty="0"/>
-          </a:p>
-          <a:p>
-            <a:pPr marL="0" indent="0">
-              <a:buNone/>
-            </a:pPr>
-            <a:endParaRPr kumimoji="1" lang="en-US" altLang="ja-JP" dirty="0" smtClean="0"/>
-          </a:p>
-          <a:p>
-            <a:pPr marL="0" indent="0">
-              <a:buNone/>
-            </a:pPr>
             <a:r>
               <a:rPr lang="ja-JP" altLang="en-US" dirty="0" smtClean="0"/>
-              <a:t>ただし</a:t>
-            </a:r>
-            <a:r>
-              <a:rPr lang="en-US" altLang="ja-JP" dirty="0" smtClean="0"/>
-              <a:t>,</a:t>
-            </a:r>
-          </a:p>
-          <a:p>
-            <a:pPr marL="0" indent="0">
-              <a:buNone/>
-            </a:pPr>
-            <a:endParaRPr lang="en-US" altLang="ja-JP" dirty="0"/>
-          </a:p>
-          <a:p>
-            <a:pPr marL="0" indent="0">
-              <a:buNone/>
-            </a:pPr>
-            <a:endParaRPr lang="en-US" altLang="ja-JP" dirty="0" smtClean="0"/>
-          </a:p>
-          <a:p>
-            <a:pPr marL="0" indent="0">
-              <a:buNone/>
-            </a:pPr>
-            <a:r>
-              <a:rPr lang="en-US" altLang="ja-JP" dirty="0" smtClean="0"/>
-              <a:t>				</a:t>
-            </a:r>
-            <a:r>
-              <a:rPr lang="en-US" altLang="ja-JP" dirty="0" err="1" smtClean="0"/>
-              <a:t>のとき</a:t>
-            </a:r>
-            <a:r>
-              <a:rPr lang="ja-JP" altLang="en-US" dirty="0"/>
-              <a:t>減衰振動</a:t>
-            </a:r>
-            <a:endParaRPr lang="en-US" altLang="ja-JP" dirty="0"/>
-          </a:p>
-          <a:p>
-            <a:pPr marL="0" indent="0">
-              <a:buNone/>
-            </a:pPr>
-            <a:endParaRPr lang="en-US" altLang="ja-JP" dirty="0" smtClean="0"/>
-          </a:p>
-          <a:p>
-            <a:pPr marL="0" indent="0">
-              <a:buNone/>
-            </a:pPr>
+              <a:t>モデリング</a:t>
+            </a:r>
             <a:endParaRPr kumimoji="1" lang="ja-JP" altLang="en-US" dirty="0"/>
           </a:p>
         </p:txBody>
@@ -4334,9 +4078,127 @@
           </a:p>
         </p:txBody>
       </p:sp>
+    </p:spTree>
+    <p:extLst>
+      <p:ext uri="{BB962C8B-B14F-4D97-AF65-F5344CB8AC3E}">
+        <p14:creationId xmlns:p14="http://schemas.microsoft.com/office/powerpoint/2010/main" val="245135739"/>
+      </p:ext>
+    </p:extLst>
+  </p:cSld>
+  <p:clrMapOvr>
+    <a:masterClrMapping/>
+  </p:clrMapOvr>
+</p:sld>
+</file>
+
+<file path=ppt/slides/slide12.xml><?xml version="1.0" encoding="utf-8"?>
+<p:sld xmlns:a="http://schemas.openxmlformats.org/drawingml/2006/main" xmlns:r="http://schemas.openxmlformats.org/officeDocument/2006/relationships" xmlns:p="http://schemas.openxmlformats.org/presentationml/2006/main">
+  <p:cSld>
+    <p:spTree>
+      <p:nvGrpSpPr>
+        <p:cNvPr id="1" name=""/>
+        <p:cNvGrpSpPr/>
+        <p:nvPr/>
+      </p:nvGrpSpPr>
+      <p:grpSpPr>
+        <a:xfrm>
+          <a:off x="0" y="0"/>
+          <a:ext cx="0" cy="0"/>
+          <a:chOff x="0" y="0"/>
+          <a:chExt cx="0" cy="0"/>
+        </a:xfrm>
+      </p:grpSpPr>
+      <p:sp>
+        <p:nvSpPr>
+          <p:cNvPr id="2" name="タイトル 1"/>
+          <p:cNvSpPr>
+            <a:spLocks noGrp="1"/>
+          </p:cNvSpPr>
+          <p:nvPr>
+            <p:ph type="title"/>
+          </p:nvPr>
+        </p:nvSpPr>
+        <p:spPr/>
+        <p:txBody>
+          <a:bodyPr/>
+          <a:lstStyle/>
+          <a:p>
+            <a:r>
+              <a:rPr kumimoji="1" lang="ja-JP" altLang="en-US" dirty="0" smtClean="0"/>
+              <a:t>モデリング</a:t>
+            </a:r>
+            <a:r>
+              <a:rPr kumimoji="1" lang="en-US" altLang="ja-JP" dirty="0" smtClean="0"/>
+              <a:t>(</a:t>
+            </a:r>
+            <a:r>
+              <a:rPr kumimoji="1" lang="en-US" altLang="ja-JP" dirty="0" err="1" smtClean="0"/>
+              <a:t>台車</a:t>
+            </a:r>
+            <a:r>
+              <a:rPr kumimoji="1" lang="en-US" altLang="ja-JP" dirty="0" smtClean="0"/>
+              <a:t>)</a:t>
+            </a:r>
+            <a:endParaRPr kumimoji="1" lang="ja-JP" altLang="en-US" dirty="0"/>
+          </a:p>
+        </p:txBody>
+      </p:sp>
       <p:pic>
         <p:nvPicPr>
-          <p:cNvPr id="5" name="図 4"/>
+          <p:cNvPr id="5" name="コンテンツ プレースホルダー 4"/>
+          <p:cNvPicPr>
+            <a:picLocks noGrp="1" noChangeAspect="1"/>
+          </p:cNvPicPr>
+          <p:nvPr>
+            <p:ph idx="1"/>
+          </p:nvPr>
+        </p:nvPicPr>
+        <p:blipFill>
+          <a:blip r:embed="rId2">
+            <a:extLst>
+              <a:ext uri="{28A0092B-C50C-407E-A947-70E740481C1C}">
+                <a14:useLocalDpi xmlns:a14="http://schemas.microsoft.com/office/drawing/2010/main" val="0"/>
+              </a:ext>
+            </a:extLst>
+          </a:blip>
+          <a:stretch>
+            <a:fillRect/>
+          </a:stretch>
+        </p:blipFill>
+        <p:spPr>
+          <a:xfrm>
+            <a:off x="159440" y="1103235"/>
+            <a:ext cx="5173598" cy="3999706"/>
+          </a:xfrm>
+        </p:spPr>
+      </p:pic>
+      <p:sp>
+        <p:nvSpPr>
+          <p:cNvPr id="4" name="スライド番号プレースホルダー 3"/>
+          <p:cNvSpPr>
+            <a:spLocks noGrp="1"/>
+          </p:cNvSpPr>
+          <p:nvPr>
+            <p:ph type="sldNum" sz="quarter" idx="12"/>
+          </p:nvPr>
+        </p:nvSpPr>
+        <p:spPr/>
+        <p:txBody>
+          <a:bodyPr/>
+          <a:lstStyle/>
+          <a:p>
+            <a:fld id="{879872E2-8930-43A6-82EA-52DD58EFA9F7}" type="slidenum">
+              <a:rPr lang="ja-JP" altLang="en-US" smtClean="0"/>
+              <a:pPr/>
+              <a:t>12</a:t>
+            </a:fld>
+            <a:endParaRPr lang="ja-JP" altLang="en-US" dirty="0"/>
+          </a:p>
+        </p:txBody>
+      </p:sp>
+      <p:pic>
+        <p:nvPicPr>
+          <p:cNvPr id="6" name="図 5"/>
           <p:cNvPicPr>
             <a:picLocks noChangeAspect="1"/>
           </p:cNvPicPr>
@@ -4356,8 +4218,400 @@
         </p:blipFill>
         <p:spPr>
           <a:xfrm>
-            <a:off x="3577210" y="2039660"/>
-            <a:ext cx="1914286" cy="247619"/>
+            <a:off x="4667731" y="2702910"/>
+            <a:ext cx="3847619" cy="952381"/>
+          </a:xfrm>
+          <a:prstGeom prst="rect">
+            <a:avLst/>
+          </a:prstGeom>
+        </p:spPr>
+      </p:pic>
+    </p:spTree>
+    <p:extLst>
+      <p:ext uri="{BB962C8B-B14F-4D97-AF65-F5344CB8AC3E}">
+        <p14:creationId xmlns:p14="http://schemas.microsoft.com/office/powerpoint/2010/main" val="3391482090"/>
+      </p:ext>
+    </p:extLst>
+  </p:cSld>
+  <p:clrMapOvr>
+    <a:masterClrMapping/>
+  </p:clrMapOvr>
+</p:sld>
+</file>
+
+<file path=ppt/slides/slide13.xml><?xml version="1.0" encoding="utf-8"?>
+<p:sld xmlns:a="http://schemas.openxmlformats.org/drawingml/2006/main" xmlns:r="http://schemas.openxmlformats.org/officeDocument/2006/relationships" xmlns:p="http://schemas.openxmlformats.org/presentationml/2006/main">
+  <p:cSld>
+    <p:spTree>
+      <p:nvGrpSpPr>
+        <p:cNvPr id="1" name=""/>
+        <p:cNvGrpSpPr/>
+        <p:nvPr/>
+      </p:nvGrpSpPr>
+      <p:grpSpPr>
+        <a:xfrm>
+          <a:off x="0" y="0"/>
+          <a:ext cx="0" cy="0"/>
+          <a:chOff x="0" y="0"/>
+          <a:chExt cx="0" cy="0"/>
+        </a:xfrm>
+      </p:grpSpPr>
+      <p:sp>
+        <p:nvSpPr>
+          <p:cNvPr id="2" name="タイトル 1"/>
+          <p:cNvSpPr>
+            <a:spLocks noGrp="1"/>
+          </p:cNvSpPr>
+          <p:nvPr>
+            <p:ph type="title"/>
+          </p:nvPr>
+        </p:nvSpPr>
+        <p:spPr/>
+        <p:txBody>
+          <a:bodyPr/>
+          <a:lstStyle/>
+          <a:p>
+            <a:r>
+              <a:rPr kumimoji="1" lang="ja-JP" altLang="en-US" dirty="0" smtClean="0"/>
+              <a:t>モデリング</a:t>
+            </a:r>
+            <a:r>
+              <a:rPr kumimoji="1" lang="en-US" altLang="ja-JP" dirty="0" smtClean="0"/>
+              <a:t>(</a:t>
+            </a:r>
+            <a:r>
+              <a:rPr kumimoji="1" lang="en-US" altLang="ja-JP" dirty="0" err="1" smtClean="0"/>
+              <a:t>振子</a:t>
+            </a:r>
+            <a:r>
+              <a:rPr kumimoji="1" lang="en-US" altLang="ja-JP" dirty="0" smtClean="0"/>
+              <a:t>)</a:t>
+            </a:r>
+            <a:endParaRPr kumimoji="1" lang="ja-JP" altLang="en-US" dirty="0"/>
+          </a:p>
+        </p:txBody>
+      </p:sp>
+      <p:pic>
+        <p:nvPicPr>
+          <p:cNvPr id="5" name="コンテンツ プレースホルダー 4"/>
+          <p:cNvPicPr>
+            <a:picLocks noGrp="1" noChangeAspect="1"/>
+          </p:cNvPicPr>
+          <p:nvPr>
+            <p:ph idx="1"/>
+          </p:nvPr>
+        </p:nvPicPr>
+        <p:blipFill>
+          <a:blip r:embed="rId2">
+            <a:extLst>
+              <a:ext uri="{28A0092B-C50C-407E-A947-70E740481C1C}">
+                <a14:useLocalDpi xmlns:a14="http://schemas.microsoft.com/office/drawing/2010/main" val="0"/>
+              </a:ext>
+            </a:extLst>
+          </a:blip>
+          <a:stretch>
+            <a:fillRect/>
+          </a:stretch>
+        </p:blipFill>
+        <p:spPr>
+          <a:xfrm>
+            <a:off x="-103239" y="1255261"/>
+            <a:ext cx="3996813" cy="3355541"/>
+          </a:xfrm>
+        </p:spPr>
+      </p:pic>
+      <p:sp>
+        <p:nvSpPr>
+          <p:cNvPr id="4" name="スライド番号プレースホルダー 3"/>
+          <p:cNvSpPr>
+            <a:spLocks noGrp="1"/>
+          </p:cNvSpPr>
+          <p:nvPr>
+            <p:ph type="sldNum" sz="quarter" idx="12"/>
+          </p:nvPr>
+        </p:nvSpPr>
+        <p:spPr/>
+        <p:txBody>
+          <a:bodyPr/>
+          <a:lstStyle/>
+          <a:p>
+            <a:fld id="{879872E2-8930-43A6-82EA-52DD58EFA9F7}" type="slidenum">
+              <a:rPr lang="ja-JP" altLang="en-US" smtClean="0"/>
+              <a:pPr/>
+              <a:t>13</a:t>
+            </a:fld>
+            <a:endParaRPr lang="ja-JP" altLang="en-US" dirty="0"/>
+          </a:p>
+        </p:txBody>
+      </p:sp>
+      <p:pic>
+        <p:nvPicPr>
+          <p:cNvPr id="6" name="図 5"/>
+          <p:cNvPicPr>
+            <a:picLocks noChangeAspect="1"/>
+          </p:cNvPicPr>
+          <p:nvPr/>
+        </p:nvPicPr>
+        <p:blipFill>
+          <a:blip r:embed="rId3">
+            <a:extLst>
+              <a:ext uri="{28A0092B-C50C-407E-A947-70E740481C1C}">
+                <a14:useLocalDpi xmlns:a14="http://schemas.microsoft.com/office/drawing/2010/main" val="0"/>
+              </a:ext>
+            </a:extLst>
+          </a:blip>
+          <a:stretch>
+            <a:fillRect/>
+          </a:stretch>
+        </p:blipFill>
+        <p:spPr>
+          <a:xfrm>
+            <a:off x="3706323" y="3109517"/>
+            <a:ext cx="5285714" cy="1066667"/>
+          </a:xfrm>
+          <a:prstGeom prst="rect">
+            <a:avLst/>
+          </a:prstGeom>
+        </p:spPr>
+      </p:pic>
+    </p:spTree>
+    <p:extLst>
+      <p:ext uri="{BB962C8B-B14F-4D97-AF65-F5344CB8AC3E}">
+        <p14:creationId xmlns:p14="http://schemas.microsoft.com/office/powerpoint/2010/main" val="879276710"/>
+      </p:ext>
+    </p:extLst>
+  </p:cSld>
+  <p:clrMapOvr>
+    <a:masterClrMapping/>
+  </p:clrMapOvr>
+</p:sld>
+</file>
+
+<file path=ppt/slides/slide14.xml><?xml version="1.0" encoding="utf-8"?>
+<p:sld xmlns:a="http://schemas.openxmlformats.org/drawingml/2006/main" xmlns:r="http://schemas.openxmlformats.org/officeDocument/2006/relationships" xmlns:p="http://schemas.openxmlformats.org/presentationml/2006/main">
+  <p:cSld>
+    <p:spTree>
+      <p:nvGrpSpPr>
+        <p:cNvPr id="1" name=""/>
+        <p:cNvGrpSpPr/>
+        <p:nvPr/>
+      </p:nvGrpSpPr>
+      <p:grpSpPr>
+        <a:xfrm>
+          <a:off x="0" y="0"/>
+          <a:ext cx="0" cy="0"/>
+          <a:chOff x="0" y="0"/>
+          <a:chExt cx="0" cy="0"/>
+        </a:xfrm>
+      </p:grpSpPr>
+      <p:sp>
+        <p:nvSpPr>
+          <p:cNvPr id="2" name="タイトル 1"/>
+          <p:cNvSpPr>
+            <a:spLocks noGrp="1"/>
+          </p:cNvSpPr>
+          <p:nvPr>
+            <p:ph type="title"/>
+          </p:nvPr>
+        </p:nvSpPr>
+        <p:spPr/>
+        <p:txBody>
+          <a:bodyPr/>
+          <a:lstStyle/>
+          <a:p>
+            <a:r>
+              <a:rPr kumimoji="1" lang="ja-JP" altLang="en-US" dirty="0" smtClean="0"/>
+              <a:t>倒立振子系の運動方程式</a:t>
+            </a:r>
+            <a:endParaRPr kumimoji="1" lang="ja-JP" altLang="en-US" dirty="0"/>
+          </a:p>
+        </p:txBody>
+      </p:sp>
+      <p:sp>
+        <p:nvSpPr>
+          <p:cNvPr id="4" name="スライド番号プレースホルダー 3"/>
+          <p:cNvSpPr>
+            <a:spLocks noGrp="1"/>
+          </p:cNvSpPr>
+          <p:nvPr>
+            <p:ph type="sldNum" sz="quarter" idx="12"/>
+          </p:nvPr>
+        </p:nvSpPr>
+        <p:spPr/>
+        <p:txBody>
+          <a:bodyPr/>
+          <a:lstStyle/>
+          <a:p>
+            <a:fld id="{879872E2-8930-43A6-82EA-52DD58EFA9F7}" type="slidenum">
+              <a:rPr lang="ja-JP" altLang="en-US" smtClean="0"/>
+              <a:pPr/>
+              <a:t>14</a:t>
+            </a:fld>
+            <a:endParaRPr lang="ja-JP" altLang="en-US" dirty="0"/>
+          </a:p>
+        </p:txBody>
+      </p:sp>
+      <p:pic>
+        <p:nvPicPr>
+          <p:cNvPr id="9" name="図 8"/>
+          <p:cNvPicPr>
+            <a:picLocks noChangeAspect="1"/>
+          </p:cNvPicPr>
+          <p:nvPr/>
+        </p:nvPicPr>
+        <p:blipFill>
+          <a:blip r:embed="rId2">
+            <a:extLst>
+              <a:ext uri="{28A0092B-C50C-407E-A947-70E740481C1C}">
+                <a14:useLocalDpi xmlns:a14="http://schemas.microsoft.com/office/drawing/2010/main" val="0"/>
+              </a:ext>
+            </a:extLst>
+          </a:blip>
+          <a:stretch>
+            <a:fillRect/>
+          </a:stretch>
+        </p:blipFill>
+        <p:spPr>
+          <a:xfrm>
+            <a:off x="416509" y="4017767"/>
+            <a:ext cx="8515350" cy="897308"/>
+          </a:xfrm>
+          <a:prstGeom prst="rect">
+            <a:avLst/>
+          </a:prstGeom>
+        </p:spPr>
+      </p:pic>
+      <p:pic>
+        <p:nvPicPr>
+          <p:cNvPr id="10" name="図 9"/>
+          <p:cNvPicPr>
+            <a:picLocks noChangeAspect="1"/>
+          </p:cNvPicPr>
+          <p:nvPr/>
+        </p:nvPicPr>
+        <p:blipFill>
+          <a:blip r:embed="rId3">
+            <a:extLst>
+              <a:ext uri="{28A0092B-C50C-407E-A947-70E740481C1C}">
+                <a14:useLocalDpi xmlns:a14="http://schemas.microsoft.com/office/drawing/2010/main" val="0"/>
+              </a:ext>
+            </a:extLst>
+          </a:blip>
+          <a:stretch>
+            <a:fillRect/>
+          </a:stretch>
+        </p:blipFill>
+        <p:spPr>
+          <a:xfrm>
+            <a:off x="629107" y="1754921"/>
+            <a:ext cx="8302752" cy="1390270"/>
+          </a:xfrm>
+          <a:prstGeom prst="rect">
+            <a:avLst/>
+          </a:prstGeom>
+        </p:spPr>
+      </p:pic>
+    </p:spTree>
+    <p:extLst>
+      <p:ext uri="{BB962C8B-B14F-4D97-AF65-F5344CB8AC3E}">
+        <p14:creationId xmlns:p14="http://schemas.microsoft.com/office/powerpoint/2010/main" val="4027343269"/>
+      </p:ext>
+    </p:extLst>
+  </p:cSld>
+  <p:clrMapOvr>
+    <a:masterClrMapping/>
+  </p:clrMapOvr>
+</p:sld>
+</file>
+
+<file path=ppt/slides/slide15.xml><?xml version="1.0" encoding="utf-8"?>
+<p:sld xmlns:a="http://schemas.openxmlformats.org/drawingml/2006/main" xmlns:r="http://schemas.openxmlformats.org/officeDocument/2006/relationships" xmlns:p="http://schemas.openxmlformats.org/presentationml/2006/main">
+  <p:cSld>
+    <p:spTree>
+      <p:nvGrpSpPr>
+        <p:cNvPr id="1" name=""/>
+        <p:cNvGrpSpPr/>
+        <p:nvPr/>
+      </p:nvGrpSpPr>
+      <p:grpSpPr>
+        <a:xfrm>
+          <a:off x="0" y="0"/>
+          <a:ext cx="0" cy="0"/>
+          <a:chOff x="0" y="0"/>
+          <a:chExt cx="0" cy="0"/>
+        </a:xfrm>
+      </p:grpSpPr>
+      <p:sp>
+        <p:nvSpPr>
+          <p:cNvPr id="2" name="タイトル 1"/>
+          <p:cNvSpPr>
+            <a:spLocks noGrp="1"/>
+          </p:cNvSpPr>
+          <p:nvPr>
+            <p:ph type="title"/>
+          </p:nvPr>
+        </p:nvSpPr>
+        <p:spPr/>
+        <p:txBody>
+          <a:bodyPr/>
+          <a:lstStyle/>
+          <a:p>
+            <a:r>
+              <a:rPr kumimoji="1" lang="ja-JP" altLang="en-US" dirty="0" smtClean="0"/>
+              <a:t>倒立振子系の非線形状態方程式</a:t>
+            </a:r>
+            <a:endParaRPr kumimoji="1" lang="ja-JP" altLang="en-US" dirty="0"/>
+          </a:p>
+        </p:txBody>
+      </p:sp>
+      <p:sp>
+        <p:nvSpPr>
+          <p:cNvPr id="4" name="スライド番号プレースホルダー 3"/>
+          <p:cNvSpPr>
+            <a:spLocks noGrp="1"/>
+          </p:cNvSpPr>
+          <p:nvPr>
+            <p:ph type="sldNum" sz="quarter" idx="12"/>
+          </p:nvPr>
+        </p:nvSpPr>
+        <p:spPr/>
+        <p:txBody>
+          <a:bodyPr/>
+          <a:lstStyle/>
+          <a:p>
+            <a:fld id="{879872E2-8930-43A6-82EA-52DD58EFA9F7}" type="slidenum">
+              <a:rPr lang="ja-JP" altLang="en-US" smtClean="0"/>
+              <a:pPr/>
+              <a:t>15</a:t>
+            </a:fld>
+            <a:endParaRPr lang="ja-JP" altLang="en-US" dirty="0"/>
+          </a:p>
+        </p:txBody>
+      </p:sp>
+      <p:pic>
+        <p:nvPicPr>
+          <p:cNvPr id="5" name="図 4"/>
+          <p:cNvPicPr>
+            <a:picLocks noChangeAspect="1"/>
+          </p:cNvPicPr>
+          <p:nvPr/>
+        </p:nvPicPr>
+        <p:blipFill>
+          <a:blip r:embed="rId2">
+            <a:extLst>
+              <a:ext uri="{28A0092B-C50C-407E-A947-70E740481C1C}">
+                <a14:useLocalDpi xmlns:a14="http://schemas.microsoft.com/office/drawing/2010/main" val="0"/>
+              </a:ext>
+            </a:extLst>
+          </a:blip>
+          <a:stretch>
+            <a:fillRect/>
+          </a:stretch>
+        </p:blipFill>
+        <p:spPr>
+          <a:xfrm>
+            <a:off x="514651" y="3524114"/>
+            <a:ext cx="8097926" cy="902908"/>
           </a:xfrm>
           <a:prstGeom prst="rect">
             <a:avLst/>
@@ -4367,6 +4621,36 @@
       <p:pic>
         <p:nvPicPr>
           <p:cNvPr id="6" name="図 5"/>
+          <p:cNvPicPr>
+            <a:picLocks noChangeAspect="1"/>
+          </p:cNvPicPr>
+          <p:nvPr/>
+        </p:nvPicPr>
+        <p:blipFill>
+          <a:blip r:embed="rId3">
+            <a:extLst>
+              <a:ext uri="{28A0092B-C50C-407E-A947-70E740481C1C}">
+                <a14:useLocalDpi xmlns:a14="http://schemas.microsoft.com/office/drawing/2010/main" val="0"/>
+              </a:ext>
+            </a:extLst>
+          </a:blip>
+          <a:stretch>
+            <a:fillRect/>
+          </a:stretch>
+        </p:blipFill>
+        <p:spPr>
+          <a:xfrm>
+            <a:off x="456129" y="2138544"/>
+            <a:ext cx="8156448" cy="897308"/>
+          </a:xfrm>
+          <a:prstGeom prst="rect">
+            <a:avLst/>
+          </a:prstGeom>
+        </p:spPr>
+      </p:pic>
+      <p:pic>
+        <p:nvPicPr>
+          <p:cNvPr id="9" name="図 8"/>
           <p:cNvPicPr>
             <a:picLocks noChangeAspect="1"/>
           </p:cNvPicPr>
@@ -4386,8 +4670,449 @@
         </p:blipFill>
         <p:spPr>
           <a:xfrm>
-            <a:off x="2734353" y="3024740"/>
-            <a:ext cx="3600000" cy="447619"/>
+            <a:off x="514651" y="4746486"/>
+            <a:ext cx="1373136" cy="1500695"/>
+          </a:xfrm>
+          <a:prstGeom prst="rect">
+            <a:avLst/>
+          </a:prstGeom>
+        </p:spPr>
+      </p:pic>
+    </p:spTree>
+    <p:extLst>
+      <p:ext uri="{BB962C8B-B14F-4D97-AF65-F5344CB8AC3E}">
+        <p14:creationId xmlns:p14="http://schemas.microsoft.com/office/powerpoint/2010/main" val="3447825545"/>
+      </p:ext>
+    </p:extLst>
+  </p:cSld>
+  <p:clrMapOvr>
+    <a:masterClrMapping/>
+  </p:clrMapOvr>
+</p:sld>
+</file>
+
+<file path=ppt/slides/slide16.xml><?xml version="1.0" encoding="utf-8"?>
+<p:sld xmlns:a="http://schemas.openxmlformats.org/drawingml/2006/main" xmlns:r="http://schemas.openxmlformats.org/officeDocument/2006/relationships" xmlns:p="http://schemas.openxmlformats.org/presentationml/2006/main">
+  <p:cSld>
+    <p:spTree>
+      <p:nvGrpSpPr>
+        <p:cNvPr id="1" name=""/>
+        <p:cNvGrpSpPr/>
+        <p:nvPr/>
+      </p:nvGrpSpPr>
+      <p:grpSpPr>
+        <a:xfrm>
+          <a:off x="0" y="0"/>
+          <a:ext cx="0" cy="0"/>
+          <a:chOff x="0" y="0"/>
+          <a:chExt cx="0" cy="0"/>
+        </a:xfrm>
+      </p:grpSpPr>
+      <p:sp>
+        <p:nvSpPr>
+          <p:cNvPr id="2" name="タイトル 1"/>
+          <p:cNvSpPr>
+            <a:spLocks noGrp="1"/>
+          </p:cNvSpPr>
+          <p:nvPr>
+            <p:ph type="title"/>
+          </p:nvPr>
+        </p:nvSpPr>
+        <p:spPr/>
+        <p:txBody>
+          <a:bodyPr/>
+          <a:lstStyle/>
+          <a:p>
+            <a:r>
+              <a:rPr kumimoji="1" lang="ja-JP" altLang="en-US" dirty="0" smtClean="0"/>
+              <a:t>倒立振子系の非線形状態方程式</a:t>
+            </a:r>
+            <a:endParaRPr kumimoji="1" lang="ja-JP" altLang="en-US" dirty="0"/>
+          </a:p>
+        </p:txBody>
+      </p:sp>
+      <p:sp>
+        <p:nvSpPr>
+          <p:cNvPr id="4" name="スライド番号プレースホルダー 3"/>
+          <p:cNvSpPr>
+            <a:spLocks noGrp="1"/>
+          </p:cNvSpPr>
+          <p:nvPr>
+            <p:ph type="sldNum" sz="quarter" idx="12"/>
+          </p:nvPr>
+        </p:nvSpPr>
+        <p:spPr/>
+        <p:txBody>
+          <a:bodyPr/>
+          <a:lstStyle/>
+          <a:p>
+            <a:fld id="{879872E2-8930-43A6-82EA-52DD58EFA9F7}" type="slidenum">
+              <a:rPr lang="ja-JP" altLang="en-US" smtClean="0"/>
+              <a:pPr/>
+              <a:t>16</a:t>
+            </a:fld>
+            <a:endParaRPr lang="ja-JP" altLang="en-US" dirty="0"/>
+          </a:p>
+        </p:txBody>
+      </p:sp>
+      <p:pic>
+        <p:nvPicPr>
+          <p:cNvPr id="5" name="コンテンツ プレースホルダー 4"/>
+          <p:cNvPicPr>
+            <a:picLocks noGrp="1" noChangeAspect="1"/>
+          </p:cNvPicPr>
+          <p:nvPr>
+            <p:ph idx="1"/>
+          </p:nvPr>
+        </p:nvPicPr>
+        <p:blipFill>
+          <a:blip r:embed="rId2">
+            <a:extLst>
+              <a:ext uri="{28A0092B-C50C-407E-A947-70E740481C1C}">
+                <a14:useLocalDpi xmlns:a14="http://schemas.microsoft.com/office/drawing/2010/main" val="0"/>
+              </a:ext>
+            </a:extLst>
+          </a:blip>
+          <a:stretch>
+            <a:fillRect/>
+          </a:stretch>
+        </p:blipFill>
+        <p:spPr>
+          <a:xfrm>
+            <a:off x="279552" y="1661735"/>
+            <a:ext cx="8659813" cy="1862920"/>
+          </a:xfrm>
+          <a:prstGeom prst="rect">
+            <a:avLst/>
+          </a:prstGeom>
+        </p:spPr>
+      </p:pic>
+      <p:pic>
+        <p:nvPicPr>
+          <p:cNvPr id="7" name="図 6"/>
+          <p:cNvPicPr>
+            <a:picLocks noChangeAspect="1"/>
+          </p:cNvPicPr>
+          <p:nvPr/>
+        </p:nvPicPr>
+        <p:blipFill>
+          <a:blip r:embed="rId3">
+            <a:extLst>
+              <a:ext uri="{28A0092B-C50C-407E-A947-70E740481C1C}">
+                <a14:useLocalDpi xmlns:a14="http://schemas.microsoft.com/office/drawing/2010/main" val="0"/>
+              </a:ext>
+            </a:extLst>
+          </a:blip>
+          <a:stretch>
+            <a:fillRect/>
+          </a:stretch>
+        </p:blipFill>
+        <p:spPr>
+          <a:xfrm>
+            <a:off x="2177210" y="4384671"/>
+            <a:ext cx="4714286" cy="952381"/>
+          </a:xfrm>
+          <a:prstGeom prst="rect">
+            <a:avLst/>
+          </a:prstGeom>
+        </p:spPr>
+      </p:pic>
+    </p:spTree>
+    <p:extLst>
+      <p:ext uri="{BB962C8B-B14F-4D97-AF65-F5344CB8AC3E}">
+        <p14:creationId xmlns:p14="http://schemas.microsoft.com/office/powerpoint/2010/main" val="2547117276"/>
+      </p:ext>
+    </p:extLst>
+  </p:cSld>
+  <p:clrMapOvr>
+    <a:masterClrMapping/>
+  </p:clrMapOvr>
+</p:sld>
+</file>
+
+<file path=ppt/slides/slide17.xml><?xml version="1.0" encoding="utf-8"?>
+<p:sld xmlns:a="http://schemas.openxmlformats.org/drawingml/2006/main" xmlns:r="http://schemas.openxmlformats.org/officeDocument/2006/relationships" xmlns:p="http://schemas.openxmlformats.org/presentationml/2006/main">
+  <p:cSld>
+    <p:spTree>
+      <p:nvGrpSpPr>
+        <p:cNvPr id="1" name=""/>
+        <p:cNvGrpSpPr/>
+        <p:nvPr/>
+      </p:nvGrpSpPr>
+      <p:grpSpPr>
+        <a:xfrm>
+          <a:off x="0" y="0"/>
+          <a:ext cx="0" cy="0"/>
+          <a:chOff x="0" y="0"/>
+          <a:chExt cx="0" cy="0"/>
+        </a:xfrm>
+      </p:grpSpPr>
+      <p:sp>
+        <p:nvSpPr>
+          <p:cNvPr id="2" name="タイトル 1"/>
+          <p:cNvSpPr>
+            <a:spLocks noGrp="1"/>
+          </p:cNvSpPr>
+          <p:nvPr>
+            <p:ph type="title"/>
+          </p:nvPr>
+        </p:nvSpPr>
+        <p:spPr/>
+        <p:txBody>
+          <a:bodyPr/>
+          <a:lstStyle/>
+          <a:p>
+            <a:r>
+              <a:rPr kumimoji="1" lang="ja-JP" altLang="en-US" smtClean="0"/>
+              <a:t>非線形状態方程式の線形化</a:t>
+            </a:r>
+            <a:endParaRPr kumimoji="1" lang="ja-JP" altLang="en-US" dirty="0"/>
+          </a:p>
+        </p:txBody>
+      </p:sp>
+      <p:pic>
+        <p:nvPicPr>
+          <p:cNvPr id="5" name="コンテンツ プレースホルダー 4"/>
+          <p:cNvPicPr>
+            <a:picLocks noGrp="1" noChangeAspect="1"/>
+          </p:cNvPicPr>
+          <p:nvPr>
+            <p:ph idx="1"/>
+          </p:nvPr>
+        </p:nvPicPr>
+        <p:blipFill>
+          <a:blip r:embed="rId2">
+            <a:extLst>
+              <a:ext uri="{28A0092B-C50C-407E-A947-70E740481C1C}">
+                <a14:useLocalDpi xmlns:a14="http://schemas.microsoft.com/office/drawing/2010/main" val="0"/>
+              </a:ext>
+            </a:extLst>
+          </a:blip>
+          <a:stretch>
+            <a:fillRect/>
+          </a:stretch>
+        </p:blipFill>
+        <p:spPr>
+          <a:xfrm>
+            <a:off x="2191496" y="1598390"/>
+            <a:ext cx="4685714" cy="409524"/>
+          </a:xfrm>
+        </p:spPr>
+      </p:pic>
+      <p:sp>
+        <p:nvSpPr>
+          <p:cNvPr id="4" name="スライド番号プレースホルダー 3"/>
+          <p:cNvSpPr>
+            <a:spLocks noGrp="1"/>
+          </p:cNvSpPr>
+          <p:nvPr>
+            <p:ph type="sldNum" sz="quarter" idx="12"/>
+          </p:nvPr>
+        </p:nvSpPr>
+        <p:spPr/>
+        <p:txBody>
+          <a:bodyPr/>
+          <a:lstStyle/>
+          <a:p>
+            <a:fld id="{879872E2-8930-43A6-82EA-52DD58EFA9F7}" type="slidenum">
+              <a:rPr lang="ja-JP" altLang="en-US" smtClean="0"/>
+              <a:pPr/>
+              <a:t>17</a:t>
+            </a:fld>
+            <a:endParaRPr lang="ja-JP" altLang="en-US" dirty="0"/>
+          </a:p>
+        </p:txBody>
+      </p:sp>
+      <p:pic>
+        <p:nvPicPr>
+          <p:cNvPr id="6" name="図 5"/>
+          <p:cNvPicPr>
+            <a:picLocks noChangeAspect="1"/>
+          </p:cNvPicPr>
+          <p:nvPr/>
+        </p:nvPicPr>
+        <p:blipFill>
+          <a:blip r:embed="rId3">
+            <a:extLst>
+              <a:ext uri="{28A0092B-C50C-407E-A947-70E740481C1C}">
+                <a14:useLocalDpi xmlns:a14="http://schemas.microsoft.com/office/drawing/2010/main" val="0"/>
+              </a:ext>
+            </a:extLst>
+          </a:blip>
+          <a:stretch>
+            <a:fillRect/>
+          </a:stretch>
+        </p:blipFill>
+        <p:spPr>
+          <a:xfrm>
+            <a:off x="1943877" y="2574665"/>
+            <a:ext cx="4933333" cy="3361905"/>
+          </a:xfrm>
+          <a:prstGeom prst="rect">
+            <a:avLst/>
+          </a:prstGeom>
+        </p:spPr>
+      </p:pic>
+    </p:spTree>
+    <p:extLst>
+      <p:ext uri="{BB962C8B-B14F-4D97-AF65-F5344CB8AC3E}">
+        <p14:creationId xmlns:p14="http://schemas.microsoft.com/office/powerpoint/2010/main" val="18971717"/>
+      </p:ext>
+    </p:extLst>
+  </p:cSld>
+  <p:clrMapOvr>
+    <a:masterClrMapping/>
+  </p:clrMapOvr>
+</p:sld>
+</file>
+
+<file path=ppt/slides/slide18.xml><?xml version="1.0" encoding="utf-8"?>
+<p:sld xmlns:a="http://schemas.openxmlformats.org/drawingml/2006/main" xmlns:r="http://schemas.openxmlformats.org/officeDocument/2006/relationships" xmlns:p="http://schemas.openxmlformats.org/presentationml/2006/main">
+  <p:cSld>
+    <p:spTree>
+      <p:nvGrpSpPr>
+        <p:cNvPr id="1" name=""/>
+        <p:cNvGrpSpPr/>
+        <p:nvPr/>
+      </p:nvGrpSpPr>
+      <p:grpSpPr>
+        <a:xfrm>
+          <a:off x="0" y="0"/>
+          <a:ext cx="0" cy="0"/>
+          <a:chOff x="0" y="0"/>
+          <a:chExt cx="0" cy="0"/>
+        </a:xfrm>
+      </p:grpSpPr>
+      <p:sp>
+        <p:nvSpPr>
+          <p:cNvPr id="2" name="タイトル 1"/>
+          <p:cNvSpPr>
+            <a:spLocks noGrp="1"/>
+          </p:cNvSpPr>
+          <p:nvPr>
+            <p:ph type="title"/>
+          </p:nvPr>
+        </p:nvSpPr>
+        <p:spPr/>
+        <p:txBody>
+          <a:bodyPr/>
+          <a:lstStyle/>
+          <a:p>
+            <a:r>
+              <a:rPr kumimoji="1" lang="ja-JP" altLang="en-US" dirty="0" smtClean="0"/>
+              <a:t>観測方程式</a:t>
+            </a:r>
+            <a:endParaRPr kumimoji="1" lang="ja-JP" altLang="en-US" dirty="0"/>
+          </a:p>
+        </p:txBody>
+      </p:sp>
+      <p:pic>
+        <p:nvPicPr>
+          <p:cNvPr id="5" name="コンテンツ プレースホルダー 4"/>
+          <p:cNvPicPr>
+            <a:picLocks noGrp="1" noChangeAspect="1"/>
+          </p:cNvPicPr>
+          <p:nvPr>
+            <p:ph idx="1"/>
+          </p:nvPr>
+        </p:nvPicPr>
+        <p:blipFill>
+          <a:blip r:embed="rId2">
+            <a:extLst>
+              <a:ext uri="{28A0092B-C50C-407E-A947-70E740481C1C}">
+                <a14:useLocalDpi xmlns:a14="http://schemas.microsoft.com/office/drawing/2010/main" val="0"/>
+              </a:ext>
+            </a:extLst>
+          </a:blip>
+          <a:stretch>
+            <a:fillRect/>
+          </a:stretch>
+        </p:blipFill>
+        <p:spPr>
+          <a:xfrm>
+            <a:off x="5487333" y="1503876"/>
+            <a:ext cx="1419048" cy="847619"/>
+          </a:xfrm>
+        </p:spPr>
+      </p:pic>
+      <p:sp>
+        <p:nvSpPr>
+          <p:cNvPr id="4" name="スライド番号プレースホルダー 3"/>
+          <p:cNvSpPr>
+            <a:spLocks noGrp="1"/>
+          </p:cNvSpPr>
+          <p:nvPr>
+            <p:ph type="sldNum" sz="quarter" idx="12"/>
+          </p:nvPr>
+        </p:nvSpPr>
+        <p:spPr/>
+        <p:txBody>
+          <a:bodyPr/>
+          <a:lstStyle/>
+          <a:p>
+            <a:fld id="{879872E2-8930-43A6-82EA-52DD58EFA9F7}" type="slidenum">
+              <a:rPr lang="ja-JP" altLang="en-US" smtClean="0"/>
+              <a:pPr/>
+              <a:t>18</a:t>
+            </a:fld>
+            <a:endParaRPr lang="ja-JP" altLang="en-US" dirty="0"/>
+          </a:p>
+        </p:txBody>
+      </p:sp>
+      <p:pic>
+        <p:nvPicPr>
+          <p:cNvPr id="6" name="図 5"/>
+          <p:cNvPicPr>
+            <a:picLocks noChangeAspect="1"/>
+          </p:cNvPicPr>
+          <p:nvPr/>
+        </p:nvPicPr>
+        <p:blipFill>
+          <a:blip r:embed="rId3">
+            <a:extLst>
+              <a:ext uri="{28A0092B-C50C-407E-A947-70E740481C1C}">
+                <a14:useLocalDpi xmlns:a14="http://schemas.microsoft.com/office/drawing/2010/main" val="0"/>
+              </a:ext>
+            </a:extLst>
+          </a:blip>
+          <a:stretch>
+            <a:fillRect/>
+          </a:stretch>
+        </p:blipFill>
+        <p:spPr>
+          <a:xfrm>
+            <a:off x="1572767" y="1399114"/>
+            <a:ext cx="1819048" cy="952381"/>
+          </a:xfrm>
+          <a:prstGeom prst="rect">
+            <a:avLst/>
+          </a:prstGeom>
+        </p:spPr>
+      </p:pic>
+      <p:pic>
+        <p:nvPicPr>
+          <p:cNvPr id="7" name="図 6"/>
+          <p:cNvPicPr>
+            <a:picLocks noChangeAspect="1"/>
+          </p:cNvPicPr>
+          <p:nvPr/>
+        </p:nvPicPr>
+        <p:blipFill>
+          <a:blip r:embed="rId4">
+            <a:extLst>
+              <a:ext uri="{28A0092B-C50C-407E-A947-70E740481C1C}">
+                <a14:useLocalDpi xmlns:a14="http://schemas.microsoft.com/office/drawing/2010/main" val="0"/>
+              </a:ext>
+            </a:extLst>
+          </a:blip>
+          <a:stretch>
+            <a:fillRect/>
+          </a:stretch>
+        </p:blipFill>
+        <p:spPr>
+          <a:xfrm>
+            <a:off x="1109890" y="2877549"/>
+            <a:ext cx="6704762" cy="1904762"/>
           </a:xfrm>
           <a:prstGeom prst="rect">
             <a:avLst/>
@@ -4416,38 +5141,8 @@
         </p:blipFill>
         <p:spPr>
           <a:xfrm>
-            <a:off x="2578459" y="4209820"/>
-            <a:ext cx="3911787" cy="780898"/>
-          </a:xfrm>
-          <a:prstGeom prst="rect">
-            <a:avLst/>
-          </a:prstGeom>
-        </p:spPr>
-      </p:pic>
-      <p:pic>
-        <p:nvPicPr>
-          <p:cNvPr id="9" name="図 8"/>
-          <p:cNvPicPr>
-            <a:picLocks noChangeAspect="1"/>
-          </p:cNvPicPr>
-          <p:nvPr/>
-        </p:nvPicPr>
-        <p:blipFill>
-          <a:blip r:embed="rId6">
-            <a:extLst>
-              <a:ext uri="{28A0092B-C50C-407E-A947-70E740481C1C}">
-                <a14:useLocalDpi xmlns:a14="http://schemas.microsoft.com/office/drawing/2010/main" val="0"/>
-              </a:ext>
-            </a:extLst>
-          </a:blip>
-          <a:stretch>
-            <a:fillRect/>
-          </a:stretch>
-        </p:blipFill>
-        <p:spPr>
-          <a:xfrm>
-            <a:off x="2443354" y="5513533"/>
-            <a:ext cx="1470278" cy="320002"/>
+            <a:off x="4057918" y="5554544"/>
+            <a:ext cx="1247619" cy="342857"/>
           </a:xfrm>
           <a:prstGeom prst="rect">
             <a:avLst/>
@@ -4457,7 +5152,7 @@
     </p:spTree>
     <p:extLst>
       <p:ext uri="{BB962C8B-B14F-4D97-AF65-F5344CB8AC3E}">
-        <p14:creationId xmlns:p14="http://schemas.microsoft.com/office/powerpoint/2010/main" val="974813077"/>
+        <p14:creationId xmlns:p14="http://schemas.microsoft.com/office/powerpoint/2010/main" val="3958786435"/>
       </p:ext>
     </p:extLst>
   </p:cSld>
@@ -4467,7 +5162,7 @@
 </p:sld>
 </file>
 
-<file path=ppt/slides/slide12.xml><?xml version="1.0" encoding="utf-8"?>
+<file path=ppt/slides/slide19.xml><?xml version="1.0" encoding="utf-8"?>
 <p:sld xmlns:a="http://schemas.openxmlformats.org/drawingml/2006/main" xmlns:r="http://schemas.openxmlformats.org/officeDocument/2006/relationships" xmlns:p="http://schemas.openxmlformats.org/presentationml/2006/main">
   <p:cSld>
     <p:spTree>
@@ -4484,137 +5179,14 @@
           <a:chExt cx="0" cy="0"/>
         </a:xfrm>
       </p:grpSpPr>
-      <mc:AlternateContent xmlns:mc="http://schemas.openxmlformats.org/markup-compatibility/2006">
-        <mc:Choice xmlns:a14="http://schemas.microsoft.com/office/drawing/2010/main" Requires="a14">
-          <p:sp>
-            <p:nvSpPr>
-              <p:cNvPr id="2" name="タイトル 1"/>
-              <p:cNvSpPr>
-                <a:spLocks noGrp="1"/>
-              </p:cNvSpPr>
-              <p:nvPr>
-                <p:ph type="title"/>
-              </p:nvPr>
-            </p:nvSpPr>
-            <p:spPr/>
-            <p:txBody>
-              <a:bodyPr/>
-              <a:lstStyle/>
-              <a:p>
-                <a14:m>
-                  <m:oMath xmlns:m="http://schemas.openxmlformats.org/officeDocument/2006/math">
-                    <m:r>
-                      <a:rPr lang="en-US" altLang="ja-JP" i="1">
-                        <a:latin typeface="Cambria Math" panose="02040503050406030204" pitchFamily="18" charset="0"/>
-                      </a:rPr>
-                      <m:t>𝑀</m:t>
-                    </m:r>
-                    <m:r>
-                      <a:rPr lang="en-US" altLang="ja-JP" i="1">
-                        <a:latin typeface="Cambria Math" panose="02040503050406030204" pitchFamily="18" charset="0"/>
-                      </a:rPr>
-                      <m:t>, </m:t>
-                    </m:r>
-                    <m:r>
-                      <a:rPr lang="en-US" altLang="ja-JP" i="1">
-                        <a:latin typeface="Cambria Math" panose="02040503050406030204" pitchFamily="18" charset="0"/>
-                      </a:rPr>
-                      <m:t>𝑓</m:t>
-                    </m:r>
-                  </m:oMath>
-                </a14:m>
-                <a:r>
-                  <a:rPr lang="en-US" altLang="ja-JP" dirty="0" err="1"/>
-                  <a:t>の測定</a:t>
-                </a:r>
-                <a:r>
-                  <a:rPr lang="en-US" altLang="ja-JP" dirty="0"/>
-                  <a:t>(</a:t>
-                </a:r>
-                <a:r>
-                  <a:rPr lang="en-US" altLang="ja-JP" dirty="0" err="1"/>
-                  <a:t>フィードバック</a:t>
-                </a:r>
-                <a:r>
-                  <a:rPr lang="en-US" altLang="ja-JP" dirty="0"/>
-                  <a:t>)</a:t>
-                </a:r>
-                <a:endParaRPr kumimoji="1" lang="ja-JP" altLang="en-US" dirty="0"/>
-              </a:p>
-            </p:txBody>
-          </p:sp>
-        </mc:Choice>
-        <mc:Fallback>
-          <p:sp>
-            <p:nvSpPr>
-              <p:cNvPr id="2" name="タイトル 1"/>
-              <p:cNvSpPr>
-                <a:spLocks noGrp="1" noRot="1" noChangeAspect="1" noMove="1" noResize="1" noEditPoints="1" noAdjustHandles="1" noChangeArrowheads="1" noChangeShapeType="1" noTextEdit="1"/>
-              </p:cNvSpPr>
-              <p:nvPr>
-                <p:ph type="title"/>
-              </p:nvPr>
-            </p:nvSpPr>
-            <p:spPr>
-              <a:blipFill>
-                <a:blip r:embed="rId2"/>
-                <a:stretch>
-                  <a:fillRect/>
-                </a:stretch>
-              </a:blipFill>
-            </p:spPr>
-            <p:txBody>
-              <a:bodyPr/>
-              <a:lstStyle/>
-              <a:p>
-                <a:r>
-                  <a:rPr lang="ja-JP" altLang="en-US">
-                    <a:noFill/>
-                  </a:rPr>
-                  <a:t> </a:t>
-                </a:r>
-              </a:p>
-            </p:txBody>
-          </p:sp>
-        </mc:Fallback>
-      </mc:AlternateContent>
-      <p:pic>
-        <p:nvPicPr>
-          <p:cNvPr id="5" name="コンテンツ プレースホルダー 4"/>
-          <p:cNvPicPr>
-            <a:picLocks noGrp="1" noChangeAspect="1"/>
-          </p:cNvPicPr>
-          <p:nvPr>
-            <p:ph idx="1"/>
-          </p:nvPr>
-        </p:nvPicPr>
-        <p:blipFill>
-          <a:blip r:embed="rId3">
-            <a:extLst>
-              <a:ext uri="{28A0092B-C50C-407E-A947-70E740481C1C}">
-                <a14:useLocalDpi xmlns:a14="http://schemas.microsoft.com/office/drawing/2010/main" val="0"/>
-              </a:ext>
-            </a:extLst>
-          </a:blip>
-          <a:stretch>
-            <a:fillRect/>
-          </a:stretch>
-        </p:blipFill>
-        <p:spPr>
-          <a:xfrm>
-            <a:off x="1606240" y="1660239"/>
-            <a:ext cx="2863347" cy="699929"/>
-          </a:xfrm>
-        </p:spPr>
-      </p:pic>
-      <p:sp>
-        <p:nvSpPr>
-          <p:cNvPr id="4" name="スライド番号プレースホルダー 3"/>
-          <p:cNvSpPr>
-            <a:spLocks noGrp="1"/>
-          </p:cNvSpPr>
-          <p:nvPr>
-            <p:ph type="sldNum" sz="quarter" idx="12"/>
+      <p:sp>
+        <p:nvSpPr>
+          <p:cNvPr id="2" name="タイトル 1"/>
+          <p:cNvSpPr>
+            <a:spLocks noGrp="1"/>
+          </p:cNvSpPr>
+          <p:nvPr>
+            <p:ph type="title"/>
           </p:nvPr>
         </p:nvSpPr>
         <p:spPr/>
@@ -4622,703 +5194,16 @@
           <a:bodyPr/>
           <a:lstStyle/>
           <a:p>
-            <a:fld id="{879872E2-8930-43A6-82EA-52DD58EFA9F7}" type="slidenum">
-              <a:rPr lang="ja-JP" altLang="en-US" smtClean="0"/>
-              <a:pPr/>
-              <a:t>12</a:t>
-            </a:fld>
-            <a:endParaRPr lang="ja-JP" altLang="en-US" dirty="0"/>
-          </a:p>
-        </p:txBody>
-      </p:sp>
-      <p:sp>
-        <p:nvSpPr>
-          <p:cNvPr id="7" name="テキスト ボックス 6"/>
-          <p:cNvSpPr txBox="1"/>
-          <p:nvPr/>
-        </p:nvSpPr>
-        <p:spPr>
-          <a:xfrm>
-            <a:off x="5618073" y="2765146"/>
-            <a:ext cx="2801722" cy="646331"/>
-          </a:xfrm>
-          <a:prstGeom prst="rect">
-            <a:avLst/>
-          </a:prstGeom>
-          <a:noFill/>
-        </p:spPr>
-        <p:txBody>
-          <a:bodyPr wrap="square" rtlCol="0">
-            <a:spAutoFit/>
-          </a:bodyPr>
-          <a:lstStyle/>
-          <a:p>
-            <a:r>
-              <a:rPr lang="ja-JP" altLang="en-US" dirty="0" smtClean="0"/>
-              <a:t>フィードバックの画像</a:t>
-            </a:r>
-            <a:endParaRPr lang="en-US" altLang="ja-JP" dirty="0" smtClean="0"/>
-          </a:p>
-          <a:p>
+            <a:r>
+              <a:rPr lang="en-US" altLang="ja-JP" dirty="0" smtClean="0"/>
+              <a:t>Outline</a:t>
+            </a:r>
             <a:endParaRPr kumimoji="1" lang="ja-JP" altLang="en-US" dirty="0"/>
           </a:p>
         </p:txBody>
       </p:sp>
-      <p:pic>
-        <p:nvPicPr>
-          <p:cNvPr id="8" name="図 7"/>
-          <p:cNvPicPr>
-            <a:picLocks noChangeAspect="1"/>
-          </p:cNvPicPr>
-          <p:nvPr/>
-        </p:nvPicPr>
-        <p:blipFill>
-          <a:blip r:embed="rId4">
-            <a:extLst>
-              <a:ext uri="{28A0092B-C50C-407E-A947-70E740481C1C}">
-                <a14:useLocalDpi xmlns:a14="http://schemas.microsoft.com/office/drawing/2010/main" val="0"/>
-              </a:ext>
-            </a:extLst>
-          </a:blip>
-          <a:stretch>
-            <a:fillRect/>
-          </a:stretch>
-        </p:blipFill>
-        <p:spPr>
-          <a:xfrm>
-            <a:off x="1267048" y="3063904"/>
-            <a:ext cx="3912114" cy="720106"/>
-          </a:xfrm>
-          <a:prstGeom prst="rect">
-            <a:avLst/>
-          </a:prstGeom>
-        </p:spPr>
-      </p:pic>
-      <p:pic>
-        <p:nvPicPr>
-          <p:cNvPr id="9" name="図 8"/>
-          <p:cNvPicPr>
-            <a:picLocks noChangeAspect="1"/>
-          </p:cNvPicPr>
-          <p:nvPr/>
-        </p:nvPicPr>
-        <p:blipFill>
-          <a:blip r:embed="rId5">
-            <a:extLst>
-              <a:ext uri="{28A0092B-C50C-407E-A947-70E740481C1C}">
-                <a14:useLocalDpi xmlns:a14="http://schemas.microsoft.com/office/drawing/2010/main" val="0"/>
-              </a:ext>
-            </a:extLst>
-          </a:blip>
-          <a:stretch>
-            <a:fillRect/>
-          </a:stretch>
-        </p:blipFill>
-        <p:spPr>
-          <a:xfrm>
-            <a:off x="1243485" y="4874882"/>
-            <a:ext cx="3588855" cy="717771"/>
-          </a:xfrm>
-          <a:prstGeom prst="rect">
-            <a:avLst/>
-          </a:prstGeom>
-        </p:spPr>
-      </p:pic>
-    </p:spTree>
-    <p:extLst>
-      <p:ext uri="{BB962C8B-B14F-4D97-AF65-F5344CB8AC3E}">
-        <p14:creationId xmlns:p14="http://schemas.microsoft.com/office/powerpoint/2010/main" val="339801122"/>
-      </p:ext>
-    </p:extLst>
-  </p:cSld>
-  <p:clrMapOvr>
-    <a:masterClrMapping/>
-  </p:clrMapOvr>
-</p:sld>
-</file>
-
-<file path=ppt/slides/slide13.xml><?xml version="1.0" encoding="utf-8"?>
-<p:sld xmlns:a="http://schemas.openxmlformats.org/drawingml/2006/main" xmlns:r="http://schemas.openxmlformats.org/officeDocument/2006/relationships" xmlns:p="http://schemas.openxmlformats.org/presentationml/2006/main">
-  <p:cSld>
-    <p:spTree>
-      <p:nvGrpSpPr>
-        <p:cNvPr id="1" name=""/>
-        <p:cNvGrpSpPr/>
-        <p:nvPr/>
-      </p:nvGrpSpPr>
-      <p:grpSpPr>
-        <a:xfrm>
-          <a:off x="0" y="0"/>
-          <a:ext cx="0" cy="0"/>
-          <a:chOff x="0" y="0"/>
-          <a:chExt cx="0" cy="0"/>
-        </a:xfrm>
-      </p:grpSpPr>
-      <mc:AlternateContent xmlns:mc="http://schemas.openxmlformats.org/markup-compatibility/2006">
-        <mc:Choice xmlns:a14="http://schemas.microsoft.com/office/drawing/2010/main" Requires="a14">
-          <p:sp>
-            <p:nvSpPr>
-              <p:cNvPr id="2" name="タイトル 1"/>
-              <p:cNvSpPr>
-                <a:spLocks noGrp="1"/>
-              </p:cNvSpPr>
-              <p:nvPr>
-                <p:ph type="title"/>
-              </p:nvPr>
-            </p:nvSpPr>
-            <p:spPr/>
-            <p:txBody>
-              <a:bodyPr/>
-              <a:lstStyle/>
-              <a:p>
-                <a14:m>
-                  <m:oMath xmlns:m="http://schemas.openxmlformats.org/officeDocument/2006/math">
-                    <m:r>
-                      <a:rPr kumimoji="1" lang="en-US" altLang="ja-JP" b="0" i="1" smtClean="0">
-                        <a:latin typeface="Cambria Math" panose="02040503050406030204" pitchFamily="18" charset="0"/>
-                      </a:rPr>
-                      <m:t>𝐽</m:t>
-                    </m:r>
-                    <m:r>
-                      <a:rPr kumimoji="1" lang="en-US" altLang="ja-JP" b="0" i="1" smtClean="0">
-                        <a:latin typeface="Cambria Math" panose="02040503050406030204" pitchFamily="18" charset="0"/>
-                      </a:rPr>
-                      <m:t>, </m:t>
-                    </m:r>
-                    <m:r>
-                      <a:rPr kumimoji="1" lang="en-US" altLang="ja-JP" b="0" i="1" smtClean="0">
-                        <a:latin typeface="Cambria Math" panose="02040503050406030204" pitchFamily="18" charset="0"/>
-                      </a:rPr>
-                      <m:t>𝑐</m:t>
-                    </m:r>
-                  </m:oMath>
-                </a14:m>
-                <a:r>
-                  <a:rPr kumimoji="1" lang="ja-JP" altLang="en-US" dirty="0" smtClean="0"/>
-                  <a:t>の測定</a:t>
-                </a:r>
-                <a:endParaRPr kumimoji="1" lang="ja-JP" altLang="en-US" dirty="0"/>
-              </a:p>
-            </p:txBody>
-          </p:sp>
-        </mc:Choice>
-        <mc:Fallback>
-          <p:sp>
-            <p:nvSpPr>
-              <p:cNvPr id="2" name="タイトル 1"/>
-              <p:cNvSpPr>
-                <a:spLocks noGrp="1" noRot="1" noChangeAspect="1" noMove="1" noResize="1" noEditPoints="1" noAdjustHandles="1" noChangeArrowheads="1" noChangeShapeType="1" noTextEdit="1"/>
-              </p:cNvSpPr>
-              <p:nvPr>
-                <p:ph type="title"/>
-              </p:nvPr>
-            </p:nvSpPr>
-            <p:spPr>
-              <a:blipFill>
-                <a:blip r:embed="rId2"/>
-                <a:stretch>
-                  <a:fillRect/>
-                </a:stretch>
-              </a:blipFill>
-            </p:spPr>
-            <p:txBody>
-              <a:bodyPr/>
-              <a:lstStyle/>
-              <a:p>
-                <a:r>
-                  <a:rPr lang="ja-JP" altLang="en-US">
-                    <a:noFill/>
-                  </a:rPr>
-                  <a:t> </a:t>
-                </a:r>
-              </a:p>
-            </p:txBody>
-          </p:sp>
-        </mc:Fallback>
-      </mc:AlternateContent>
-      <p:sp>
-        <p:nvSpPr>
-          <p:cNvPr id="3" name="コンテンツ プレースホルダー 2"/>
-          <p:cNvSpPr>
-            <a:spLocks noGrp="1"/>
-          </p:cNvSpPr>
-          <p:nvPr>
-            <p:ph idx="1"/>
-          </p:nvPr>
-        </p:nvSpPr>
-        <p:spPr/>
-        <p:txBody>
-          <a:bodyPr/>
-          <a:lstStyle/>
-          <a:p>
-            <a:r>
-              <a:rPr lang="ja-JP" altLang="en-US" dirty="0" smtClean="0"/>
-              <a:t>振子の運動方程式</a:t>
-            </a:r>
-            <a:endParaRPr lang="en-US" altLang="ja-JP" dirty="0" smtClean="0"/>
-          </a:p>
-          <a:p>
-            <a:pPr marL="0" indent="0">
-              <a:buNone/>
-            </a:pPr>
-            <a:endParaRPr kumimoji="1" lang="ja-JP" altLang="en-US" dirty="0"/>
-          </a:p>
-        </p:txBody>
-      </p:sp>
-      <p:sp>
-        <p:nvSpPr>
-          <p:cNvPr id="4" name="スライド番号プレースホルダー 3"/>
-          <p:cNvSpPr>
-            <a:spLocks noGrp="1"/>
-          </p:cNvSpPr>
-          <p:nvPr>
-            <p:ph type="sldNum" sz="quarter" idx="12"/>
-          </p:nvPr>
-        </p:nvSpPr>
-        <p:spPr/>
-        <p:txBody>
-          <a:bodyPr/>
-          <a:lstStyle/>
-          <a:p>
-            <a:fld id="{879872E2-8930-43A6-82EA-52DD58EFA9F7}" type="slidenum">
-              <a:rPr lang="ja-JP" altLang="en-US" smtClean="0"/>
-              <a:pPr/>
-              <a:t>13</a:t>
-            </a:fld>
-            <a:endParaRPr lang="ja-JP" altLang="en-US" dirty="0"/>
-          </a:p>
-        </p:txBody>
-      </p:sp>
-      <p:pic>
-        <p:nvPicPr>
-          <p:cNvPr id="5" name="図 4"/>
-          <p:cNvPicPr>
-            <a:picLocks noChangeAspect="1"/>
-          </p:cNvPicPr>
-          <p:nvPr/>
-        </p:nvPicPr>
-        <p:blipFill>
-          <a:blip r:embed="rId3">
-            <a:extLst>
-              <a:ext uri="{28A0092B-C50C-407E-A947-70E740481C1C}">
-                <a14:useLocalDpi xmlns:a14="http://schemas.microsoft.com/office/drawing/2010/main" val="0"/>
-              </a:ext>
-            </a:extLst>
-          </a:blip>
-          <a:stretch>
-            <a:fillRect/>
-          </a:stretch>
-        </p:blipFill>
-        <p:spPr>
-          <a:xfrm>
-            <a:off x="657957" y="2183961"/>
-            <a:ext cx="5019048" cy="485714"/>
-          </a:xfrm>
-          <a:prstGeom prst="rect">
-            <a:avLst/>
-          </a:prstGeom>
-        </p:spPr>
-      </p:pic>
-      <p:pic>
-        <p:nvPicPr>
-          <p:cNvPr id="7" name="図 6"/>
-          <p:cNvPicPr>
-            <a:picLocks noChangeAspect="1"/>
-          </p:cNvPicPr>
-          <p:nvPr/>
-        </p:nvPicPr>
-        <p:blipFill>
-          <a:blip r:embed="rId4">
-            <a:extLst>
-              <a:ext uri="{28A0092B-C50C-407E-A947-70E740481C1C}">
-                <a14:useLocalDpi xmlns:a14="http://schemas.microsoft.com/office/drawing/2010/main" val="0"/>
-              </a:ext>
-            </a:extLst>
-          </a:blip>
-          <a:stretch>
-            <a:fillRect/>
-          </a:stretch>
-        </p:blipFill>
-        <p:spPr>
-          <a:xfrm>
-            <a:off x="1748433" y="2790096"/>
-            <a:ext cx="1419048" cy="352381"/>
-          </a:xfrm>
-          <a:prstGeom prst="rect">
-            <a:avLst/>
-          </a:prstGeom>
-        </p:spPr>
-      </p:pic>
-      <p:pic>
-        <p:nvPicPr>
-          <p:cNvPr id="8" name="図 7"/>
-          <p:cNvPicPr>
-            <a:picLocks noChangeAspect="1"/>
-          </p:cNvPicPr>
-          <p:nvPr/>
-        </p:nvPicPr>
-        <p:blipFill>
-          <a:blip r:embed="rId5">
-            <a:extLst>
-              <a:ext uri="{28A0092B-C50C-407E-A947-70E740481C1C}">
-                <a14:useLocalDpi xmlns:a14="http://schemas.microsoft.com/office/drawing/2010/main" val="0"/>
-              </a:ext>
-            </a:extLst>
-          </a:blip>
-          <a:stretch>
-            <a:fillRect/>
-          </a:stretch>
-        </p:blipFill>
-        <p:spPr>
-          <a:xfrm>
-            <a:off x="1110338" y="3477954"/>
-            <a:ext cx="4114286" cy="447619"/>
-          </a:xfrm>
-          <a:prstGeom prst="rect">
-            <a:avLst/>
-          </a:prstGeom>
-        </p:spPr>
-      </p:pic>
-      <p:pic>
-        <p:nvPicPr>
-          <p:cNvPr id="9" name="図 8"/>
-          <p:cNvPicPr>
-            <a:picLocks noChangeAspect="1"/>
-          </p:cNvPicPr>
-          <p:nvPr/>
-        </p:nvPicPr>
-        <p:blipFill>
-          <a:blip r:embed="rId6">
-            <a:extLst>
-              <a:ext uri="{28A0092B-C50C-407E-A947-70E740481C1C}">
-                <a14:useLocalDpi xmlns:a14="http://schemas.microsoft.com/office/drawing/2010/main" val="0"/>
-              </a:ext>
-            </a:extLst>
-          </a:blip>
-          <a:stretch>
-            <a:fillRect/>
-          </a:stretch>
-        </p:blipFill>
-        <p:spPr>
-          <a:xfrm>
-            <a:off x="519384" y="4795410"/>
-            <a:ext cx="5296194" cy="825945"/>
-          </a:xfrm>
-          <a:prstGeom prst="rect">
-            <a:avLst/>
-          </a:prstGeom>
-        </p:spPr>
-      </p:pic>
-      <p:pic>
-        <p:nvPicPr>
-          <p:cNvPr id="10" name="図 9"/>
-          <p:cNvPicPr>
-            <a:picLocks noChangeAspect="1"/>
-          </p:cNvPicPr>
-          <p:nvPr/>
-        </p:nvPicPr>
-        <p:blipFill>
-          <a:blip r:embed="rId7">
-            <a:extLst>
-              <a:ext uri="{28A0092B-C50C-407E-A947-70E740481C1C}">
-                <a14:useLocalDpi xmlns:a14="http://schemas.microsoft.com/office/drawing/2010/main" val="0"/>
-              </a:ext>
-            </a:extLst>
-          </a:blip>
-          <a:stretch>
-            <a:fillRect/>
-          </a:stretch>
-        </p:blipFill>
-        <p:spPr>
-          <a:xfrm>
-            <a:off x="5786107" y="1913017"/>
-            <a:ext cx="2824728" cy="2135562"/>
-          </a:xfrm>
-          <a:prstGeom prst="rect">
-            <a:avLst/>
-          </a:prstGeom>
-        </p:spPr>
-      </p:pic>
-    </p:spTree>
-    <p:extLst>
-      <p:ext uri="{BB962C8B-B14F-4D97-AF65-F5344CB8AC3E}">
-        <p14:creationId xmlns:p14="http://schemas.microsoft.com/office/powerpoint/2010/main" val="500466829"/>
-      </p:ext>
-    </p:extLst>
-  </p:cSld>
-  <p:clrMapOvr>
-    <a:masterClrMapping/>
-  </p:clrMapOvr>
-</p:sld>
-</file>
-
-<file path=ppt/slides/slide14.xml><?xml version="1.0" encoding="utf-8"?>
-<p:sld xmlns:a="http://schemas.openxmlformats.org/drawingml/2006/main" xmlns:r="http://schemas.openxmlformats.org/officeDocument/2006/relationships" xmlns:p="http://schemas.openxmlformats.org/presentationml/2006/main">
-  <p:cSld>
-    <p:spTree>
-      <p:nvGrpSpPr>
-        <p:cNvPr id="1" name=""/>
-        <p:cNvGrpSpPr/>
-        <p:nvPr/>
-      </p:nvGrpSpPr>
-      <p:grpSpPr>
-        <a:xfrm>
-          <a:off x="0" y="0"/>
-          <a:ext cx="0" cy="0"/>
-          <a:chOff x="0" y="0"/>
-          <a:chExt cx="0" cy="0"/>
-        </a:xfrm>
-      </p:grpSpPr>
-      <mc:AlternateContent xmlns:mc="http://schemas.openxmlformats.org/markup-compatibility/2006">
-        <mc:Choice xmlns:a14="http://schemas.microsoft.com/office/drawing/2010/main" Requires="a14">
-          <p:sp>
-            <p:nvSpPr>
-              <p:cNvPr id="2" name="タイトル 1"/>
-              <p:cNvSpPr>
-                <a:spLocks noGrp="1"/>
-              </p:cNvSpPr>
-              <p:nvPr>
-                <p:ph type="title"/>
-              </p:nvPr>
-            </p:nvSpPr>
-            <p:spPr/>
-            <p:txBody>
-              <a:bodyPr/>
-              <a:lstStyle/>
-              <a:p>
-                <a14:m>
-                  <m:oMath xmlns:m="http://schemas.openxmlformats.org/officeDocument/2006/math">
-                    <m:r>
-                      <a:rPr lang="en-US" altLang="ja-JP" i="1">
-                        <a:latin typeface="Cambria Math" panose="02040503050406030204" pitchFamily="18" charset="0"/>
-                      </a:rPr>
-                      <m:t>𝐽</m:t>
-                    </m:r>
-                    <m:r>
-                      <a:rPr lang="en-US" altLang="ja-JP" i="1">
-                        <a:latin typeface="Cambria Math" panose="02040503050406030204" pitchFamily="18" charset="0"/>
-                      </a:rPr>
-                      <m:t>, </m:t>
-                    </m:r>
-                    <m:r>
-                      <a:rPr lang="en-US" altLang="ja-JP" i="1">
-                        <a:latin typeface="Cambria Math" panose="02040503050406030204" pitchFamily="18" charset="0"/>
-                      </a:rPr>
-                      <m:t>𝑐</m:t>
-                    </m:r>
-                  </m:oMath>
-                </a14:m>
-                <a:r>
-                  <a:rPr lang="ja-JP" altLang="en-US" dirty="0"/>
-                  <a:t>の測定</a:t>
-                </a:r>
-                <a:endParaRPr kumimoji="1" lang="ja-JP" altLang="en-US" dirty="0"/>
-              </a:p>
-            </p:txBody>
-          </p:sp>
-        </mc:Choice>
-        <mc:Fallback>
-          <p:sp>
-            <p:nvSpPr>
-              <p:cNvPr id="2" name="タイトル 1"/>
-              <p:cNvSpPr>
-                <a:spLocks noGrp="1" noRot="1" noChangeAspect="1" noMove="1" noResize="1" noEditPoints="1" noAdjustHandles="1" noChangeArrowheads="1" noChangeShapeType="1" noTextEdit="1"/>
-              </p:cNvSpPr>
-              <p:nvPr>
-                <p:ph type="title"/>
-              </p:nvPr>
-            </p:nvSpPr>
-            <p:spPr>
-              <a:blipFill>
-                <a:blip r:embed="rId2"/>
-                <a:stretch>
-                  <a:fillRect/>
-                </a:stretch>
-              </a:blipFill>
-            </p:spPr>
-            <p:txBody>
-              <a:bodyPr/>
-              <a:lstStyle/>
-              <a:p>
-                <a:r>
-                  <a:rPr lang="ja-JP" altLang="en-US">
-                    <a:noFill/>
-                  </a:rPr>
-                  <a:t> </a:t>
-                </a:r>
-              </a:p>
-            </p:txBody>
-          </p:sp>
-        </mc:Fallback>
-      </mc:AlternateContent>
-      <p:pic>
-        <p:nvPicPr>
-          <p:cNvPr id="5" name="コンテンツ プレースホルダー 4"/>
-          <p:cNvPicPr>
-            <a:picLocks noGrp="1" noChangeAspect="1"/>
-          </p:cNvPicPr>
-          <p:nvPr>
-            <p:ph idx="1"/>
-          </p:nvPr>
-        </p:nvPicPr>
-        <p:blipFill>
-          <a:blip r:embed="rId3">
-            <a:extLst>
-              <a:ext uri="{28A0092B-C50C-407E-A947-70E740481C1C}">
-                <a14:useLocalDpi xmlns:a14="http://schemas.microsoft.com/office/drawing/2010/main" val="0"/>
-              </a:ext>
-            </a:extLst>
-          </a:blip>
-          <a:stretch>
-            <a:fillRect/>
-          </a:stretch>
-        </p:blipFill>
-        <p:spPr>
-          <a:xfrm>
-            <a:off x="4542683" y="1891806"/>
-            <a:ext cx="4506701" cy="2100345"/>
-          </a:xfrm>
-        </p:spPr>
-      </p:pic>
-      <p:sp>
-        <p:nvSpPr>
-          <p:cNvPr id="4" name="スライド番号プレースホルダー 3"/>
-          <p:cNvSpPr>
-            <a:spLocks noGrp="1"/>
-          </p:cNvSpPr>
-          <p:nvPr>
-            <p:ph type="sldNum" sz="quarter" idx="12"/>
-          </p:nvPr>
-        </p:nvSpPr>
-        <p:spPr/>
-        <p:txBody>
-          <a:bodyPr/>
-          <a:lstStyle/>
-          <a:p>
-            <a:fld id="{879872E2-8930-43A6-82EA-52DD58EFA9F7}" type="slidenum">
-              <a:rPr lang="ja-JP" altLang="en-US" smtClean="0"/>
-              <a:pPr/>
-              <a:t>14</a:t>
-            </a:fld>
-            <a:endParaRPr lang="ja-JP" altLang="en-US" dirty="0"/>
-          </a:p>
-        </p:txBody>
-      </p:sp>
-      <p:pic>
-        <p:nvPicPr>
-          <p:cNvPr id="6" name="図 5"/>
-          <p:cNvPicPr>
-            <a:picLocks noChangeAspect="1"/>
-          </p:cNvPicPr>
-          <p:nvPr/>
-        </p:nvPicPr>
-        <p:blipFill>
-          <a:blip r:embed="rId4">
-            <a:extLst>
-              <a:ext uri="{28A0092B-C50C-407E-A947-70E740481C1C}">
-                <a14:useLocalDpi xmlns:a14="http://schemas.microsoft.com/office/drawing/2010/main" val="0"/>
-              </a:ext>
-            </a:extLst>
-          </a:blip>
-          <a:stretch>
-            <a:fillRect/>
-          </a:stretch>
-        </p:blipFill>
-        <p:spPr>
-          <a:xfrm>
-            <a:off x="520897" y="1210222"/>
-            <a:ext cx="3875538" cy="713373"/>
-          </a:xfrm>
-          <a:prstGeom prst="rect">
-            <a:avLst/>
-          </a:prstGeom>
-        </p:spPr>
-      </p:pic>
-      <p:pic>
-        <p:nvPicPr>
-          <p:cNvPr id="7" name="図 6"/>
-          <p:cNvPicPr>
-            <a:picLocks noChangeAspect="1"/>
-          </p:cNvPicPr>
-          <p:nvPr/>
-        </p:nvPicPr>
-        <p:blipFill>
-          <a:blip r:embed="rId5">
-            <a:extLst>
-              <a:ext uri="{28A0092B-C50C-407E-A947-70E740481C1C}">
-                <a14:useLocalDpi xmlns:a14="http://schemas.microsoft.com/office/drawing/2010/main" val="0"/>
-              </a:ext>
-            </a:extLst>
-          </a:blip>
-          <a:stretch>
-            <a:fillRect/>
-          </a:stretch>
-        </p:blipFill>
-        <p:spPr>
-          <a:xfrm>
-            <a:off x="731710" y="4416556"/>
-            <a:ext cx="6685714" cy="904762"/>
-          </a:xfrm>
-          <a:prstGeom prst="rect">
-            <a:avLst/>
-          </a:prstGeom>
-        </p:spPr>
-      </p:pic>
-    </p:spTree>
-    <p:extLst>
-      <p:ext uri="{BB962C8B-B14F-4D97-AF65-F5344CB8AC3E}">
-        <p14:creationId xmlns:p14="http://schemas.microsoft.com/office/powerpoint/2010/main" val="326345586"/>
-      </p:ext>
-    </p:extLst>
-  </p:cSld>
-  <p:clrMapOvr>
-    <a:masterClrMapping/>
-  </p:clrMapOvr>
-</p:sld>
-</file>
-
-<file path=ppt/slides/slide2.xml><?xml version="1.0" encoding="utf-8"?>
-<p:sld xmlns:a="http://schemas.openxmlformats.org/drawingml/2006/main" xmlns:r="http://schemas.openxmlformats.org/officeDocument/2006/relationships" xmlns:p="http://schemas.openxmlformats.org/presentationml/2006/main">
-  <p:cSld>
-    <p:spTree>
-      <p:nvGrpSpPr>
-        <p:cNvPr id="1" name=""/>
-        <p:cNvGrpSpPr/>
-        <p:nvPr/>
-      </p:nvGrpSpPr>
-      <p:grpSpPr>
-        <a:xfrm>
-          <a:off x="0" y="0"/>
-          <a:ext cx="0" cy="0"/>
-          <a:chOff x="0" y="0"/>
-          <a:chExt cx="0" cy="0"/>
-        </a:xfrm>
-      </p:grpSpPr>
-      <p:sp>
-        <p:nvSpPr>
-          <p:cNvPr id="2" name="タイトル 1"/>
-          <p:cNvSpPr>
-            <a:spLocks noGrp="1"/>
-          </p:cNvSpPr>
-          <p:nvPr>
-            <p:ph type="title"/>
-          </p:nvPr>
-        </p:nvSpPr>
-        <p:spPr/>
-        <p:txBody>
-          <a:bodyPr/>
-          <a:lstStyle/>
-          <a:p>
-            <a:r>
-              <a:rPr kumimoji="1" lang="en-US" altLang="ja-JP" dirty="0" smtClean="0"/>
-              <a:t>INDEX</a:t>
-            </a:r>
-            <a:endParaRPr kumimoji="1" lang="ja-JP" altLang="en-US" dirty="0"/>
-          </a:p>
-        </p:txBody>
-      </p:sp>
-      <mc:AlternateContent xmlns:mc="http://schemas.openxmlformats.org/markup-compatibility/2006">
-        <mc:Choice xmlns:a14="http://schemas.microsoft.com/office/drawing/2010/main" Requires="a14">
+      <mc:AlternateContent xmlns:mc="http://schemas.openxmlformats.org/markup-compatibility/2006" xmlns:a14="http://schemas.microsoft.com/office/drawing/2010/main">
+        <mc:Choice Requires="a14">
           <p:sp>
             <p:nvSpPr>
               <p:cNvPr id="3" name="コンテンツ プレースホルダー 2"/>
@@ -5485,11 +5370,7 @@
                 </a:pPr>
                 <a:r>
                   <a:rPr lang="en-US" altLang="ja-JP" dirty="0" smtClean="0"/>
-                  <a:t>	</a:t>
-                </a:r>
-                <a:r>
-                  <a:rPr lang="en-US" altLang="ja-JP" dirty="0" smtClean="0"/>
-                  <a:t>ステップ応答による</a:t>
+                  <a:t>	ステップ応答による</a:t>
                 </a:r>
                 <a14:m>
                   <m:oMath xmlns:m="http://schemas.openxmlformats.org/officeDocument/2006/math">
@@ -5640,7 +5521,7 @@
             </p:txBody>
           </p:sp>
         </mc:Choice>
-        <mc:Fallback>
+        <mc:Fallback xmlns="">
           <p:sp>
             <p:nvSpPr>
               <p:cNvPr id="3" name="コンテンツ プレースホルダー 2"/>
@@ -5695,7 +5576,7 @@
           <a:p>
             <a:fld id="{879872E2-8930-43A6-82EA-52DD58EFA9F7}" type="slidenum">
               <a:rPr kumimoji="1" lang="ja-JP" altLang="en-US" smtClean="0"/>
-              <a:t>2</a:t>
+              <a:t>19</a:t>
             </a:fld>
             <a:endParaRPr kumimoji="1" lang="ja-JP" altLang="en-US"/>
           </a:p>
@@ -5714,7 +5595,7 @@
 </p:sld>
 </file>
 
-<file path=ppt/slides/slide3.xml><?xml version="1.0" encoding="utf-8"?>
+<file path=ppt/slides/slide2.xml><?xml version="1.0" encoding="utf-8"?>
 <p:sld xmlns:a="http://schemas.openxmlformats.org/drawingml/2006/main" xmlns:r="http://schemas.openxmlformats.org/officeDocument/2006/relationships" xmlns:p="http://schemas.openxmlformats.org/presentationml/2006/main">
   <p:cSld>
     <p:spTree>
@@ -5741,20 +5622,139 @@
             <p:ph type="title"/>
           </p:nvPr>
         </p:nvSpPr>
-        <p:spPr>
-          <a:xfrm>
-            <a:off x="548183" y="2749881"/>
-            <a:ext cx="7886700" cy="1325563"/>
-          </a:xfrm>
-        </p:spPr>
+        <p:spPr/>
         <p:txBody>
           <a:bodyPr/>
           <a:lstStyle/>
           <a:p>
-            <a:pPr algn="ctr"/>
+            <a:r>
+              <a:rPr lang="en-US" altLang="ja-JP" dirty="0"/>
+              <a:t>Outline</a:t>
+            </a:r>
+            <a:endParaRPr kumimoji="1" lang="ja-JP" altLang="en-US" dirty="0"/>
+          </a:p>
+        </p:txBody>
+      </p:sp>
+      <p:sp>
+        <p:nvSpPr>
+          <p:cNvPr id="3" name="コンテンツ プレースホルダー 2"/>
+          <p:cNvSpPr>
+            <a:spLocks noGrp="1"/>
+          </p:cNvSpPr>
+          <p:nvPr>
+            <p:ph idx="1"/>
+          </p:nvPr>
+        </p:nvSpPr>
+        <p:spPr/>
+        <p:txBody>
+          <a:bodyPr/>
+          <a:lstStyle/>
+          <a:p>
             <a:r>
               <a:rPr kumimoji="1" lang="ja-JP" altLang="en-US" dirty="0" smtClean="0"/>
-              <a:t>パラメータの測定</a:t>
+              <a:t>実験目的</a:t>
+            </a:r>
+            <a:endParaRPr kumimoji="1" lang="en-US" altLang="ja-JP" dirty="0" smtClean="0"/>
+          </a:p>
+          <a:p>
+            <a:r>
+              <a:rPr lang="ja-JP" altLang="en-US" dirty="0" smtClean="0"/>
+              <a:t>制御対象</a:t>
+            </a:r>
+            <a:endParaRPr lang="en-US" altLang="ja-JP" dirty="0" smtClean="0"/>
+          </a:p>
+          <a:p>
+            <a:r>
+              <a:rPr kumimoji="1" lang="ja-JP" altLang="en-US" dirty="0" smtClean="0"/>
+              <a:t>制御目的</a:t>
+            </a:r>
+            <a:r>
+              <a:rPr kumimoji="1" lang="en-US" altLang="ja-JP" dirty="0" smtClean="0"/>
+              <a:t>(</a:t>
+            </a:r>
+            <a:r>
+              <a:rPr kumimoji="1" lang="en-US" altLang="ja-JP" dirty="0" err="1" smtClean="0"/>
+              <a:t>安定化</a:t>
+            </a:r>
+            <a:r>
+              <a:rPr kumimoji="1" lang="en-US" altLang="ja-JP" dirty="0" smtClean="0"/>
+              <a:t>, </a:t>
+            </a:r>
+            <a:r>
+              <a:rPr kumimoji="1" lang="en-US" altLang="ja-JP" dirty="0" err="1" smtClean="0"/>
+              <a:t>目標値変更</a:t>
+            </a:r>
+            <a:r>
+              <a:rPr kumimoji="1" lang="en-US" altLang="ja-JP" dirty="0" smtClean="0"/>
+              <a:t>, </a:t>
+            </a:r>
+            <a:r>
+              <a:rPr kumimoji="1" lang="en-US" altLang="ja-JP" dirty="0" err="1" smtClean="0"/>
+              <a:t>振り上げ制御</a:t>
+            </a:r>
+            <a:r>
+              <a:rPr kumimoji="1" lang="en-US" altLang="ja-JP" dirty="0" smtClean="0"/>
+              <a:t>)</a:t>
+            </a:r>
+          </a:p>
+          <a:p>
+            <a:r>
+              <a:rPr lang="ja-JP" altLang="en-US" dirty="0" smtClean="0"/>
+              <a:t>モデリング</a:t>
+            </a:r>
+            <a:r>
+              <a:rPr lang="en-US" altLang="ja-JP" dirty="0" smtClean="0"/>
+              <a:t>(</a:t>
+            </a:r>
+            <a:r>
+              <a:rPr lang="en-US" altLang="ja-JP" dirty="0" err="1" smtClean="0"/>
+              <a:t>台車</a:t>
+            </a:r>
+            <a:r>
+              <a:rPr lang="en-US" altLang="ja-JP" dirty="0" smtClean="0"/>
+              <a:t>, </a:t>
+            </a:r>
+            <a:r>
+              <a:rPr lang="en-US" altLang="ja-JP" dirty="0" err="1" smtClean="0"/>
+              <a:t>振子</a:t>
+            </a:r>
+            <a:r>
+              <a:rPr lang="en-US" altLang="ja-JP" dirty="0" smtClean="0"/>
+              <a:t>)</a:t>
+            </a:r>
+          </a:p>
+          <a:p>
+            <a:r>
+              <a:rPr lang="ja-JP" altLang="en-US" dirty="0" smtClean="0"/>
+              <a:t>倒立振子系の運動方程式</a:t>
+            </a:r>
+            <a:endParaRPr lang="en-US" altLang="ja-JP" dirty="0" smtClean="0"/>
+          </a:p>
+          <a:p>
+            <a:r>
+              <a:rPr lang="ja-JP" altLang="en-US" dirty="0" smtClean="0"/>
+              <a:t>倒立振子系の状態方程式</a:t>
+            </a:r>
+            <a:endParaRPr lang="en-US" altLang="ja-JP" dirty="0" smtClean="0"/>
+          </a:p>
+          <a:p>
+            <a:r>
+              <a:rPr kumimoji="1" lang="ja-JP" altLang="en-US" dirty="0" smtClean="0"/>
+              <a:t>倒立振子系の非線形状態方程式</a:t>
+            </a:r>
+            <a:endParaRPr kumimoji="1" lang="en-US" altLang="ja-JP" dirty="0" smtClean="0"/>
+          </a:p>
+          <a:p>
+            <a:r>
+              <a:rPr lang="ja-JP" altLang="en-US" dirty="0" smtClean="0"/>
+              <a:t>非線形状態方程式の線形化</a:t>
+            </a:r>
+            <a:endParaRPr lang="en-US" altLang="ja-JP" dirty="0" smtClean="0"/>
+          </a:p>
+          <a:p>
+            <a:r>
+              <a:rPr lang="ja-JP" altLang="en-US" dirty="0" smtClean="0"/>
+              <a:t>観測方程式</a:t>
             </a:r>
             <a:endParaRPr kumimoji="1" lang="ja-JP" altLang="en-US" dirty="0"/>
           </a:p>
@@ -5776,17 +5776,18 @@
           <a:lstStyle/>
           <a:p>
             <a:fld id="{879872E2-8930-43A6-82EA-52DD58EFA9F7}" type="slidenum">
-              <a:rPr kumimoji="1" lang="ja-JP" altLang="en-US" smtClean="0"/>
-              <a:t>3</a:t>
+              <a:rPr lang="ja-JP" altLang="en-US" smtClean="0"/>
+              <a:pPr/>
+              <a:t>2</a:t>
             </a:fld>
-            <a:endParaRPr kumimoji="1" lang="ja-JP" altLang="en-US"/>
+            <a:endParaRPr lang="ja-JP" altLang="en-US" dirty="0"/>
           </a:p>
         </p:txBody>
       </p:sp>
     </p:spTree>
     <p:extLst>
       <p:ext uri="{BB962C8B-B14F-4D97-AF65-F5344CB8AC3E}">
-        <p14:creationId xmlns:p14="http://schemas.microsoft.com/office/powerpoint/2010/main" val="828457721"/>
+        <p14:creationId xmlns:p14="http://schemas.microsoft.com/office/powerpoint/2010/main" val="3650581037"/>
       </p:ext>
     </p:extLst>
   </p:cSld>
@@ -5796,7 +5797,7 @@
 </p:sld>
 </file>
 
-<file path=ppt/slides/slide4.xml><?xml version="1.0" encoding="utf-8"?>
+<file path=ppt/slides/slide20.xml><?xml version="1.0" encoding="utf-8"?>
 <p:sld xmlns:a="http://schemas.openxmlformats.org/drawingml/2006/main" xmlns:r="http://schemas.openxmlformats.org/officeDocument/2006/relationships" xmlns:p="http://schemas.openxmlformats.org/presentationml/2006/main">
   <p:cSld>
     <p:spTree>
@@ -5813,8 +5814,90 @@
           <a:chExt cx="0" cy="0"/>
         </a:xfrm>
       </p:grpSpPr>
-      <mc:AlternateContent xmlns:mc="http://schemas.openxmlformats.org/markup-compatibility/2006">
-        <mc:Choice xmlns:a14="http://schemas.microsoft.com/office/drawing/2010/main" Requires="a14">
+      <p:sp>
+        <p:nvSpPr>
+          <p:cNvPr id="2" name="タイトル 1"/>
+          <p:cNvSpPr>
+            <a:spLocks noGrp="1"/>
+          </p:cNvSpPr>
+          <p:nvPr>
+            <p:ph type="title"/>
+          </p:nvPr>
+        </p:nvSpPr>
+        <p:spPr>
+          <a:xfrm>
+            <a:off x="548183" y="2749881"/>
+            <a:ext cx="7886700" cy="1325563"/>
+          </a:xfrm>
+        </p:spPr>
+        <p:txBody>
+          <a:bodyPr/>
+          <a:lstStyle/>
+          <a:p>
+            <a:pPr algn="ctr"/>
+            <a:r>
+              <a:rPr kumimoji="1" lang="ja-JP" altLang="en-US" dirty="0" smtClean="0"/>
+              <a:t>パラメータの測定</a:t>
+            </a:r>
+            <a:endParaRPr kumimoji="1" lang="ja-JP" altLang="en-US" dirty="0"/>
+          </a:p>
+        </p:txBody>
+      </p:sp>
+      <p:sp>
+        <p:nvSpPr>
+          <p:cNvPr id="4" name="スライド番号プレースホルダー 3"/>
+          <p:cNvSpPr>
+            <a:spLocks noGrp="1"/>
+          </p:cNvSpPr>
+          <p:nvPr>
+            <p:ph type="sldNum" sz="quarter" idx="12"/>
+          </p:nvPr>
+        </p:nvSpPr>
+        <p:spPr/>
+        <p:txBody>
+          <a:bodyPr/>
+          <a:lstStyle/>
+          <a:p>
+            <a:fld id="{879872E2-8930-43A6-82EA-52DD58EFA9F7}" type="slidenum">
+              <a:rPr kumimoji="1" lang="ja-JP" altLang="en-US" smtClean="0"/>
+              <a:t>20</a:t>
+            </a:fld>
+            <a:endParaRPr kumimoji="1" lang="ja-JP" altLang="en-US"/>
+          </a:p>
+        </p:txBody>
+      </p:sp>
+    </p:spTree>
+    <p:extLst>
+      <p:ext uri="{BB962C8B-B14F-4D97-AF65-F5344CB8AC3E}">
+        <p14:creationId xmlns:p14="http://schemas.microsoft.com/office/powerpoint/2010/main" val="828457721"/>
+      </p:ext>
+    </p:extLst>
+  </p:cSld>
+  <p:clrMapOvr>
+    <a:masterClrMapping/>
+  </p:clrMapOvr>
+</p:sld>
+</file>
+
+<file path=ppt/slides/slide21.xml><?xml version="1.0" encoding="utf-8"?>
+<p:sld xmlns:a="http://schemas.openxmlformats.org/drawingml/2006/main" xmlns:r="http://schemas.openxmlformats.org/officeDocument/2006/relationships" xmlns:p="http://schemas.openxmlformats.org/presentationml/2006/main">
+  <p:cSld>
+    <p:spTree>
+      <p:nvGrpSpPr>
+        <p:cNvPr id="1" name=""/>
+        <p:cNvGrpSpPr/>
+        <p:nvPr/>
+      </p:nvGrpSpPr>
+      <p:grpSpPr>
+        <a:xfrm>
+          <a:off x="0" y="0"/>
+          <a:ext cx="0" cy="0"/>
+          <a:chOff x="0" y="0"/>
+          <a:chExt cx="0" cy="0"/>
+        </a:xfrm>
+      </p:grpSpPr>
+      <mc:AlternateContent xmlns:mc="http://schemas.openxmlformats.org/markup-compatibility/2006" xmlns:a14="http://schemas.microsoft.com/office/drawing/2010/main">
+        <mc:Choice Requires="a14">
           <p:sp>
             <p:nvSpPr>
               <p:cNvPr id="2" name="タイトル 1"/>
@@ -5861,7 +5944,7 @@
             </p:txBody>
           </p:sp>
         </mc:Choice>
-        <mc:Fallback>
+        <mc:Fallback xmlns="">
           <p:sp>
             <p:nvSpPr>
               <p:cNvPr id="2" name="タイトル 1"/>
@@ -5895,8 +5978,8 @@
           </p:sp>
         </mc:Fallback>
       </mc:AlternateContent>
-      <mc:AlternateContent xmlns:mc="http://schemas.openxmlformats.org/markup-compatibility/2006">
-        <mc:Choice xmlns:a14="http://schemas.microsoft.com/office/drawing/2010/main" Requires="a14">
+      <mc:AlternateContent xmlns:mc="http://schemas.openxmlformats.org/markup-compatibility/2006" xmlns:a14="http://schemas.microsoft.com/office/drawing/2010/main">
+        <mc:Choice Requires="a14">
           <p:sp>
             <p:nvSpPr>
               <p:cNvPr id="3" name="コンテンツ プレースホルダー 2"/>
@@ -6019,7 +6102,7 @@
             </p:txBody>
           </p:sp>
         </mc:Choice>
-        <mc:Fallback>
+        <mc:Fallback xmlns="">
           <p:sp>
             <p:nvSpPr>
               <p:cNvPr id="3" name="コンテンツ プレースホルダー 2"/>
@@ -6070,7 +6153,7 @@
           <a:p>
             <a:fld id="{879872E2-8930-43A6-82EA-52DD58EFA9F7}" type="slidenum">
               <a:rPr kumimoji="1" lang="ja-JP" altLang="en-US" smtClean="0"/>
-              <a:t>4</a:t>
+              <a:t>21</a:t>
             </a:fld>
             <a:endParaRPr kumimoji="1" lang="ja-JP" altLang="en-US"/>
           </a:p>
@@ -6089,7 +6172,7 @@
 </p:sld>
 </file>
 
-<file path=ppt/slides/slide5.xml><?xml version="1.0" encoding="utf-8"?>
+<file path=ppt/slides/slide22.xml><?xml version="1.0" encoding="utf-8"?>
 <p:sld xmlns:a="http://schemas.openxmlformats.org/drawingml/2006/main" xmlns:r="http://schemas.openxmlformats.org/officeDocument/2006/relationships" xmlns:p="http://schemas.openxmlformats.org/presentationml/2006/main">
   <p:cSld>
     <p:spTree>
@@ -6106,8 +6189,8 @@
           <a:chExt cx="0" cy="0"/>
         </a:xfrm>
       </p:grpSpPr>
-      <mc:AlternateContent xmlns:mc="http://schemas.openxmlformats.org/markup-compatibility/2006">
-        <mc:Choice xmlns:a14="http://schemas.microsoft.com/office/drawing/2010/main" Requires="a14">
+      <mc:AlternateContent xmlns:mc="http://schemas.openxmlformats.org/markup-compatibility/2006" xmlns:a14="http://schemas.microsoft.com/office/drawing/2010/main">
+        <mc:Choice Requires="a14">
           <p:sp>
             <p:nvSpPr>
               <p:cNvPr id="2" name="タイトル 1"/>
@@ -6192,7 +6275,7 @@
             </p:txBody>
           </p:sp>
         </mc:Choice>
-        <mc:Fallback>
+        <mc:Fallback xmlns="">
           <p:sp>
             <p:nvSpPr>
               <p:cNvPr id="2" name="タイトル 1"/>
@@ -6305,7 +6388,7 @@
             <a:fld id="{879872E2-8930-43A6-82EA-52DD58EFA9F7}" type="slidenum">
               <a:rPr lang="ja-JP" altLang="en-US" smtClean="0"/>
               <a:pPr/>
-              <a:t>5</a:t>
+              <a:t>22</a:t>
             </a:fld>
             <a:endParaRPr lang="ja-JP" altLang="en-US" dirty="0"/>
           </a:p>
@@ -6354,7 +6437,7 @@
 </p:sld>
 </file>
 
-<file path=ppt/slides/slide6.xml><?xml version="1.0" encoding="utf-8"?>
+<file path=ppt/slides/slide23.xml><?xml version="1.0" encoding="utf-8"?>
 <p:sld xmlns:a="http://schemas.openxmlformats.org/drawingml/2006/main" xmlns:r="http://schemas.openxmlformats.org/officeDocument/2006/relationships" xmlns:p="http://schemas.openxmlformats.org/presentationml/2006/main">
   <p:cSld>
     <p:spTree>
@@ -6371,8 +6454,8 @@
           <a:chExt cx="0" cy="0"/>
         </a:xfrm>
       </p:grpSpPr>
-      <mc:AlternateContent xmlns:mc="http://schemas.openxmlformats.org/markup-compatibility/2006">
-        <mc:Choice xmlns:a14="http://schemas.microsoft.com/office/drawing/2010/main" Requires="a14">
+      <mc:AlternateContent xmlns:mc="http://schemas.openxmlformats.org/markup-compatibility/2006" xmlns:a14="http://schemas.microsoft.com/office/drawing/2010/main">
+        <mc:Choice Requires="a14">
           <p:sp>
             <p:nvSpPr>
               <p:cNvPr id="2" name="タイトル 1"/>
@@ -6407,7 +6490,7 @@
             </p:txBody>
           </p:sp>
         </mc:Choice>
-        <mc:Fallback>
+        <mc:Fallback xmlns="">
           <p:sp>
             <p:nvSpPr>
               <p:cNvPr id="2" name="タイトル 1"/>
@@ -6487,14 +6570,14 @@
             <a:fld id="{879872E2-8930-43A6-82EA-52DD58EFA9F7}" type="slidenum">
               <a:rPr lang="ja-JP" altLang="en-US" smtClean="0"/>
               <a:pPr/>
-              <a:t>6</a:t>
+              <a:t>23</a:t>
             </a:fld>
             <a:endParaRPr lang="ja-JP" altLang="en-US" dirty="0"/>
           </a:p>
         </p:txBody>
       </p:sp>
-      <mc:AlternateContent xmlns:mc="http://schemas.openxmlformats.org/markup-compatibility/2006">
-        <mc:Choice xmlns:a14="http://schemas.microsoft.com/office/drawing/2010/main" Requires="a14">
+      <mc:AlternateContent xmlns:mc="http://schemas.openxmlformats.org/markup-compatibility/2006" xmlns:a14="http://schemas.microsoft.com/office/drawing/2010/main">
+        <mc:Choice Requires="a14">
           <p:sp>
             <p:nvSpPr>
               <p:cNvPr id="6" name="テキスト ボックス 5"/>
@@ -6573,7 +6656,7 @@
             </p:txBody>
           </p:sp>
         </mc:Choice>
-        <mc:Fallback>
+        <mc:Fallback xmlns="">
           <p:sp>
             <p:nvSpPr>
               <p:cNvPr id="6" name="テキスト ボックス 5"/>
@@ -6612,8 +6695,8 @@
           </p:sp>
         </mc:Fallback>
       </mc:AlternateContent>
-      <mc:AlternateContent xmlns:mc="http://schemas.openxmlformats.org/markup-compatibility/2006">
-        <mc:Choice xmlns:a14="http://schemas.microsoft.com/office/drawing/2010/main" Requires="a14">
+      <mc:AlternateContent xmlns:mc="http://schemas.openxmlformats.org/markup-compatibility/2006" xmlns:a14="http://schemas.microsoft.com/office/drawing/2010/main">
+        <mc:Choice Requires="a14">
           <p:sp>
             <p:nvSpPr>
               <p:cNvPr id="7" name="正方形/長方形 6"/>
@@ -6686,12 +6769,11 @@
                   <a:rPr lang="ja-JP" altLang="en-US" dirty="0"/>
                   <a:t> 摩擦力</a:t>
                 </a:r>
-                <a:endParaRPr lang="ja-JP" altLang="en-US" dirty="0"/>
               </a:p>
             </p:txBody>
           </p:sp>
         </mc:Choice>
-        <mc:Fallback>
+        <mc:Fallback xmlns="">
           <p:sp>
             <p:nvSpPr>
               <p:cNvPr id="7" name="正方形/長方形 6"/>
@@ -6730,8 +6812,8 @@
           </p:sp>
         </mc:Fallback>
       </mc:AlternateContent>
-      <mc:AlternateContent xmlns:mc="http://schemas.openxmlformats.org/markup-compatibility/2006">
-        <mc:Choice xmlns:a14="http://schemas.microsoft.com/office/drawing/2010/main" Requires="a14">
+      <mc:AlternateContent xmlns:mc="http://schemas.openxmlformats.org/markup-compatibility/2006" xmlns:a14="http://schemas.microsoft.com/office/drawing/2010/main">
+        <mc:Choice Requires="a14">
           <p:sp>
             <p:nvSpPr>
               <p:cNvPr id="8" name="正方形/長方形 7"/>
@@ -6791,7 +6873,7 @@
             </p:txBody>
           </p:sp>
         </mc:Choice>
-        <mc:Fallback>
+        <mc:Fallback xmlns="">
           <p:sp>
             <p:nvSpPr>
               <p:cNvPr id="8" name="正方形/長方形 7"/>
@@ -6830,8 +6912,8 @@
           </p:sp>
         </mc:Fallback>
       </mc:AlternateContent>
-      <mc:AlternateContent xmlns:mc="http://schemas.openxmlformats.org/markup-compatibility/2006">
-        <mc:Choice xmlns:a14="http://schemas.microsoft.com/office/drawing/2010/main" Requires="a14">
+      <mc:AlternateContent xmlns:mc="http://schemas.openxmlformats.org/markup-compatibility/2006" xmlns:a14="http://schemas.microsoft.com/office/drawing/2010/main">
+        <mc:Choice Requires="a14">
           <p:sp>
             <p:nvSpPr>
               <p:cNvPr id="9" name="正方形/長方形 8"/>
@@ -6891,7 +6973,7 @@
             </p:txBody>
           </p:sp>
         </mc:Choice>
-        <mc:Fallback>
+        <mc:Fallback xmlns="">
           <p:sp>
             <p:nvSpPr>
               <p:cNvPr id="9" name="正方形/長方形 8"/>
@@ -6943,7 +7025,7 @@
 </p:sld>
 </file>
 
-<file path=ppt/slides/slide7.xml><?xml version="1.0" encoding="utf-8"?>
+<file path=ppt/slides/slide24.xml><?xml version="1.0" encoding="utf-8"?>
 <p:sld xmlns:a="http://schemas.openxmlformats.org/drawingml/2006/main" xmlns:r="http://schemas.openxmlformats.org/officeDocument/2006/relationships" xmlns:p="http://schemas.openxmlformats.org/presentationml/2006/main">
   <p:cSld>
     <p:spTree>
@@ -6960,8 +7042,8 @@
           <a:chExt cx="0" cy="0"/>
         </a:xfrm>
       </p:grpSpPr>
-      <mc:AlternateContent xmlns:mc="http://schemas.openxmlformats.org/markup-compatibility/2006">
-        <mc:Choice xmlns:a14="http://schemas.microsoft.com/office/drawing/2010/main" Requires="a14">
+      <mc:AlternateContent xmlns:mc="http://schemas.openxmlformats.org/markup-compatibility/2006" xmlns:a14="http://schemas.microsoft.com/office/drawing/2010/main">
+        <mc:Choice Requires="a14">
           <p:sp>
             <p:nvSpPr>
               <p:cNvPr id="2" name="タイトル 1"/>
@@ -6996,7 +7078,7 @@
             </p:txBody>
           </p:sp>
         </mc:Choice>
-        <mc:Fallback>
+        <mc:Fallback xmlns="">
           <p:sp>
             <p:nvSpPr>
               <p:cNvPr id="2" name="タイトル 1"/>
@@ -7030,8 +7112,8 @@
           </p:sp>
         </mc:Fallback>
       </mc:AlternateContent>
-      <mc:AlternateContent xmlns:mc="http://schemas.openxmlformats.org/markup-compatibility/2006">
-        <mc:Choice xmlns:a14="http://schemas.microsoft.com/office/drawing/2010/main" Requires="a14">
+      <mc:AlternateContent xmlns:mc="http://schemas.openxmlformats.org/markup-compatibility/2006" xmlns:a14="http://schemas.microsoft.com/office/drawing/2010/main">
+        <mc:Choice Requires="a14">
           <p:sp>
             <p:nvSpPr>
               <p:cNvPr id="3" name="コンテンツ プレースホルダー 2"/>
@@ -7131,7 +7213,7 @@
             </p:txBody>
           </p:sp>
         </mc:Choice>
-        <mc:Fallback>
+        <mc:Fallback xmlns="">
           <p:sp>
             <p:nvSpPr>
               <p:cNvPr id="3" name="コンテンツ プレースホルダー 2"/>
@@ -7183,7 +7265,7 @@
             <a:fld id="{879872E2-8930-43A6-82EA-52DD58EFA9F7}" type="slidenum">
               <a:rPr lang="ja-JP" altLang="en-US" smtClean="0"/>
               <a:pPr/>
-              <a:t>7</a:t>
+              <a:t>24</a:t>
             </a:fld>
             <a:endParaRPr lang="ja-JP" altLang="en-US" dirty="0"/>
           </a:p>
@@ -7232,7 +7314,7 @@
 </p:sld>
 </file>
 
-<file path=ppt/slides/slide8.xml><?xml version="1.0" encoding="utf-8"?>
+<file path=ppt/slides/slide25.xml><?xml version="1.0" encoding="utf-8"?>
 <p:sld xmlns:a="http://schemas.openxmlformats.org/drawingml/2006/main" xmlns:r="http://schemas.openxmlformats.org/officeDocument/2006/relationships" xmlns:p="http://schemas.openxmlformats.org/presentationml/2006/main">
   <p:cSld>
     <p:spTree>
@@ -7249,8 +7331,8 @@
           <a:chExt cx="0" cy="0"/>
         </a:xfrm>
       </p:grpSpPr>
-      <mc:AlternateContent xmlns:mc="http://schemas.openxmlformats.org/markup-compatibility/2006">
-        <mc:Choice xmlns:a14="http://schemas.microsoft.com/office/drawing/2010/main" Requires="a14">
+      <mc:AlternateContent xmlns:mc="http://schemas.openxmlformats.org/markup-compatibility/2006" xmlns:a14="http://schemas.microsoft.com/office/drawing/2010/main">
+        <mc:Choice Requires="a14">
           <p:sp>
             <p:nvSpPr>
               <p:cNvPr id="2" name="タイトル 1"/>
@@ -7309,7 +7391,7 @@
             </p:txBody>
           </p:sp>
         </mc:Choice>
-        <mc:Fallback>
+        <mc:Fallback xmlns="">
           <p:sp>
             <p:nvSpPr>
               <p:cNvPr id="2" name="タイトル 1"/>
@@ -7400,7 +7482,7 @@
             <a:fld id="{879872E2-8930-43A6-82EA-52DD58EFA9F7}" type="slidenum">
               <a:rPr lang="ja-JP" altLang="en-US" smtClean="0"/>
               <a:pPr/>
-              <a:t>8</a:t>
+              <a:t>25</a:t>
             </a:fld>
             <a:endParaRPr lang="ja-JP" altLang="en-US" dirty="0"/>
           </a:p>
@@ -7509,7 +7591,7 @@
 </p:sld>
 </file>
 
-<file path=ppt/slides/slide9.xml><?xml version="1.0" encoding="utf-8"?>
+<file path=ppt/slides/slide26.xml><?xml version="1.0" encoding="utf-8"?>
 <p:sld xmlns:a="http://schemas.openxmlformats.org/drawingml/2006/main" xmlns:r="http://schemas.openxmlformats.org/officeDocument/2006/relationships" xmlns:p="http://schemas.openxmlformats.org/presentationml/2006/main">
   <p:cSld>
     <p:spTree>
@@ -7526,8 +7608,8 @@
           <a:chExt cx="0" cy="0"/>
         </a:xfrm>
       </p:grpSpPr>
-      <mc:AlternateContent xmlns:mc="http://schemas.openxmlformats.org/markup-compatibility/2006">
-        <mc:Choice xmlns:a14="http://schemas.microsoft.com/office/drawing/2010/main" Requires="a14">
+      <mc:AlternateContent xmlns:mc="http://schemas.openxmlformats.org/markup-compatibility/2006" xmlns:a14="http://schemas.microsoft.com/office/drawing/2010/main">
+        <mc:Choice Requires="a14">
           <p:sp>
             <p:nvSpPr>
               <p:cNvPr id="2" name="タイトル 1"/>
@@ -7586,7 +7668,7 @@
             </p:txBody>
           </p:sp>
         </mc:Choice>
-        <mc:Fallback>
+        <mc:Fallback xmlns="">
           <p:sp>
             <p:nvSpPr>
               <p:cNvPr id="2" name="タイトル 1"/>
@@ -7667,7 +7749,7 @@
             <a:fld id="{879872E2-8930-43A6-82EA-52DD58EFA9F7}" type="slidenum">
               <a:rPr lang="ja-JP" altLang="en-US" smtClean="0"/>
               <a:pPr/>
-              <a:t>9</a:t>
+              <a:t>26</a:t>
             </a:fld>
             <a:endParaRPr lang="ja-JP" altLang="en-US" dirty="0"/>
           </a:p>
@@ -7767,6 +7849,2346 @@
     <p:extLst>
       <p:ext uri="{BB962C8B-B14F-4D97-AF65-F5344CB8AC3E}">
         <p14:creationId xmlns:p14="http://schemas.microsoft.com/office/powerpoint/2010/main" val="1651953472"/>
+      </p:ext>
+    </p:extLst>
+  </p:cSld>
+  <p:clrMapOvr>
+    <a:masterClrMapping/>
+  </p:clrMapOvr>
+</p:sld>
+</file>
+
+<file path=ppt/slides/slide27.xml><?xml version="1.0" encoding="utf-8"?>
+<p:sld xmlns:a="http://schemas.openxmlformats.org/drawingml/2006/main" xmlns:r="http://schemas.openxmlformats.org/officeDocument/2006/relationships" xmlns:p="http://schemas.openxmlformats.org/presentationml/2006/main">
+  <p:cSld>
+    <p:spTree>
+      <p:nvGrpSpPr>
+        <p:cNvPr id="1" name=""/>
+        <p:cNvGrpSpPr/>
+        <p:nvPr/>
+      </p:nvGrpSpPr>
+      <p:grpSpPr>
+        <a:xfrm>
+          <a:off x="0" y="0"/>
+          <a:ext cx="0" cy="0"/>
+          <a:chOff x="0" y="0"/>
+          <a:chExt cx="0" cy="0"/>
+        </a:xfrm>
+      </p:grpSpPr>
+      <mc:AlternateContent xmlns:mc="http://schemas.openxmlformats.org/markup-compatibility/2006" xmlns:a14="http://schemas.microsoft.com/office/drawing/2010/main">
+        <mc:Choice Requires="a14">
+          <p:sp>
+            <p:nvSpPr>
+              <p:cNvPr id="2" name="タイトル 1"/>
+              <p:cNvSpPr>
+                <a:spLocks noGrp="1"/>
+              </p:cNvSpPr>
+              <p:nvPr>
+                <p:ph type="title"/>
+              </p:nvPr>
+            </p:nvSpPr>
+            <p:spPr/>
+            <p:txBody>
+              <a:bodyPr/>
+              <a:lstStyle/>
+              <a:p>
+                <a14:m>
+                  <m:oMath xmlns:m="http://schemas.openxmlformats.org/officeDocument/2006/math">
+                    <m:r>
+                      <a:rPr lang="en-US" altLang="ja-JP" i="1">
+                        <a:latin typeface="Cambria Math" panose="02040503050406030204" pitchFamily="18" charset="0"/>
+                      </a:rPr>
+                      <m:t>𝑀</m:t>
+                    </m:r>
+                    <m:r>
+                      <a:rPr lang="en-US" altLang="ja-JP" i="1">
+                        <a:latin typeface="Cambria Math" panose="02040503050406030204" pitchFamily="18" charset="0"/>
+                      </a:rPr>
+                      <m:t>, </m:t>
+                    </m:r>
+                    <m:r>
+                      <a:rPr lang="en-US" altLang="ja-JP" i="1">
+                        <a:latin typeface="Cambria Math" panose="02040503050406030204" pitchFamily="18" charset="0"/>
+                      </a:rPr>
+                      <m:t>𝑓</m:t>
+                    </m:r>
+                  </m:oMath>
+                </a14:m>
+                <a:r>
+                  <a:rPr lang="en-US" altLang="ja-JP" dirty="0" err="1"/>
+                  <a:t>の測定</a:t>
+                </a:r>
+                <a:r>
+                  <a:rPr lang="en-US" altLang="ja-JP" dirty="0" smtClean="0"/>
+                  <a:t>(</a:t>
+                </a:r>
+                <a:r>
+                  <a:rPr lang="en-US" altLang="ja-JP" dirty="0" err="1" smtClean="0"/>
+                  <a:t>フィードバック</a:t>
+                </a:r>
+                <a:r>
+                  <a:rPr lang="en-US" altLang="ja-JP" dirty="0" smtClean="0"/>
+                  <a:t>)</a:t>
+                </a:r>
+                <a:endParaRPr kumimoji="1" lang="ja-JP" altLang="en-US" dirty="0"/>
+              </a:p>
+            </p:txBody>
+          </p:sp>
+        </mc:Choice>
+        <mc:Fallback xmlns="">
+          <p:sp>
+            <p:nvSpPr>
+              <p:cNvPr id="2" name="タイトル 1"/>
+              <p:cNvSpPr>
+                <a:spLocks noGrp="1" noRot="1" noChangeAspect="1" noMove="1" noResize="1" noEditPoints="1" noAdjustHandles="1" noChangeArrowheads="1" noChangeShapeType="1" noTextEdit="1"/>
+              </p:cNvSpPr>
+              <p:nvPr>
+                <p:ph type="title"/>
+              </p:nvPr>
+            </p:nvSpPr>
+            <p:spPr>
+              <a:blipFill>
+                <a:blip r:embed="rId2"/>
+                <a:stretch>
+                  <a:fillRect/>
+                </a:stretch>
+              </a:blipFill>
+            </p:spPr>
+            <p:txBody>
+              <a:bodyPr/>
+              <a:lstStyle/>
+              <a:p>
+                <a:r>
+                  <a:rPr lang="ja-JP" altLang="en-US">
+                    <a:noFill/>
+                  </a:rPr>
+                  <a:t> </a:t>
+                </a:r>
+              </a:p>
+            </p:txBody>
+          </p:sp>
+        </mc:Fallback>
+      </mc:AlternateContent>
+      <p:sp>
+        <p:nvSpPr>
+          <p:cNvPr id="3" name="コンテンツ プレースホルダー 2"/>
+          <p:cNvSpPr>
+            <a:spLocks noGrp="1"/>
+          </p:cNvSpPr>
+          <p:nvPr>
+            <p:ph idx="1"/>
+          </p:nvPr>
+        </p:nvSpPr>
+        <p:spPr/>
+        <p:txBody>
+          <a:bodyPr/>
+          <a:lstStyle/>
+          <a:p>
+            <a:r>
+              <a:rPr kumimoji="1" lang="ja-JP" altLang="en-US" dirty="0" smtClean="0"/>
+              <a:t>台車の運動方程式</a:t>
+            </a:r>
+            <a:endParaRPr kumimoji="1" lang="en-US" altLang="ja-JP" dirty="0" smtClean="0"/>
+          </a:p>
+          <a:p>
+            <a:pPr marL="0" indent="0">
+              <a:buNone/>
+            </a:pPr>
+            <a:endParaRPr kumimoji="1" lang="en-US" altLang="ja-JP" dirty="0" smtClean="0"/>
+          </a:p>
+          <a:p>
+            <a:endParaRPr lang="en-US" altLang="ja-JP" dirty="0"/>
+          </a:p>
+          <a:p>
+            <a:r>
+              <a:rPr kumimoji="1" lang="ja-JP" altLang="en-US" dirty="0" smtClean="0"/>
+              <a:t>フィードバック</a:t>
+            </a:r>
+            <a:endParaRPr kumimoji="1" lang="en-US" altLang="ja-JP" dirty="0" smtClean="0"/>
+          </a:p>
+          <a:p>
+            <a:pPr marL="0" indent="0">
+              <a:buNone/>
+            </a:pPr>
+            <a:endParaRPr kumimoji="1" lang="en-US" altLang="ja-JP" dirty="0" smtClean="0"/>
+          </a:p>
+          <a:p>
+            <a:endParaRPr lang="en-US" altLang="ja-JP" dirty="0"/>
+          </a:p>
+          <a:p>
+            <a:r>
+              <a:rPr kumimoji="1" lang="ja-JP" altLang="en-US" dirty="0" smtClean="0"/>
+              <a:t>閉ループの応答</a:t>
+            </a:r>
+            <a:endParaRPr kumimoji="1" lang="ja-JP" altLang="en-US" dirty="0"/>
+          </a:p>
+        </p:txBody>
+      </p:sp>
+      <p:sp>
+        <p:nvSpPr>
+          <p:cNvPr id="4" name="スライド番号プレースホルダー 3"/>
+          <p:cNvSpPr>
+            <a:spLocks noGrp="1"/>
+          </p:cNvSpPr>
+          <p:nvPr>
+            <p:ph type="sldNum" sz="quarter" idx="12"/>
+          </p:nvPr>
+        </p:nvSpPr>
+        <p:spPr/>
+        <p:txBody>
+          <a:bodyPr/>
+          <a:lstStyle/>
+          <a:p>
+            <a:fld id="{879872E2-8930-43A6-82EA-52DD58EFA9F7}" type="slidenum">
+              <a:rPr lang="ja-JP" altLang="en-US" smtClean="0"/>
+              <a:pPr/>
+              <a:t>27</a:t>
+            </a:fld>
+            <a:endParaRPr lang="ja-JP" altLang="en-US" dirty="0"/>
+          </a:p>
+        </p:txBody>
+      </p:sp>
+      <p:pic>
+        <p:nvPicPr>
+          <p:cNvPr id="5" name="図 4"/>
+          <p:cNvPicPr>
+            <a:picLocks noChangeAspect="1"/>
+          </p:cNvPicPr>
+          <p:nvPr/>
+        </p:nvPicPr>
+        <p:blipFill>
+          <a:blip r:embed="rId3">
+            <a:extLst>
+              <a:ext uri="{28A0092B-C50C-407E-A947-70E740481C1C}">
+                <a14:useLocalDpi xmlns:a14="http://schemas.microsoft.com/office/drawing/2010/main" val="0"/>
+              </a:ext>
+            </a:extLst>
+          </a:blip>
+          <a:stretch>
+            <a:fillRect/>
+          </a:stretch>
+        </p:blipFill>
+        <p:spPr>
+          <a:xfrm>
+            <a:off x="3301019" y="2239328"/>
+            <a:ext cx="2466667" cy="352381"/>
+          </a:xfrm>
+          <a:prstGeom prst="rect">
+            <a:avLst/>
+          </a:prstGeom>
+        </p:spPr>
+      </p:pic>
+      <p:pic>
+        <p:nvPicPr>
+          <p:cNvPr id="6" name="図 5"/>
+          <p:cNvPicPr>
+            <a:picLocks noChangeAspect="1"/>
+          </p:cNvPicPr>
+          <p:nvPr/>
+        </p:nvPicPr>
+        <p:blipFill>
+          <a:blip r:embed="rId4">
+            <a:extLst>
+              <a:ext uri="{28A0092B-C50C-407E-A947-70E740481C1C}">
+                <a14:useLocalDpi xmlns:a14="http://schemas.microsoft.com/office/drawing/2010/main" val="0"/>
+              </a:ext>
+            </a:extLst>
+          </a:blip>
+          <a:stretch>
+            <a:fillRect/>
+          </a:stretch>
+        </p:blipFill>
+        <p:spPr>
+          <a:xfrm>
+            <a:off x="3301019" y="3639055"/>
+            <a:ext cx="2447619" cy="409524"/>
+          </a:xfrm>
+          <a:prstGeom prst="rect">
+            <a:avLst/>
+          </a:prstGeom>
+        </p:spPr>
+      </p:pic>
+      <p:pic>
+        <p:nvPicPr>
+          <p:cNvPr id="7" name="図 6"/>
+          <p:cNvPicPr>
+            <a:picLocks noChangeAspect="1"/>
+          </p:cNvPicPr>
+          <p:nvPr/>
+        </p:nvPicPr>
+        <p:blipFill>
+          <a:blip r:embed="rId5">
+            <a:extLst>
+              <a:ext uri="{28A0092B-C50C-407E-A947-70E740481C1C}">
+                <a14:useLocalDpi xmlns:a14="http://schemas.microsoft.com/office/drawing/2010/main" val="0"/>
+              </a:ext>
+            </a:extLst>
+          </a:blip>
+          <a:stretch>
+            <a:fillRect/>
+          </a:stretch>
+        </p:blipFill>
+        <p:spPr>
+          <a:xfrm>
+            <a:off x="1958161" y="5095925"/>
+            <a:ext cx="5152381" cy="352381"/>
+          </a:xfrm>
+          <a:prstGeom prst="rect">
+            <a:avLst/>
+          </a:prstGeom>
+        </p:spPr>
+      </p:pic>
+    </p:spTree>
+    <p:extLst>
+      <p:ext uri="{BB962C8B-B14F-4D97-AF65-F5344CB8AC3E}">
+        <p14:creationId xmlns:p14="http://schemas.microsoft.com/office/powerpoint/2010/main" val="1140271384"/>
+      </p:ext>
+    </p:extLst>
+  </p:cSld>
+  <p:clrMapOvr>
+    <a:masterClrMapping/>
+  </p:clrMapOvr>
+</p:sld>
+</file>
+
+<file path=ppt/slides/slide28.xml><?xml version="1.0" encoding="utf-8"?>
+<p:sld xmlns:a="http://schemas.openxmlformats.org/drawingml/2006/main" xmlns:r="http://schemas.openxmlformats.org/officeDocument/2006/relationships" xmlns:p="http://schemas.openxmlformats.org/presentationml/2006/main">
+  <p:cSld>
+    <p:spTree>
+      <p:nvGrpSpPr>
+        <p:cNvPr id="1" name=""/>
+        <p:cNvGrpSpPr/>
+        <p:nvPr/>
+      </p:nvGrpSpPr>
+      <p:grpSpPr>
+        <a:xfrm>
+          <a:off x="0" y="0"/>
+          <a:ext cx="0" cy="0"/>
+          <a:chOff x="0" y="0"/>
+          <a:chExt cx="0" cy="0"/>
+        </a:xfrm>
+      </p:grpSpPr>
+      <mc:AlternateContent xmlns:mc="http://schemas.openxmlformats.org/markup-compatibility/2006" xmlns:a14="http://schemas.microsoft.com/office/drawing/2010/main">
+        <mc:Choice Requires="a14">
+          <p:sp>
+            <p:nvSpPr>
+              <p:cNvPr id="2" name="タイトル 1"/>
+              <p:cNvSpPr>
+                <a:spLocks noGrp="1"/>
+              </p:cNvSpPr>
+              <p:nvPr>
+                <p:ph type="title"/>
+              </p:nvPr>
+            </p:nvSpPr>
+            <p:spPr/>
+            <p:txBody>
+              <a:bodyPr/>
+              <a:lstStyle/>
+              <a:p>
+                <a14:m>
+                  <m:oMath xmlns:m="http://schemas.openxmlformats.org/officeDocument/2006/math">
+                    <m:r>
+                      <a:rPr lang="en-US" altLang="ja-JP" i="1">
+                        <a:latin typeface="Cambria Math" panose="02040503050406030204" pitchFamily="18" charset="0"/>
+                      </a:rPr>
+                      <m:t>𝑀</m:t>
+                    </m:r>
+                    <m:r>
+                      <a:rPr lang="en-US" altLang="ja-JP" i="1">
+                        <a:latin typeface="Cambria Math" panose="02040503050406030204" pitchFamily="18" charset="0"/>
+                      </a:rPr>
+                      <m:t>, </m:t>
+                    </m:r>
+                    <m:r>
+                      <a:rPr lang="en-US" altLang="ja-JP" i="1">
+                        <a:latin typeface="Cambria Math" panose="02040503050406030204" pitchFamily="18" charset="0"/>
+                      </a:rPr>
+                      <m:t>𝑓</m:t>
+                    </m:r>
+                  </m:oMath>
+                </a14:m>
+                <a:r>
+                  <a:rPr lang="en-US" altLang="ja-JP" dirty="0" err="1"/>
+                  <a:t>の測定</a:t>
+                </a:r>
+                <a:r>
+                  <a:rPr lang="en-US" altLang="ja-JP" dirty="0"/>
+                  <a:t>(</a:t>
+                </a:r>
+                <a:r>
+                  <a:rPr lang="en-US" altLang="ja-JP" dirty="0" err="1" smtClean="0"/>
+                  <a:t>フィードバック</a:t>
+                </a:r>
+                <a:r>
+                  <a:rPr lang="en-US" altLang="ja-JP" dirty="0" smtClean="0"/>
+                  <a:t>)</a:t>
+                </a:r>
+                <a:endParaRPr kumimoji="1" lang="ja-JP" altLang="en-US" dirty="0"/>
+              </a:p>
+            </p:txBody>
+          </p:sp>
+        </mc:Choice>
+        <mc:Fallback xmlns="">
+          <p:sp>
+            <p:nvSpPr>
+              <p:cNvPr id="2" name="タイトル 1"/>
+              <p:cNvSpPr>
+                <a:spLocks noGrp="1" noRot="1" noChangeAspect="1" noMove="1" noResize="1" noEditPoints="1" noAdjustHandles="1" noChangeArrowheads="1" noChangeShapeType="1" noTextEdit="1"/>
+              </p:cNvSpPr>
+              <p:nvPr>
+                <p:ph type="title"/>
+              </p:nvPr>
+            </p:nvSpPr>
+            <p:spPr>
+              <a:blipFill>
+                <a:blip r:embed="rId2"/>
+                <a:stretch>
+                  <a:fillRect/>
+                </a:stretch>
+              </a:blipFill>
+            </p:spPr>
+            <p:txBody>
+              <a:bodyPr/>
+              <a:lstStyle/>
+              <a:p>
+                <a:r>
+                  <a:rPr lang="ja-JP" altLang="en-US">
+                    <a:noFill/>
+                  </a:rPr>
+                  <a:t> </a:t>
+                </a:r>
+              </a:p>
+            </p:txBody>
+          </p:sp>
+        </mc:Fallback>
+      </mc:AlternateContent>
+      <p:sp>
+        <p:nvSpPr>
+          <p:cNvPr id="3" name="コンテンツ プレースホルダー 2"/>
+          <p:cNvSpPr>
+            <a:spLocks noGrp="1"/>
+          </p:cNvSpPr>
+          <p:nvPr>
+            <p:ph idx="1"/>
+          </p:nvPr>
+        </p:nvSpPr>
+        <p:spPr/>
+        <p:txBody>
+          <a:bodyPr/>
+          <a:lstStyle/>
+          <a:p>
+            <a:pPr marL="0" indent="0">
+              <a:buNone/>
+            </a:pPr>
+            <a:r>
+              <a:rPr kumimoji="1" lang="ja-JP" altLang="en-US" dirty="0" smtClean="0"/>
+              <a:t>偏差を</a:t>
+            </a:r>
+            <a:r>
+              <a:rPr kumimoji="1" lang="en-US" altLang="ja-JP" dirty="0" smtClean="0"/>
+              <a:t>,</a:t>
+            </a:r>
+          </a:p>
+          <a:p>
+            <a:pPr marL="0" indent="0">
+              <a:buNone/>
+            </a:pPr>
+            <a:endParaRPr lang="en-US" altLang="ja-JP" dirty="0"/>
+          </a:p>
+          <a:p>
+            <a:pPr marL="0" indent="0">
+              <a:buNone/>
+            </a:pPr>
+            <a:r>
+              <a:rPr kumimoji="1" lang="ja-JP" altLang="en-US" dirty="0" smtClean="0"/>
+              <a:t>とすると</a:t>
+            </a:r>
+            <a:r>
+              <a:rPr kumimoji="1" lang="en-US" altLang="ja-JP" dirty="0" smtClean="0"/>
+              <a:t>,</a:t>
+            </a:r>
+          </a:p>
+          <a:p>
+            <a:pPr marL="0" indent="0">
+              <a:buNone/>
+            </a:pPr>
+            <a:endParaRPr lang="en-US" altLang="ja-JP" dirty="0"/>
+          </a:p>
+          <a:p>
+            <a:pPr marL="0" indent="0">
+              <a:buNone/>
+            </a:pPr>
+            <a:endParaRPr kumimoji="1" lang="en-US" altLang="ja-JP" dirty="0" smtClean="0"/>
+          </a:p>
+          <a:p>
+            <a:pPr marL="0" indent="0">
+              <a:buNone/>
+            </a:pPr>
+            <a:r>
+              <a:rPr lang="ja-JP" altLang="en-US" dirty="0" smtClean="0"/>
+              <a:t>ただし</a:t>
+            </a:r>
+            <a:r>
+              <a:rPr lang="en-US" altLang="ja-JP" dirty="0" smtClean="0"/>
+              <a:t>,</a:t>
+            </a:r>
+          </a:p>
+          <a:p>
+            <a:pPr marL="0" indent="0">
+              <a:buNone/>
+            </a:pPr>
+            <a:endParaRPr lang="en-US" altLang="ja-JP" dirty="0"/>
+          </a:p>
+          <a:p>
+            <a:pPr marL="0" indent="0">
+              <a:buNone/>
+            </a:pPr>
+            <a:endParaRPr lang="en-US" altLang="ja-JP" dirty="0" smtClean="0"/>
+          </a:p>
+          <a:p>
+            <a:pPr marL="0" indent="0">
+              <a:buNone/>
+            </a:pPr>
+            <a:r>
+              <a:rPr lang="en-US" altLang="ja-JP" dirty="0" smtClean="0"/>
+              <a:t>				</a:t>
+            </a:r>
+            <a:r>
+              <a:rPr lang="en-US" altLang="ja-JP" dirty="0" err="1" smtClean="0"/>
+              <a:t>のとき</a:t>
+            </a:r>
+            <a:r>
+              <a:rPr lang="ja-JP" altLang="en-US" dirty="0"/>
+              <a:t>減衰振動</a:t>
+            </a:r>
+            <a:endParaRPr lang="en-US" altLang="ja-JP" dirty="0"/>
+          </a:p>
+          <a:p>
+            <a:pPr marL="0" indent="0">
+              <a:buNone/>
+            </a:pPr>
+            <a:endParaRPr lang="en-US" altLang="ja-JP" dirty="0" smtClean="0"/>
+          </a:p>
+          <a:p>
+            <a:pPr marL="0" indent="0">
+              <a:buNone/>
+            </a:pPr>
+            <a:endParaRPr kumimoji="1" lang="ja-JP" altLang="en-US" dirty="0"/>
+          </a:p>
+        </p:txBody>
+      </p:sp>
+      <p:sp>
+        <p:nvSpPr>
+          <p:cNvPr id="4" name="スライド番号プレースホルダー 3"/>
+          <p:cNvSpPr>
+            <a:spLocks noGrp="1"/>
+          </p:cNvSpPr>
+          <p:nvPr>
+            <p:ph type="sldNum" sz="quarter" idx="12"/>
+          </p:nvPr>
+        </p:nvSpPr>
+        <p:spPr/>
+        <p:txBody>
+          <a:bodyPr/>
+          <a:lstStyle/>
+          <a:p>
+            <a:fld id="{879872E2-8930-43A6-82EA-52DD58EFA9F7}" type="slidenum">
+              <a:rPr lang="ja-JP" altLang="en-US" smtClean="0"/>
+              <a:pPr/>
+              <a:t>28</a:t>
+            </a:fld>
+            <a:endParaRPr lang="ja-JP" altLang="en-US" dirty="0"/>
+          </a:p>
+        </p:txBody>
+      </p:sp>
+      <p:pic>
+        <p:nvPicPr>
+          <p:cNvPr id="5" name="図 4"/>
+          <p:cNvPicPr>
+            <a:picLocks noChangeAspect="1"/>
+          </p:cNvPicPr>
+          <p:nvPr/>
+        </p:nvPicPr>
+        <p:blipFill>
+          <a:blip r:embed="rId3">
+            <a:extLst>
+              <a:ext uri="{28A0092B-C50C-407E-A947-70E740481C1C}">
+                <a14:useLocalDpi xmlns:a14="http://schemas.microsoft.com/office/drawing/2010/main" val="0"/>
+              </a:ext>
+            </a:extLst>
+          </a:blip>
+          <a:stretch>
+            <a:fillRect/>
+          </a:stretch>
+        </p:blipFill>
+        <p:spPr>
+          <a:xfrm>
+            <a:off x="3577210" y="2039660"/>
+            <a:ext cx="1914286" cy="247619"/>
+          </a:xfrm>
+          <a:prstGeom prst="rect">
+            <a:avLst/>
+          </a:prstGeom>
+        </p:spPr>
+      </p:pic>
+      <p:pic>
+        <p:nvPicPr>
+          <p:cNvPr id="6" name="図 5"/>
+          <p:cNvPicPr>
+            <a:picLocks noChangeAspect="1"/>
+          </p:cNvPicPr>
+          <p:nvPr/>
+        </p:nvPicPr>
+        <p:blipFill>
+          <a:blip r:embed="rId4">
+            <a:extLst>
+              <a:ext uri="{28A0092B-C50C-407E-A947-70E740481C1C}">
+                <a14:useLocalDpi xmlns:a14="http://schemas.microsoft.com/office/drawing/2010/main" val="0"/>
+              </a:ext>
+            </a:extLst>
+          </a:blip>
+          <a:stretch>
+            <a:fillRect/>
+          </a:stretch>
+        </p:blipFill>
+        <p:spPr>
+          <a:xfrm>
+            <a:off x="2734353" y="3024740"/>
+            <a:ext cx="3600000" cy="447619"/>
+          </a:xfrm>
+          <a:prstGeom prst="rect">
+            <a:avLst/>
+          </a:prstGeom>
+        </p:spPr>
+      </p:pic>
+      <p:pic>
+        <p:nvPicPr>
+          <p:cNvPr id="8" name="図 7"/>
+          <p:cNvPicPr>
+            <a:picLocks noChangeAspect="1"/>
+          </p:cNvPicPr>
+          <p:nvPr/>
+        </p:nvPicPr>
+        <p:blipFill>
+          <a:blip r:embed="rId5">
+            <a:extLst>
+              <a:ext uri="{28A0092B-C50C-407E-A947-70E740481C1C}">
+                <a14:useLocalDpi xmlns:a14="http://schemas.microsoft.com/office/drawing/2010/main" val="0"/>
+              </a:ext>
+            </a:extLst>
+          </a:blip>
+          <a:stretch>
+            <a:fillRect/>
+          </a:stretch>
+        </p:blipFill>
+        <p:spPr>
+          <a:xfrm>
+            <a:off x="2578459" y="4209820"/>
+            <a:ext cx="3911787" cy="780898"/>
+          </a:xfrm>
+          <a:prstGeom prst="rect">
+            <a:avLst/>
+          </a:prstGeom>
+        </p:spPr>
+      </p:pic>
+      <p:pic>
+        <p:nvPicPr>
+          <p:cNvPr id="9" name="図 8"/>
+          <p:cNvPicPr>
+            <a:picLocks noChangeAspect="1"/>
+          </p:cNvPicPr>
+          <p:nvPr/>
+        </p:nvPicPr>
+        <p:blipFill>
+          <a:blip r:embed="rId6">
+            <a:extLst>
+              <a:ext uri="{28A0092B-C50C-407E-A947-70E740481C1C}">
+                <a14:useLocalDpi xmlns:a14="http://schemas.microsoft.com/office/drawing/2010/main" val="0"/>
+              </a:ext>
+            </a:extLst>
+          </a:blip>
+          <a:stretch>
+            <a:fillRect/>
+          </a:stretch>
+        </p:blipFill>
+        <p:spPr>
+          <a:xfrm>
+            <a:off x="2443354" y="5513533"/>
+            <a:ext cx="1470278" cy="320002"/>
+          </a:xfrm>
+          <a:prstGeom prst="rect">
+            <a:avLst/>
+          </a:prstGeom>
+        </p:spPr>
+      </p:pic>
+    </p:spTree>
+    <p:extLst>
+      <p:ext uri="{BB962C8B-B14F-4D97-AF65-F5344CB8AC3E}">
+        <p14:creationId xmlns:p14="http://schemas.microsoft.com/office/powerpoint/2010/main" val="974813077"/>
+      </p:ext>
+    </p:extLst>
+  </p:cSld>
+  <p:clrMapOvr>
+    <a:masterClrMapping/>
+  </p:clrMapOvr>
+</p:sld>
+</file>
+
+<file path=ppt/slides/slide29.xml><?xml version="1.0" encoding="utf-8"?>
+<p:sld xmlns:a="http://schemas.openxmlformats.org/drawingml/2006/main" xmlns:r="http://schemas.openxmlformats.org/officeDocument/2006/relationships" xmlns:p="http://schemas.openxmlformats.org/presentationml/2006/main">
+  <p:cSld>
+    <p:spTree>
+      <p:nvGrpSpPr>
+        <p:cNvPr id="1" name=""/>
+        <p:cNvGrpSpPr/>
+        <p:nvPr/>
+      </p:nvGrpSpPr>
+      <p:grpSpPr>
+        <a:xfrm>
+          <a:off x="0" y="0"/>
+          <a:ext cx="0" cy="0"/>
+          <a:chOff x="0" y="0"/>
+          <a:chExt cx="0" cy="0"/>
+        </a:xfrm>
+      </p:grpSpPr>
+      <mc:AlternateContent xmlns:mc="http://schemas.openxmlformats.org/markup-compatibility/2006" xmlns:a14="http://schemas.microsoft.com/office/drawing/2010/main">
+        <mc:Choice Requires="a14">
+          <p:sp>
+            <p:nvSpPr>
+              <p:cNvPr id="2" name="タイトル 1"/>
+              <p:cNvSpPr>
+                <a:spLocks noGrp="1"/>
+              </p:cNvSpPr>
+              <p:nvPr>
+                <p:ph type="title"/>
+              </p:nvPr>
+            </p:nvSpPr>
+            <p:spPr/>
+            <p:txBody>
+              <a:bodyPr/>
+              <a:lstStyle/>
+              <a:p>
+                <a14:m>
+                  <m:oMath xmlns:m="http://schemas.openxmlformats.org/officeDocument/2006/math">
+                    <m:r>
+                      <a:rPr lang="en-US" altLang="ja-JP" i="1">
+                        <a:latin typeface="Cambria Math" panose="02040503050406030204" pitchFamily="18" charset="0"/>
+                      </a:rPr>
+                      <m:t>𝑀</m:t>
+                    </m:r>
+                    <m:r>
+                      <a:rPr lang="en-US" altLang="ja-JP" i="1">
+                        <a:latin typeface="Cambria Math" panose="02040503050406030204" pitchFamily="18" charset="0"/>
+                      </a:rPr>
+                      <m:t>, </m:t>
+                    </m:r>
+                    <m:r>
+                      <a:rPr lang="en-US" altLang="ja-JP" i="1">
+                        <a:latin typeface="Cambria Math" panose="02040503050406030204" pitchFamily="18" charset="0"/>
+                      </a:rPr>
+                      <m:t>𝑓</m:t>
+                    </m:r>
+                  </m:oMath>
+                </a14:m>
+                <a:r>
+                  <a:rPr lang="en-US" altLang="ja-JP" dirty="0" err="1"/>
+                  <a:t>の測定</a:t>
+                </a:r>
+                <a:r>
+                  <a:rPr lang="en-US" altLang="ja-JP" dirty="0"/>
+                  <a:t>(</a:t>
+                </a:r>
+                <a:r>
+                  <a:rPr lang="en-US" altLang="ja-JP" dirty="0" err="1"/>
+                  <a:t>フィードバック</a:t>
+                </a:r>
+                <a:r>
+                  <a:rPr lang="en-US" altLang="ja-JP" dirty="0"/>
+                  <a:t>)</a:t>
+                </a:r>
+                <a:endParaRPr kumimoji="1" lang="ja-JP" altLang="en-US" dirty="0"/>
+              </a:p>
+            </p:txBody>
+          </p:sp>
+        </mc:Choice>
+        <mc:Fallback xmlns="">
+          <p:sp>
+            <p:nvSpPr>
+              <p:cNvPr id="2" name="タイトル 1"/>
+              <p:cNvSpPr>
+                <a:spLocks noGrp="1" noRot="1" noChangeAspect="1" noMove="1" noResize="1" noEditPoints="1" noAdjustHandles="1" noChangeArrowheads="1" noChangeShapeType="1" noTextEdit="1"/>
+              </p:cNvSpPr>
+              <p:nvPr>
+                <p:ph type="title"/>
+              </p:nvPr>
+            </p:nvSpPr>
+            <p:spPr>
+              <a:blipFill>
+                <a:blip r:embed="rId2"/>
+                <a:stretch>
+                  <a:fillRect/>
+                </a:stretch>
+              </a:blipFill>
+            </p:spPr>
+            <p:txBody>
+              <a:bodyPr/>
+              <a:lstStyle/>
+              <a:p>
+                <a:r>
+                  <a:rPr lang="ja-JP" altLang="en-US">
+                    <a:noFill/>
+                  </a:rPr>
+                  <a:t> </a:t>
+                </a:r>
+              </a:p>
+            </p:txBody>
+          </p:sp>
+        </mc:Fallback>
+      </mc:AlternateContent>
+      <p:pic>
+        <p:nvPicPr>
+          <p:cNvPr id="5" name="コンテンツ プレースホルダー 4"/>
+          <p:cNvPicPr>
+            <a:picLocks noGrp="1" noChangeAspect="1"/>
+          </p:cNvPicPr>
+          <p:nvPr>
+            <p:ph idx="1"/>
+          </p:nvPr>
+        </p:nvPicPr>
+        <p:blipFill>
+          <a:blip r:embed="rId3">
+            <a:extLst>
+              <a:ext uri="{28A0092B-C50C-407E-A947-70E740481C1C}">
+                <a14:useLocalDpi xmlns:a14="http://schemas.microsoft.com/office/drawing/2010/main" val="0"/>
+              </a:ext>
+            </a:extLst>
+          </a:blip>
+          <a:stretch>
+            <a:fillRect/>
+          </a:stretch>
+        </p:blipFill>
+        <p:spPr>
+          <a:xfrm>
+            <a:off x="1606240" y="1660239"/>
+            <a:ext cx="2863347" cy="699929"/>
+          </a:xfrm>
+        </p:spPr>
+      </p:pic>
+      <p:sp>
+        <p:nvSpPr>
+          <p:cNvPr id="4" name="スライド番号プレースホルダー 3"/>
+          <p:cNvSpPr>
+            <a:spLocks noGrp="1"/>
+          </p:cNvSpPr>
+          <p:nvPr>
+            <p:ph type="sldNum" sz="quarter" idx="12"/>
+          </p:nvPr>
+        </p:nvSpPr>
+        <p:spPr/>
+        <p:txBody>
+          <a:bodyPr/>
+          <a:lstStyle/>
+          <a:p>
+            <a:fld id="{879872E2-8930-43A6-82EA-52DD58EFA9F7}" type="slidenum">
+              <a:rPr lang="ja-JP" altLang="en-US" smtClean="0"/>
+              <a:pPr/>
+              <a:t>29</a:t>
+            </a:fld>
+            <a:endParaRPr lang="ja-JP" altLang="en-US" dirty="0"/>
+          </a:p>
+        </p:txBody>
+      </p:sp>
+      <p:sp>
+        <p:nvSpPr>
+          <p:cNvPr id="7" name="テキスト ボックス 6"/>
+          <p:cNvSpPr txBox="1"/>
+          <p:nvPr/>
+        </p:nvSpPr>
+        <p:spPr>
+          <a:xfrm>
+            <a:off x="5618073" y="2765146"/>
+            <a:ext cx="2801722" cy="646331"/>
+          </a:xfrm>
+          <a:prstGeom prst="rect">
+            <a:avLst/>
+          </a:prstGeom>
+          <a:noFill/>
+        </p:spPr>
+        <p:txBody>
+          <a:bodyPr wrap="square" rtlCol="0">
+            <a:spAutoFit/>
+          </a:bodyPr>
+          <a:lstStyle/>
+          <a:p>
+            <a:r>
+              <a:rPr lang="ja-JP" altLang="en-US" dirty="0" smtClean="0"/>
+              <a:t>フィードバックの画像</a:t>
+            </a:r>
+            <a:endParaRPr lang="en-US" altLang="ja-JP" dirty="0" smtClean="0"/>
+          </a:p>
+          <a:p>
+            <a:endParaRPr kumimoji="1" lang="ja-JP" altLang="en-US" dirty="0"/>
+          </a:p>
+        </p:txBody>
+      </p:sp>
+      <p:pic>
+        <p:nvPicPr>
+          <p:cNvPr id="8" name="図 7"/>
+          <p:cNvPicPr>
+            <a:picLocks noChangeAspect="1"/>
+          </p:cNvPicPr>
+          <p:nvPr/>
+        </p:nvPicPr>
+        <p:blipFill>
+          <a:blip r:embed="rId4">
+            <a:extLst>
+              <a:ext uri="{28A0092B-C50C-407E-A947-70E740481C1C}">
+                <a14:useLocalDpi xmlns:a14="http://schemas.microsoft.com/office/drawing/2010/main" val="0"/>
+              </a:ext>
+            </a:extLst>
+          </a:blip>
+          <a:stretch>
+            <a:fillRect/>
+          </a:stretch>
+        </p:blipFill>
+        <p:spPr>
+          <a:xfrm>
+            <a:off x="1267048" y="3063904"/>
+            <a:ext cx="3912114" cy="720106"/>
+          </a:xfrm>
+          <a:prstGeom prst="rect">
+            <a:avLst/>
+          </a:prstGeom>
+        </p:spPr>
+      </p:pic>
+      <p:pic>
+        <p:nvPicPr>
+          <p:cNvPr id="9" name="図 8"/>
+          <p:cNvPicPr>
+            <a:picLocks noChangeAspect="1"/>
+          </p:cNvPicPr>
+          <p:nvPr/>
+        </p:nvPicPr>
+        <p:blipFill>
+          <a:blip r:embed="rId5">
+            <a:extLst>
+              <a:ext uri="{28A0092B-C50C-407E-A947-70E740481C1C}">
+                <a14:useLocalDpi xmlns:a14="http://schemas.microsoft.com/office/drawing/2010/main" val="0"/>
+              </a:ext>
+            </a:extLst>
+          </a:blip>
+          <a:stretch>
+            <a:fillRect/>
+          </a:stretch>
+        </p:blipFill>
+        <p:spPr>
+          <a:xfrm>
+            <a:off x="1243485" y="4874882"/>
+            <a:ext cx="3588855" cy="717771"/>
+          </a:xfrm>
+          <a:prstGeom prst="rect">
+            <a:avLst/>
+          </a:prstGeom>
+        </p:spPr>
+      </p:pic>
+    </p:spTree>
+    <p:extLst>
+      <p:ext uri="{BB962C8B-B14F-4D97-AF65-F5344CB8AC3E}">
+        <p14:creationId xmlns:p14="http://schemas.microsoft.com/office/powerpoint/2010/main" val="339801122"/>
+      </p:ext>
+    </p:extLst>
+  </p:cSld>
+  <p:clrMapOvr>
+    <a:masterClrMapping/>
+  </p:clrMapOvr>
+</p:sld>
+</file>
+
+<file path=ppt/slides/slide3.xml><?xml version="1.0" encoding="utf-8"?>
+<p:sld xmlns:a="http://schemas.openxmlformats.org/drawingml/2006/main" xmlns:r="http://schemas.openxmlformats.org/officeDocument/2006/relationships" xmlns:p="http://schemas.openxmlformats.org/presentationml/2006/main">
+  <p:cSld>
+    <p:spTree>
+      <p:nvGrpSpPr>
+        <p:cNvPr id="1" name=""/>
+        <p:cNvGrpSpPr/>
+        <p:nvPr/>
+      </p:nvGrpSpPr>
+      <p:grpSpPr>
+        <a:xfrm>
+          <a:off x="0" y="0"/>
+          <a:ext cx="0" cy="0"/>
+          <a:chOff x="0" y="0"/>
+          <a:chExt cx="0" cy="0"/>
+        </a:xfrm>
+      </p:grpSpPr>
+      <p:sp>
+        <p:nvSpPr>
+          <p:cNvPr id="2" name="タイトル 1"/>
+          <p:cNvSpPr>
+            <a:spLocks noGrp="1"/>
+          </p:cNvSpPr>
+          <p:nvPr>
+            <p:ph type="title"/>
+          </p:nvPr>
+        </p:nvSpPr>
+        <p:spPr>
+          <a:xfrm>
+            <a:off x="396772" y="2687646"/>
+            <a:ext cx="8319408" cy="1325563"/>
+          </a:xfrm>
+        </p:spPr>
+        <p:txBody>
+          <a:bodyPr/>
+          <a:lstStyle/>
+          <a:p>
+            <a:r>
+              <a:rPr kumimoji="1" lang="ja-JP" altLang="en-US" dirty="0" smtClean="0"/>
+              <a:t>制御対象</a:t>
+            </a:r>
+            <a:endParaRPr kumimoji="1" lang="ja-JP" altLang="en-US" dirty="0"/>
+          </a:p>
+        </p:txBody>
+      </p:sp>
+      <p:sp>
+        <p:nvSpPr>
+          <p:cNvPr id="4" name="スライド番号プレースホルダー 3"/>
+          <p:cNvSpPr>
+            <a:spLocks noGrp="1"/>
+          </p:cNvSpPr>
+          <p:nvPr>
+            <p:ph type="sldNum" sz="quarter" idx="12"/>
+          </p:nvPr>
+        </p:nvSpPr>
+        <p:spPr/>
+        <p:txBody>
+          <a:bodyPr/>
+          <a:lstStyle/>
+          <a:p>
+            <a:fld id="{879872E2-8930-43A6-82EA-52DD58EFA9F7}" type="slidenum">
+              <a:rPr lang="ja-JP" altLang="en-US" smtClean="0"/>
+              <a:pPr/>
+              <a:t>3</a:t>
+            </a:fld>
+            <a:endParaRPr lang="ja-JP" altLang="en-US" dirty="0"/>
+          </a:p>
+        </p:txBody>
+      </p:sp>
+    </p:spTree>
+    <p:extLst>
+      <p:ext uri="{BB962C8B-B14F-4D97-AF65-F5344CB8AC3E}">
+        <p14:creationId xmlns:p14="http://schemas.microsoft.com/office/powerpoint/2010/main" val="2356352719"/>
+      </p:ext>
+    </p:extLst>
+  </p:cSld>
+  <p:clrMapOvr>
+    <a:masterClrMapping/>
+  </p:clrMapOvr>
+</p:sld>
+</file>
+
+<file path=ppt/slides/slide30.xml><?xml version="1.0" encoding="utf-8"?>
+<p:sld xmlns:a="http://schemas.openxmlformats.org/drawingml/2006/main" xmlns:r="http://schemas.openxmlformats.org/officeDocument/2006/relationships" xmlns:p="http://schemas.openxmlformats.org/presentationml/2006/main">
+  <p:cSld>
+    <p:spTree>
+      <p:nvGrpSpPr>
+        <p:cNvPr id="1" name=""/>
+        <p:cNvGrpSpPr/>
+        <p:nvPr/>
+      </p:nvGrpSpPr>
+      <p:grpSpPr>
+        <a:xfrm>
+          <a:off x="0" y="0"/>
+          <a:ext cx="0" cy="0"/>
+          <a:chOff x="0" y="0"/>
+          <a:chExt cx="0" cy="0"/>
+        </a:xfrm>
+      </p:grpSpPr>
+      <mc:AlternateContent xmlns:mc="http://schemas.openxmlformats.org/markup-compatibility/2006" xmlns:a14="http://schemas.microsoft.com/office/drawing/2010/main">
+        <mc:Choice Requires="a14">
+          <p:sp>
+            <p:nvSpPr>
+              <p:cNvPr id="2" name="タイトル 1"/>
+              <p:cNvSpPr>
+                <a:spLocks noGrp="1"/>
+              </p:cNvSpPr>
+              <p:nvPr>
+                <p:ph type="title"/>
+              </p:nvPr>
+            </p:nvSpPr>
+            <p:spPr/>
+            <p:txBody>
+              <a:bodyPr/>
+              <a:lstStyle/>
+              <a:p>
+                <a14:m>
+                  <m:oMath xmlns:m="http://schemas.openxmlformats.org/officeDocument/2006/math">
+                    <m:r>
+                      <a:rPr kumimoji="1" lang="en-US" altLang="ja-JP" b="0" i="1" smtClean="0">
+                        <a:latin typeface="Cambria Math" panose="02040503050406030204" pitchFamily="18" charset="0"/>
+                      </a:rPr>
+                      <m:t>𝐽</m:t>
+                    </m:r>
+                    <m:r>
+                      <a:rPr kumimoji="1" lang="en-US" altLang="ja-JP" b="0" i="1" smtClean="0">
+                        <a:latin typeface="Cambria Math" panose="02040503050406030204" pitchFamily="18" charset="0"/>
+                      </a:rPr>
+                      <m:t>, </m:t>
+                    </m:r>
+                    <m:r>
+                      <a:rPr kumimoji="1" lang="en-US" altLang="ja-JP" b="0" i="1" smtClean="0">
+                        <a:latin typeface="Cambria Math" panose="02040503050406030204" pitchFamily="18" charset="0"/>
+                      </a:rPr>
+                      <m:t>𝑐</m:t>
+                    </m:r>
+                  </m:oMath>
+                </a14:m>
+                <a:r>
+                  <a:rPr kumimoji="1" lang="ja-JP" altLang="en-US" dirty="0" smtClean="0"/>
+                  <a:t>の測定</a:t>
+                </a:r>
+                <a:endParaRPr kumimoji="1" lang="ja-JP" altLang="en-US" dirty="0"/>
+              </a:p>
+            </p:txBody>
+          </p:sp>
+        </mc:Choice>
+        <mc:Fallback xmlns="">
+          <p:sp>
+            <p:nvSpPr>
+              <p:cNvPr id="2" name="タイトル 1"/>
+              <p:cNvSpPr>
+                <a:spLocks noGrp="1" noRot="1" noChangeAspect="1" noMove="1" noResize="1" noEditPoints="1" noAdjustHandles="1" noChangeArrowheads="1" noChangeShapeType="1" noTextEdit="1"/>
+              </p:cNvSpPr>
+              <p:nvPr>
+                <p:ph type="title"/>
+              </p:nvPr>
+            </p:nvSpPr>
+            <p:spPr>
+              <a:blipFill>
+                <a:blip r:embed="rId2"/>
+                <a:stretch>
+                  <a:fillRect/>
+                </a:stretch>
+              </a:blipFill>
+            </p:spPr>
+            <p:txBody>
+              <a:bodyPr/>
+              <a:lstStyle/>
+              <a:p>
+                <a:r>
+                  <a:rPr lang="ja-JP" altLang="en-US">
+                    <a:noFill/>
+                  </a:rPr>
+                  <a:t> </a:t>
+                </a:r>
+              </a:p>
+            </p:txBody>
+          </p:sp>
+        </mc:Fallback>
+      </mc:AlternateContent>
+      <p:sp>
+        <p:nvSpPr>
+          <p:cNvPr id="3" name="コンテンツ プレースホルダー 2"/>
+          <p:cNvSpPr>
+            <a:spLocks noGrp="1"/>
+          </p:cNvSpPr>
+          <p:nvPr>
+            <p:ph idx="1"/>
+          </p:nvPr>
+        </p:nvSpPr>
+        <p:spPr/>
+        <p:txBody>
+          <a:bodyPr/>
+          <a:lstStyle/>
+          <a:p>
+            <a:r>
+              <a:rPr lang="ja-JP" altLang="en-US" dirty="0" smtClean="0"/>
+              <a:t>振子の運動方程式</a:t>
+            </a:r>
+            <a:endParaRPr lang="en-US" altLang="ja-JP" dirty="0" smtClean="0"/>
+          </a:p>
+          <a:p>
+            <a:pPr marL="0" indent="0">
+              <a:buNone/>
+            </a:pPr>
+            <a:endParaRPr kumimoji="1" lang="ja-JP" altLang="en-US" dirty="0"/>
+          </a:p>
+        </p:txBody>
+      </p:sp>
+      <p:sp>
+        <p:nvSpPr>
+          <p:cNvPr id="4" name="スライド番号プレースホルダー 3"/>
+          <p:cNvSpPr>
+            <a:spLocks noGrp="1"/>
+          </p:cNvSpPr>
+          <p:nvPr>
+            <p:ph type="sldNum" sz="quarter" idx="12"/>
+          </p:nvPr>
+        </p:nvSpPr>
+        <p:spPr/>
+        <p:txBody>
+          <a:bodyPr/>
+          <a:lstStyle/>
+          <a:p>
+            <a:fld id="{879872E2-8930-43A6-82EA-52DD58EFA9F7}" type="slidenum">
+              <a:rPr lang="ja-JP" altLang="en-US" smtClean="0"/>
+              <a:pPr/>
+              <a:t>30</a:t>
+            </a:fld>
+            <a:endParaRPr lang="ja-JP" altLang="en-US" dirty="0"/>
+          </a:p>
+        </p:txBody>
+      </p:sp>
+      <p:pic>
+        <p:nvPicPr>
+          <p:cNvPr id="5" name="図 4"/>
+          <p:cNvPicPr>
+            <a:picLocks noChangeAspect="1"/>
+          </p:cNvPicPr>
+          <p:nvPr/>
+        </p:nvPicPr>
+        <p:blipFill>
+          <a:blip r:embed="rId3">
+            <a:extLst>
+              <a:ext uri="{28A0092B-C50C-407E-A947-70E740481C1C}">
+                <a14:useLocalDpi xmlns:a14="http://schemas.microsoft.com/office/drawing/2010/main" val="0"/>
+              </a:ext>
+            </a:extLst>
+          </a:blip>
+          <a:stretch>
+            <a:fillRect/>
+          </a:stretch>
+        </p:blipFill>
+        <p:spPr>
+          <a:xfrm>
+            <a:off x="657957" y="2183961"/>
+            <a:ext cx="5019048" cy="485714"/>
+          </a:xfrm>
+          <a:prstGeom prst="rect">
+            <a:avLst/>
+          </a:prstGeom>
+        </p:spPr>
+      </p:pic>
+      <p:pic>
+        <p:nvPicPr>
+          <p:cNvPr id="7" name="図 6"/>
+          <p:cNvPicPr>
+            <a:picLocks noChangeAspect="1"/>
+          </p:cNvPicPr>
+          <p:nvPr/>
+        </p:nvPicPr>
+        <p:blipFill>
+          <a:blip r:embed="rId4">
+            <a:extLst>
+              <a:ext uri="{28A0092B-C50C-407E-A947-70E740481C1C}">
+                <a14:useLocalDpi xmlns:a14="http://schemas.microsoft.com/office/drawing/2010/main" val="0"/>
+              </a:ext>
+            </a:extLst>
+          </a:blip>
+          <a:stretch>
+            <a:fillRect/>
+          </a:stretch>
+        </p:blipFill>
+        <p:spPr>
+          <a:xfrm>
+            <a:off x="1748433" y="2790096"/>
+            <a:ext cx="1419048" cy="352381"/>
+          </a:xfrm>
+          <a:prstGeom prst="rect">
+            <a:avLst/>
+          </a:prstGeom>
+        </p:spPr>
+      </p:pic>
+      <p:pic>
+        <p:nvPicPr>
+          <p:cNvPr id="8" name="図 7"/>
+          <p:cNvPicPr>
+            <a:picLocks noChangeAspect="1"/>
+          </p:cNvPicPr>
+          <p:nvPr/>
+        </p:nvPicPr>
+        <p:blipFill>
+          <a:blip r:embed="rId5">
+            <a:extLst>
+              <a:ext uri="{28A0092B-C50C-407E-A947-70E740481C1C}">
+                <a14:useLocalDpi xmlns:a14="http://schemas.microsoft.com/office/drawing/2010/main" val="0"/>
+              </a:ext>
+            </a:extLst>
+          </a:blip>
+          <a:stretch>
+            <a:fillRect/>
+          </a:stretch>
+        </p:blipFill>
+        <p:spPr>
+          <a:xfrm>
+            <a:off x="1110338" y="3477954"/>
+            <a:ext cx="4114286" cy="447619"/>
+          </a:xfrm>
+          <a:prstGeom prst="rect">
+            <a:avLst/>
+          </a:prstGeom>
+        </p:spPr>
+      </p:pic>
+      <p:pic>
+        <p:nvPicPr>
+          <p:cNvPr id="9" name="図 8"/>
+          <p:cNvPicPr>
+            <a:picLocks noChangeAspect="1"/>
+          </p:cNvPicPr>
+          <p:nvPr/>
+        </p:nvPicPr>
+        <p:blipFill>
+          <a:blip r:embed="rId6">
+            <a:extLst>
+              <a:ext uri="{28A0092B-C50C-407E-A947-70E740481C1C}">
+                <a14:useLocalDpi xmlns:a14="http://schemas.microsoft.com/office/drawing/2010/main" val="0"/>
+              </a:ext>
+            </a:extLst>
+          </a:blip>
+          <a:stretch>
+            <a:fillRect/>
+          </a:stretch>
+        </p:blipFill>
+        <p:spPr>
+          <a:xfrm>
+            <a:off x="519384" y="4795410"/>
+            <a:ext cx="5296194" cy="825945"/>
+          </a:xfrm>
+          <a:prstGeom prst="rect">
+            <a:avLst/>
+          </a:prstGeom>
+        </p:spPr>
+      </p:pic>
+      <p:pic>
+        <p:nvPicPr>
+          <p:cNvPr id="10" name="図 9"/>
+          <p:cNvPicPr>
+            <a:picLocks noChangeAspect="1"/>
+          </p:cNvPicPr>
+          <p:nvPr/>
+        </p:nvPicPr>
+        <p:blipFill>
+          <a:blip r:embed="rId7">
+            <a:extLst>
+              <a:ext uri="{28A0092B-C50C-407E-A947-70E740481C1C}">
+                <a14:useLocalDpi xmlns:a14="http://schemas.microsoft.com/office/drawing/2010/main" val="0"/>
+              </a:ext>
+            </a:extLst>
+          </a:blip>
+          <a:stretch>
+            <a:fillRect/>
+          </a:stretch>
+        </p:blipFill>
+        <p:spPr>
+          <a:xfrm>
+            <a:off x="5786107" y="1913017"/>
+            <a:ext cx="2824728" cy="2135562"/>
+          </a:xfrm>
+          <a:prstGeom prst="rect">
+            <a:avLst/>
+          </a:prstGeom>
+        </p:spPr>
+      </p:pic>
+    </p:spTree>
+    <p:extLst>
+      <p:ext uri="{BB962C8B-B14F-4D97-AF65-F5344CB8AC3E}">
+        <p14:creationId xmlns:p14="http://schemas.microsoft.com/office/powerpoint/2010/main" val="500466829"/>
+      </p:ext>
+    </p:extLst>
+  </p:cSld>
+  <p:clrMapOvr>
+    <a:masterClrMapping/>
+  </p:clrMapOvr>
+</p:sld>
+</file>
+
+<file path=ppt/slides/slide31.xml><?xml version="1.0" encoding="utf-8"?>
+<p:sld xmlns:a="http://schemas.openxmlformats.org/drawingml/2006/main" xmlns:r="http://schemas.openxmlformats.org/officeDocument/2006/relationships" xmlns:p="http://schemas.openxmlformats.org/presentationml/2006/main">
+  <p:cSld>
+    <p:spTree>
+      <p:nvGrpSpPr>
+        <p:cNvPr id="1" name=""/>
+        <p:cNvGrpSpPr/>
+        <p:nvPr/>
+      </p:nvGrpSpPr>
+      <p:grpSpPr>
+        <a:xfrm>
+          <a:off x="0" y="0"/>
+          <a:ext cx="0" cy="0"/>
+          <a:chOff x="0" y="0"/>
+          <a:chExt cx="0" cy="0"/>
+        </a:xfrm>
+      </p:grpSpPr>
+      <mc:AlternateContent xmlns:mc="http://schemas.openxmlformats.org/markup-compatibility/2006" xmlns:a14="http://schemas.microsoft.com/office/drawing/2010/main">
+        <mc:Choice Requires="a14">
+          <p:sp>
+            <p:nvSpPr>
+              <p:cNvPr id="2" name="タイトル 1"/>
+              <p:cNvSpPr>
+                <a:spLocks noGrp="1"/>
+              </p:cNvSpPr>
+              <p:nvPr>
+                <p:ph type="title"/>
+              </p:nvPr>
+            </p:nvSpPr>
+            <p:spPr/>
+            <p:txBody>
+              <a:bodyPr/>
+              <a:lstStyle/>
+              <a:p>
+                <a14:m>
+                  <m:oMath xmlns:m="http://schemas.openxmlformats.org/officeDocument/2006/math">
+                    <m:r>
+                      <a:rPr lang="en-US" altLang="ja-JP" i="1">
+                        <a:latin typeface="Cambria Math" panose="02040503050406030204" pitchFamily="18" charset="0"/>
+                      </a:rPr>
+                      <m:t>𝐽</m:t>
+                    </m:r>
+                    <m:r>
+                      <a:rPr lang="en-US" altLang="ja-JP" i="1">
+                        <a:latin typeface="Cambria Math" panose="02040503050406030204" pitchFamily="18" charset="0"/>
+                      </a:rPr>
+                      <m:t>, </m:t>
+                    </m:r>
+                    <m:r>
+                      <a:rPr lang="en-US" altLang="ja-JP" i="1">
+                        <a:latin typeface="Cambria Math" panose="02040503050406030204" pitchFamily="18" charset="0"/>
+                      </a:rPr>
+                      <m:t>𝑐</m:t>
+                    </m:r>
+                  </m:oMath>
+                </a14:m>
+                <a:r>
+                  <a:rPr lang="ja-JP" altLang="en-US" dirty="0"/>
+                  <a:t>の測定</a:t>
+                </a:r>
+                <a:endParaRPr kumimoji="1" lang="ja-JP" altLang="en-US" dirty="0"/>
+              </a:p>
+            </p:txBody>
+          </p:sp>
+        </mc:Choice>
+        <mc:Fallback xmlns="">
+          <p:sp>
+            <p:nvSpPr>
+              <p:cNvPr id="2" name="タイトル 1"/>
+              <p:cNvSpPr>
+                <a:spLocks noGrp="1" noRot="1" noChangeAspect="1" noMove="1" noResize="1" noEditPoints="1" noAdjustHandles="1" noChangeArrowheads="1" noChangeShapeType="1" noTextEdit="1"/>
+              </p:cNvSpPr>
+              <p:nvPr>
+                <p:ph type="title"/>
+              </p:nvPr>
+            </p:nvSpPr>
+            <p:spPr>
+              <a:blipFill>
+                <a:blip r:embed="rId2"/>
+                <a:stretch>
+                  <a:fillRect/>
+                </a:stretch>
+              </a:blipFill>
+            </p:spPr>
+            <p:txBody>
+              <a:bodyPr/>
+              <a:lstStyle/>
+              <a:p>
+                <a:r>
+                  <a:rPr lang="ja-JP" altLang="en-US">
+                    <a:noFill/>
+                  </a:rPr>
+                  <a:t> </a:t>
+                </a:r>
+              </a:p>
+            </p:txBody>
+          </p:sp>
+        </mc:Fallback>
+      </mc:AlternateContent>
+      <p:pic>
+        <p:nvPicPr>
+          <p:cNvPr id="5" name="コンテンツ プレースホルダー 4"/>
+          <p:cNvPicPr>
+            <a:picLocks noGrp="1" noChangeAspect="1"/>
+          </p:cNvPicPr>
+          <p:nvPr>
+            <p:ph idx="1"/>
+          </p:nvPr>
+        </p:nvPicPr>
+        <p:blipFill>
+          <a:blip r:embed="rId3">
+            <a:extLst>
+              <a:ext uri="{28A0092B-C50C-407E-A947-70E740481C1C}">
+                <a14:useLocalDpi xmlns:a14="http://schemas.microsoft.com/office/drawing/2010/main" val="0"/>
+              </a:ext>
+            </a:extLst>
+          </a:blip>
+          <a:stretch>
+            <a:fillRect/>
+          </a:stretch>
+        </p:blipFill>
+        <p:spPr>
+          <a:xfrm>
+            <a:off x="4542683" y="1891806"/>
+            <a:ext cx="4506701" cy="2100345"/>
+          </a:xfrm>
+        </p:spPr>
+      </p:pic>
+      <p:sp>
+        <p:nvSpPr>
+          <p:cNvPr id="4" name="スライド番号プレースホルダー 3"/>
+          <p:cNvSpPr>
+            <a:spLocks noGrp="1"/>
+          </p:cNvSpPr>
+          <p:nvPr>
+            <p:ph type="sldNum" sz="quarter" idx="12"/>
+          </p:nvPr>
+        </p:nvSpPr>
+        <p:spPr/>
+        <p:txBody>
+          <a:bodyPr/>
+          <a:lstStyle/>
+          <a:p>
+            <a:fld id="{879872E2-8930-43A6-82EA-52DD58EFA9F7}" type="slidenum">
+              <a:rPr lang="ja-JP" altLang="en-US" smtClean="0"/>
+              <a:pPr/>
+              <a:t>31</a:t>
+            </a:fld>
+            <a:endParaRPr lang="ja-JP" altLang="en-US" dirty="0"/>
+          </a:p>
+        </p:txBody>
+      </p:sp>
+      <p:pic>
+        <p:nvPicPr>
+          <p:cNvPr id="6" name="図 5"/>
+          <p:cNvPicPr>
+            <a:picLocks noChangeAspect="1"/>
+          </p:cNvPicPr>
+          <p:nvPr/>
+        </p:nvPicPr>
+        <p:blipFill>
+          <a:blip r:embed="rId4" cstate="print">
+            <a:extLst>
+              <a:ext uri="{28A0092B-C50C-407E-A947-70E740481C1C}">
+                <a14:useLocalDpi xmlns:a14="http://schemas.microsoft.com/office/drawing/2010/main" val="0"/>
+              </a:ext>
+            </a:extLst>
+          </a:blip>
+          <a:stretch>
+            <a:fillRect/>
+          </a:stretch>
+        </p:blipFill>
+        <p:spPr>
+          <a:xfrm>
+            <a:off x="520897" y="1210222"/>
+            <a:ext cx="3875538" cy="713373"/>
+          </a:xfrm>
+          <a:prstGeom prst="rect">
+            <a:avLst/>
+          </a:prstGeom>
+        </p:spPr>
+      </p:pic>
+      <p:pic>
+        <p:nvPicPr>
+          <p:cNvPr id="7" name="図 6"/>
+          <p:cNvPicPr>
+            <a:picLocks noChangeAspect="1"/>
+          </p:cNvPicPr>
+          <p:nvPr/>
+        </p:nvPicPr>
+        <p:blipFill>
+          <a:blip r:embed="rId5">
+            <a:extLst>
+              <a:ext uri="{28A0092B-C50C-407E-A947-70E740481C1C}">
+                <a14:useLocalDpi xmlns:a14="http://schemas.microsoft.com/office/drawing/2010/main" val="0"/>
+              </a:ext>
+            </a:extLst>
+          </a:blip>
+          <a:stretch>
+            <a:fillRect/>
+          </a:stretch>
+        </p:blipFill>
+        <p:spPr>
+          <a:xfrm>
+            <a:off x="731710" y="4416556"/>
+            <a:ext cx="6685714" cy="904762"/>
+          </a:xfrm>
+          <a:prstGeom prst="rect">
+            <a:avLst/>
+          </a:prstGeom>
+        </p:spPr>
+      </p:pic>
+    </p:spTree>
+    <p:extLst>
+      <p:ext uri="{BB962C8B-B14F-4D97-AF65-F5344CB8AC3E}">
+        <p14:creationId xmlns:p14="http://schemas.microsoft.com/office/powerpoint/2010/main" val="326345586"/>
+      </p:ext>
+    </p:extLst>
+  </p:cSld>
+  <p:clrMapOvr>
+    <a:masterClrMapping/>
+  </p:clrMapOvr>
+</p:sld>
+</file>
+
+<file path=ppt/slides/slide4.xml><?xml version="1.0" encoding="utf-8"?>
+<p:sld xmlns:a="http://schemas.openxmlformats.org/drawingml/2006/main" xmlns:r="http://schemas.openxmlformats.org/officeDocument/2006/relationships" xmlns:p="http://schemas.openxmlformats.org/presentationml/2006/main">
+  <p:cSld>
+    <p:spTree>
+      <p:nvGrpSpPr>
+        <p:cNvPr id="1" name=""/>
+        <p:cNvGrpSpPr/>
+        <p:nvPr/>
+      </p:nvGrpSpPr>
+      <p:grpSpPr>
+        <a:xfrm>
+          <a:off x="0" y="0"/>
+          <a:ext cx="0" cy="0"/>
+          <a:chOff x="0" y="0"/>
+          <a:chExt cx="0" cy="0"/>
+        </a:xfrm>
+      </p:grpSpPr>
+      <p:sp>
+        <p:nvSpPr>
+          <p:cNvPr id="2" name="タイトル 1"/>
+          <p:cNvSpPr>
+            <a:spLocks noGrp="1"/>
+          </p:cNvSpPr>
+          <p:nvPr>
+            <p:ph type="title"/>
+          </p:nvPr>
+        </p:nvSpPr>
+        <p:spPr/>
+        <p:txBody>
+          <a:bodyPr/>
+          <a:lstStyle/>
+          <a:p>
+            <a:r>
+              <a:rPr lang="ja-JP" altLang="en-US" dirty="0" smtClean="0"/>
+              <a:t>制御対象</a:t>
+            </a:r>
+            <a:endParaRPr kumimoji="1" lang="ja-JP" altLang="en-US" dirty="0"/>
+          </a:p>
+        </p:txBody>
+      </p:sp>
+      <p:pic>
+        <p:nvPicPr>
+          <p:cNvPr id="5" name="コンテンツ プレースホルダー 4"/>
+          <p:cNvPicPr>
+            <a:picLocks noGrp="1" noChangeAspect="1"/>
+          </p:cNvPicPr>
+          <p:nvPr>
+            <p:ph idx="1"/>
+          </p:nvPr>
+        </p:nvPicPr>
+        <p:blipFill>
+          <a:blip r:embed="rId2">
+            <a:extLst>
+              <a:ext uri="{28A0092B-C50C-407E-A947-70E740481C1C}">
+                <a14:useLocalDpi xmlns:a14="http://schemas.microsoft.com/office/drawing/2010/main" val="0"/>
+              </a:ext>
+            </a:extLst>
+          </a:blip>
+          <a:stretch>
+            <a:fillRect/>
+          </a:stretch>
+        </p:blipFill>
+        <p:spPr>
+          <a:xfrm>
+            <a:off x="461090" y="1788808"/>
+            <a:ext cx="4073263" cy="3403708"/>
+          </a:xfrm>
+        </p:spPr>
+      </p:pic>
+      <p:sp>
+        <p:nvSpPr>
+          <p:cNvPr id="4" name="スライド番号プレースホルダー 3"/>
+          <p:cNvSpPr>
+            <a:spLocks noGrp="1"/>
+          </p:cNvSpPr>
+          <p:nvPr>
+            <p:ph type="sldNum" sz="quarter" idx="12"/>
+          </p:nvPr>
+        </p:nvSpPr>
+        <p:spPr/>
+        <p:txBody>
+          <a:bodyPr/>
+          <a:lstStyle/>
+          <a:p>
+            <a:fld id="{879872E2-8930-43A6-82EA-52DD58EFA9F7}" type="slidenum">
+              <a:rPr lang="ja-JP" altLang="en-US" smtClean="0"/>
+              <a:pPr/>
+              <a:t>4</a:t>
+            </a:fld>
+            <a:endParaRPr lang="ja-JP" altLang="en-US" dirty="0"/>
+          </a:p>
+        </p:txBody>
+      </p:sp>
+      <p:sp>
+        <p:nvSpPr>
+          <p:cNvPr id="6" name="テキスト ボックス 5"/>
+          <p:cNvSpPr txBox="1"/>
+          <p:nvPr/>
+        </p:nvSpPr>
+        <p:spPr>
+          <a:xfrm>
+            <a:off x="5771693" y="2494482"/>
+            <a:ext cx="2867558" cy="646331"/>
+          </a:xfrm>
+          <a:prstGeom prst="rect">
+            <a:avLst/>
+          </a:prstGeom>
+          <a:noFill/>
+        </p:spPr>
+        <p:txBody>
+          <a:bodyPr wrap="square" rtlCol="0">
+            <a:spAutoFit/>
+          </a:bodyPr>
+          <a:lstStyle/>
+          <a:p>
+            <a:r>
+              <a:rPr lang="ja-JP" altLang="en-US" dirty="0" smtClean="0"/>
+              <a:t>実機の画像</a:t>
+            </a:r>
+            <a:endParaRPr lang="en-US" altLang="ja-JP" dirty="0" smtClean="0"/>
+          </a:p>
+          <a:p>
+            <a:endParaRPr kumimoji="1" lang="ja-JP" altLang="en-US" dirty="0"/>
+          </a:p>
+        </p:txBody>
+      </p:sp>
+    </p:spTree>
+    <p:extLst>
+      <p:ext uri="{BB962C8B-B14F-4D97-AF65-F5344CB8AC3E}">
+        <p14:creationId xmlns:p14="http://schemas.microsoft.com/office/powerpoint/2010/main" val="585304185"/>
+      </p:ext>
+    </p:extLst>
+  </p:cSld>
+  <p:clrMapOvr>
+    <a:masterClrMapping/>
+  </p:clrMapOvr>
+</p:sld>
+</file>
+
+<file path=ppt/slides/slide5.xml><?xml version="1.0" encoding="utf-8"?>
+<p:sld xmlns:a="http://schemas.openxmlformats.org/drawingml/2006/main" xmlns:r="http://schemas.openxmlformats.org/officeDocument/2006/relationships" xmlns:p="http://schemas.openxmlformats.org/presentationml/2006/main">
+  <p:cSld>
+    <p:spTree>
+      <p:nvGrpSpPr>
+        <p:cNvPr id="1" name=""/>
+        <p:cNvGrpSpPr/>
+        <p:nvPr/>
+      </p:nvGrpSpPr>
+      <p:grpSpPr>
+        <a:xfrm>
+          <a:off x="0" y="0"/>
+          <a:ext cx="0" cy="0"/>
+          <a:chOff x="0" y="0"/>
+          <a:chExt cx="0" cy="0"/>
+        </a:xfrm>
+      </p:grpSpPr>
+      <p:sp>
+        <p:nvSpPr>
+          <p:cNvPr id="2" name="タイトル 1"/>
+          <p:cNvSpPr>
+            <a:spLocks noGrp="1"/>
+          </p:cNvSpPr>
+          <p:nvPr>
+            <p:ph type="title"/>
+          </p:nvPr>
+        </p:nvSpPr>
+        <p:spPr>
+          <a:xfrm>
+            <a:off x="396772" y="2687646"/>
+            <a:ext cx="8319408" cy="1325563"/>
+          </a:xfrm>
+        </p:spPr>
+        <p:txBody>
+          <a:bodyPr/>
+          <a:lstStyle/>
+          <a:p>
+            <a:r>
+              <a:rPr lang="ja-JP" altLang="en-US" dirty="0" smtClean="0"/>
+              <a:t>実験目的</a:t>
+            </a:r>
+            <a:endParaRPr kumimoji="1" lang="ja-JP" altLang="en-US" dirty="0"/>
+          </a:p>
+        </p:txBody>
+      </p:sp>
+      <p:sp>
+        <p:nvSpPr>
+          <p:cNvPr id="4" name="スライド番号プレースホルダー 3"/>
+          <p:cNvSpPr>
+            <a:spLocks noGrp="1"/>
+          </p:cNvSpPr>
+          <p:nvPr>
+            <p:ph type="sldNum" sz="quarter" idx="12"/>
+          </p:nvPr>
+        </p:nvSpPr>
+        <p:spPr/>
+        <p:txBody>
+          <a:bodyPr/>
+          <a:lstStyle/>
+          <a:p>
+            <a:fld id="{879872E2-8930-43A6-82EA-52DD58EFA9F7}" type="slidenum">
+              <a:rPr lang="ja-JP" altLang="en-US" smtClean="0"/>
+              <a:pPr/>
+              <a:t>5</a:t>
+            </a:fld>
+            <a:endParaRPr lang="ja-JP" altLang="en-US" dirty="0"/>
+          </a:p>
+        </p:txBody>
+      </p:sp>
+    </p:spTree>
+    <p:extLst>
+      <p:ext uri="{BB962C8B-B14F-4D97-AF65-F5344CB8AC3E}">
+        <p14:creationId xmlns:p14="http://schemas.microsoft.com/office/powerpoint/2010/main" val="2142484242"/>
+      </p:ext>
+    </p:extLst>
+  </p:cSld>
+  <p:clrMapOvr>
+    <a:masterClrMapping/>
+  </p:clrMapOvr>
+</p:sld>
+</file>
+
+<file path=ppt/slides/slide6.xml><?xml version="1.0" encoding="utf-8"?>
+<p:sld xmlns:a="http://schemas.openxmlformats.org/drawingml/2006/main" xmlns:r="http://schemas.openxmlformats.org/officeDocument/2006/relationships" xmlns:p="http://schemas.openxmlformats.org/presentationml/2006/main">
+  <p:cSld>
+    <p:spTree>
+      <p:nvGrpSpPr>
+        <p:cNvPr id="1" name=""/>
+        <p:cNvGrpSpPr/>
+        <p:nvPr/>
+      </p:nvGrpSpPr>
+      <p:grpSpPr>
+        <a:xfrm>
+          <a:off x="0" y="0"/>
+          <a:ext cx="0" cy="0"/>
+          <a:chOff x="0" y="0"/>
+          <a:chExt cx="0" cy="0"/>
+        </a:xfrm>
+      </p:grpSpPr>
+      <p:sp>
+        <p:nvSpPr>
+          <p:cNvPr id="2" name="タイトル 1"/>
+          <p:cNvSpPr>
+            <a:spLocks noGrp="1"/>
+          </p:cNvSpPr>
+          <p:nvPr>
+            <p:ph type="title"/>
+          </p:nvPr>
+        </p:nvSpPr>
+        <p:spPr/>
+        <p:txBody>
+          <a:bodyPr/>
+          <a:lstStyle/>
+          <a:p>
+            <a:r>
+              <a:rPr kumimoji="1" lang="ja-JP" altLang="en-US" dirty="0" smtClean="0"/>
+              <a:t>実験目的</a:t>
+            </a:r>
+            <a:endParaRPr kumimoji="1" lang="ja-JP" altLang="en-US" dirty="0"/>
+          </a:p>
+        </p:txBody>
+      </p:sp>
+      <p:sp>
+        <p:nvSpPr>
+          <p:cNvPr id="3" name="コンテンツ プレースホルダー 2"/>
+          <p:cNvSpPr>
+            <a:spLocks noGrp="1"/>
+          </p:cNvSpPr>
+          <p:nvPr>
+            <p:ph idx="1"/>
+          </p:nvPr>
+        </p:nvSpPr>
+        <p:spPr/>
+        <p:txBody>
+          <a:bodyPr/>
+          <a:lstStyle/>
+          <a:p>
+            <a:endParaRPr kumimoji="1" lang="en-US" altLang="ja-JP" dirty="0" smtClean="0"/>
+          </a:p>
+          <a:p>
+            <a:r>
+              <a:rPr lang="ja-JP" altLang="en-US" dirty="0" smtClean="0"/>
+              <a:t>不安定平衡点で倒立振子系を安定化制御する</a:t>
+            </a:r>
+            <a:endParaRPr lang="en-US" altLang="ja-JP" dirty="0" smtClean="0"/>
+          </a:p>
+          <a:p>
+            <a:endParaRPr kumimoji="1" lang="en-US" altLang="ja-JP" dirty="0"/>
+          </a:p>
+          <a:p>
+            <a:r>
+              <a:rPr lang="ja-JP" altLang="en-US" dirty="0" smtClean="0"/>
+              <a:t>台車の目標値を変更する</a:t>
+            </a:r>
+            <a:endParaRPr lang="en-US" altLang="ja-JP" dirty="0" smtClean="0"/>
+          </a:p>
+          <a:p>
+            <a:endParaRPr kumimoji="1" lang="en-US" altLang="ja-JP" dirty="0"/>
+          </a:p>
+          <a:p>
+            <a:r>
+              <a:rPr lang="ja-JP" altLang="en-US" dirty="0" smtClean="0"/>
+              <a:t>安定平衡点から振子を振り上げて</a:t>
+            </a:r>
+            <a:r>
+              <a:rPr lang="en-US" altLang="ja-JP" dirty="0" smtClean="0"/>
+              <a:t>, </a:t>
+            </a:r>
+            <a:r>
+              <a:rPr lang="en-US" altLang="ja-JP" dirty="0" err="1" smtClean="0"/>
+              <a:t>不安定平衡点で安定化制御に移行する</a:t>
+            </a:r>
+            <a:r>
+              <a:rPr lang="en-US" altLang="ja-JP" dirty="0" smtClean="0"/>
+              <a:t>(</a:t>
+            </a:r>
+            <a:r>
+              <a:rPr lang="en-US" altLang="ja-JP" dirty="0" err="1" smtClean="0"/>
+              <a:t>振り上げ制御</a:t>
+            </a:r>
+            <a:r>
+              <a:rPr lang="en-US" altLang="ja-JP" dirty="0" smtClean="0"/>
+              <a:t>)</a:t>
+            </a:r>
+            <a:endParaRPr kumimoji="1" lang="ja-JP" altLang="en-US" dirty="0"/>
+          </a:p>
+        </p:txBody>
+      </p:sp>
+      <p:sp>
+        <p:nvSpPr>
+          <p:cNvPr id="4" name="スライド番号プレースホルダー 3"/>
+          <p:cNvSpPr>
+            <a:spLocks noGrp="1"/>
+          </p:cNvSpPr>
+          <p:nvPr>
+            <p:ph type="sldNum" sz="quarter" idx="12"/>
+          </p:nvPr>
+        </p:nvSpPr>
+        <p:spPr/>
+        <p:txBody>
+          <a:bodyPr/>
+          <a:lstStyle/>
+          <a:p>
+            <a:fld id="{879872E2-8930-43A6-82EA-52DD58EFA9F7}" type="slidenum">
+              <a:rPr lang="ja-JP" altLang="en-US" smtClean="0"/>
+              <a:pPr/>
+              <a:t>6</a:t>
+            </a:fld>
+            <a:endParaRPr lang="ja-JP" altLang="en-US" dirty="0"/>
+          </a:p>
+        </p:txBody>
+      </p:sp>
+    </p:spTree>
+    <p:extLst>
+      <p:ext uri="{BB962C8B-B14F-4D97-AF65-F5344CB8AC3E}">
+        <p14:creationId xmlns:p14="http://schemas.microsoft.com/office/powerpoint/2010/main" val="3187418203"/>
+      </p:ext>
+    </p:extLst>
+  </p:cSld>
+  <p:clrMapOvr>
+    <a:masterClrMapping/>
+  </p:clrMapOvr>
+</p:sld>
+</file>
+
+<file path=ppt/slides/slide7.xml><?xml version="1.0" encoding="utf-8"?>
+<p:sld xmlns:a="http://schemas.openxmlformats.org/drawingml/2006/main" xmlns:r="http://schemas.openxmlformats.org/officeDocument/2006/relationships" xmlns:p="http://schemas.openxmlformats.org/presentationml/2006/main">
+  <p:cSld>
+    <p:spTree>
+      <p:nvGrpSpPr>
+        <p:cNvPr id="1" name=""/>
+        <p:cNvGrpSpPr/>
+        <p:nvPr/>
+      </p:nvGrpSpPr>
+      <p:grpSpPr>
+        <a:xfrm>
+          <a:off x="0" y="0"/>
+          <a:ext cx="0" cy="0"/>
+          <a:chOff x="0" y="0"/>
+          <a:chExt cx="0" cy="0"/>
+        </a:xfrm>
+      </p:grpSpPr>
+      <p:sp>
+        <p:nvSpPr>
+          <p:cNvPr id="2" name="タイトル 1"/>
+          <p:cNvSpPr>
+            <a:spLocks noGrp="1"/>
+          </p:cNvSpPr>
+          <p:nvPr>
+            <p:ph type="title"/>
+          </p:nvPr>
+        </p:nvSpPr>
+        <p:spPr>
+          <a:xfrm>
+            <a:off x="396772" y="2687646"/>
+            <a:ext cx="8319408" cy="1325563"/>
+          </a:xfrm>
+        </p:spPr>
+        <p:txBody>
+          <a:bodyPr/>
+          <a:lstStyle/>
+          <a:p>
+            <a:r>
+              <a:rPr kumimoji="1" lang="ja-JP" altLang="en-US" dirty="0" smtClean="0"/>
+              <a:t>制御目的</a:t>
+            </a:r>
+            <a:endParaRPr kumimoji="1" lang="ja-JP" altLang="en-US" dirty="0"/>
+          </a:p>
+        </p:txBody>
+      </p:sp>
+      <p:sp>
+        <p:nvSpPr>
+          <p:cNvPr id="4" name="スライド番号プレースホルダー 3"/>
+          <p:cNvSpPr>
+            <a:spLocks noGrp="1"/>
+          </p:cNvSpPr>
+          <p:nvPr>
+            <p:ph type="sldNum" sz="quarter" idx="12"/>
+          </p:nvPr>
+        </p:nvSpPr>
+        <p:spPr/>
+        <p:txBody>
+          <a:bodyPr/>
+          <a:lstStyle/>
+          <a:p>
+            <a:fld id="{879872E2-8930-43A6-82EA-52DD58EFA9F7}" type="slidenum">
+              <a:rPr lang="ja-JP" altLang="en-US" smtClean="0"/>
+              <a:pPr/>
+              <a:t>7</a:t>
+            </a:fld>
+            <a:endParaRPr lang="ja-JP" altLang="en-US" dirty="0"/>
+          </a:p>
+        </p:txBody>
+      </p:sp>
+    </p:spTree>
+    <p:extLst>
+      <p:ext uri="{BB962C8B-B14F-4D97-AF65-F5344CB8AC3E}">
+        <p14:creationId xmlns:p14="http://schemas.microsoft.com/office/powerpoint/2010/main" val="3069221593"/>
+      </p:ext>
+    </p:extLst>
+  </p:cSld>
+  <p:clrMapOvr>
+    <a:masterClrMapping/>
+  </p:clrMapOvr>
+</p:sld>
+</file>
+
+<file path=ppt/slides/slide8.xml><?xml version="1.0" encoding="utf-8"?>
+<p:sld xmlns:a="http://schemas.openxmlformats.org/drawingml/2006/main" xmlns:r="http://schemas.openxmlformats.org/officeDocument/2006/relationships" xmlns:p="http://schemas.openxmlformats.org/presentationml/2006/main">
+  <p:cSld>
+    <p:spTree>
+      <p:nvGrpSpPr>
+        <p:cNvPr id="1" name=""/>
+        <p:cNvGrpSpPr/>
+        <p:nvPr/>
+      </p:nvGrpSpPr>
+      <p:grpSpPr>
+        <a:xfrm>
+          <a:off x="0" y="0"/>
+          <a:ext cx="0" cy="0"/>
+          <a:chOff x="0" y="0"/>
+          <a:chExt cx="0" cy="0"/>
+        </a:xfrm>
+      </p:grpSpPr>
+      <p:sp>
+        <p:nvSpPr>
+          <p:cNvPr id="2" name="タイトル 1"/>
+          <p:cNvSpPr>
+            <a:spLocks noGrp="1"/>
+          </p:cNvSpPr>
+          <p:nvPr>
+            <p:ph type="title"/>
+          </p:nvPr>
+        </p:nvSpPr>
+        <p:spPr/>
+        <p:txBody>
+          <a:bodyPr/>
+          <a:lstStyle/>
+          <a:p>
+            <a:r>
+              <a:rPr kumimoji="1" lang="ja-JP" altLang="en-US" dirty="0" smtClean="0"/>
+              <a:t>制御目的</a:t>
+            </a:r>
+            <a:r>
+              <a:rPr kumimoji="1" lang="en-US" altLang="ja-JP" dirty="0" smtClean="0"/>
+              <a:t>(</a:t>
+            </a:r>
+            <a:r>
+              <a:rPr kumimoji="1" lang="en-US" altLang="ja-JP" dirty="0" err="1" smtClean="0"/>
+              <a:t>安定化制御</a:t>
+            </a:r>
+            <a:r>
+              <a:rPr kumimoji="1" lang="en-US" altLang="ja-JP" dirty="0" smtClean="0"/>
+              <a:t>)</a:t>
+            </a:r>
+            <a:endParaRPr kumimoji="1" lang="ja-JP" altLang="en-US" dirty="0"/>
+          </a:p>
+        </p:txBody>
+      </p:sp>
+      <p:pic>
+        <p:nvPicPr>
+          <p:cNvPr id="5" name="コンテンツ プレースホルダー 4"/>
+          <p:cNvPicPr>
+            <a:picLocks noGrp="1" noChangeAspect="1"/>
+          </p:cNvPicPr>
+          <p:nvPr>
+            <p:ph idx="1"/>
+          </p:nvPr>
+        </p:nvPicPr>
+        <p:blipFill>
+          <a:blip r:embed="rId2">
+            <a:extLst>
+              <a:ext uri="{28A0092B-C50C-407E-A947-70E740481C1C}">
+                <a14:useLocalDpi xmlns:a14="http://schemas.microsoft.com/office/drawing/2010/main" val="0"/>
+              </a:ext>
+            </a:extLst>
+          </a:blip>
+          <a:stretch>
+            <a:fillRect/>
+          </a:stretch>
+        </p:blipFill>
+        <p:spPr>
+          <a:xfrm>
+            <a:off x="1662565" y="2084464"/>
+            <a:ext cx="5743575" cy="3324225"/>
+          </a:xfrm>
+        </p:spPr>
+      </p:pic>
+      <p:sp>
+        <p:nvSpPr>
+          <p:cNvPr id="4" name="スライド番号プレースホルダー 3"/>
+          <p:cNvSpPr>
+            <a:spLocks noGrp="1"/>
+          </p:cNvSpPr>
+          <p:nvPr>
+            <p:ph type="sldNum" sz="quarter" idx="12"/>
+          </p:nvPr>
+        </p:nvSpPr>
+        <p:spPr/>
+        <p:txBody>
+          <a:bodyPr/>
+          <a:lstStyle/>
+          <a:p>
+            <a:fld id="{879872E2-8930-43A6-82EA-52DD58EFA9F7}" type="slidenum">
+              <a:rPr lang="ja-JP" altLang="en-US" smtClean="0"/>
+              <a:pPr/>
+              <a:t>8</a:t>
+            </a:fld>
+            <a:endParaRPr lang="ja-JP" altLang="en-US" dirty="0"/>
+          </a:p>
+        </p:txBody>
+      </p:sp>
+      <p:sp>
+        <p:nvSpPr>
+          <p:cNvPr id="6" name="テキスト ボックス 5"/>
+          <p:cNvSpPr txBox="1"/>
+          <p:nvPr/>
+        </p:nvSpPr>
+        <p:spPr>
+          <a:xfrm>
+            <a:off x="4790769" y="5513188"/>
+            <a:ext cx="1806678" cy="369332"/>
+          </a:xfrm>
+          <a:prstGeom prst="rect">
+            <a:avLst/>
+          </a:prstGeom>
+          <a:noFill/>
+        </p:spPr>
+        <p:txBody>
+          <a:bodyPr wrap="square" rtlCol="0">
+            <a:spAutoFit/>
+          </a:bodyPr>
+          <a:lstStyle/>
+          <a:p>
+            <a:r>
+              <a:rPr kumimoji="1" lang="ja-JP" altLang="en-US" dirty="0" smtClean="0"/>
+              <a:t>不安定平衡点</a:t>
+            </a:r>
+            <a:endParaRPr kumimoji="1" lang="ja-JP" altLang="en-US" dirty="0"/>
+          </a:p>
+        </p:txBody>
+      </p:sp>
+      <p:sp>
+        <p:nvSpPr>
+          <p:cNvPr id="7" name="テキスト ボックス 6"/>
+          <p:cNvSpPr txBox="1"/>
+          <p:nvPr/>
+        </p:nvSpPr>
+        <p:spPr>
+          <a:xfrm>
+            <a:off x="2917723" y="1715132"/>
+            <a:ext cx="1806678" cy="369332"/>
+          </a:xfrm>
+          <a:prstGeom prst="rect">
+            <a:avLst/>
+          </a:prstGeom>
+          <a:noFill/>
+        </p:spPr>
+        <p:txBody>
+          <a:bodyPr wrap="square" rtlCol="0">
+            <a:spAutoFit/>
+          </a:bodyPr>
+          <a:lstStyle/>
+          <a:p>
+            <a:r>
+              <a:rPr kumimoji="1" lang="ja-JP" altLang="en-US" dirty="0" smtClean="0"/>
+              <a:t>安定平衡点</a:t>
+            </a:r>
+            <a:endParaRPr kumimoji="1" lang="ja-JP" altLang="en-US" dirty="0"/>
+          </a:p>
+        </p:txBody>
+      </p:sp>
+    </p:spTree>
+    <p:extLst>
+      <p:ext uri="{BB962C8B-B14F-4D97-AF65-F5344CB8AC3E}">
+        <p14:creationId xmlns:p14="http://schemas.microsoft.com/office/powerpoint/2010/main" val="379225195"/>
+      </p:ext>
+    </p:extLst>
+  </p:cSld>
+  <p:clrMapOvr>
+    <a:masterClrMapping/>
+  </p:clrMapOvr>
+</p:sld>
+</file>
+
+<file path=ppt/slides/slide9.xml><?xml version="1.0" encoding="utf-8"?>
+<p:sld xmlns:a="http://schemas.openxmlformats.org/drawingml/2006/main" xmlns:r="http://schemas.openxmlformats.org/officeDocument/2006/relationships" xmlns:p="http://schemas.openxmlformats.org/presentationml/2006/main">
+  <p:cSld>
+    <p:spTree>
+      <p:nvGrpSpPr>
+        <p:cNvPr id="1" name=""/>
+        <p:cNvGrpSpPr/>
+        <p:nvPr/>
+      </p:nvGrpSpPr>
+      <p:grpSpPr>
+        <a:xfrm>
+          <a:off x="0" y="0"/>
+          <a:ext cx="0" cy="0"/>
+          <a:chOff x="0" y="0"/>
+          <a:chExt cx="0" cy="0"/>
+        </a:xfrm>
+      </p:grpSpPr>
+      <p:sp>
+        <p:nvSpPr>
+          <p:cNvPr id="2" name="タイトル 1"/>
+          <p:cNvSpPr>
+            <a:spLocks noGrp="1"/>
+          </p:cNvSpPr>
+          <p:nvPr>
+            <p:ph type="title"/>
+          </p:nvPr>
+        </p:nvSpPr>
+        <p:spPr/>
+        <p:txBody>
+          <a:bodyPr/>
+          <a:lstStyle/>
+          <a:p>
+            <a:r>
+              <a:rPr kumimoji="1" lang="ja-JP" altLang="en-US" dirty="0" smtClean="0"/>
+              <a:t>制御目的</a:t>
+            </a:r>
+            <a:r>
+              <a:rPr kumimoji="1" lang="en-US" altLang="ja-JP" dirty="0" smtClean="0"/>
+              <a:t>(</a:t>
+            </a:r>
+            <a:r>
+              <a:rPr kumimoji="1" lang="en-US" altLang="ja-JP" dirty="0" err="1" smtClean="0"/>
+              <a:t>目標値変更</a:t>
+            </a:r>
+            <a:r>
+              <a:rPr kumimoji="1" lang="en-US" altLang="ja-JP" dirty="0" smtClean="0"/>
+              <a:t>)</a:t>
+            </a:r>
+            <a:endParaRPr kumimoji="1" lang="ja-JP" altLang="en-US" dirty="0"/>
+          </a:p>
+        </p:txBody>
+      </p:sp>
+      <p:pic>
+        <p:nvPicPr>
+          <p:cNvPr id="6" name="コンテンツ プレースホルダー 5"/>
+          <p:cNvPicPr>
+            <a:picLocks noGrp="1" noChangeAspect="1"/>
+          </p:cNvPicPr>
+          <p:nvPr>
+            <p:ph idx="1"/>
+          </p:nvPr>
+        </p:nvPicPr>
+        <p:blipFill>
+          <a:blip r:embed="rId2">
+            <a:extLst>
+              <a:ext uri="{28A0092B-C50C-407E-A947-70E740481C1C}">
+                <a14:useLocalDpi xmlns:a14="http://schemas.microsoft.com/office/drawing/2010/main" val="0"/>
+              </a:ext>
+            </a:extLst>
+          </a:blip>
+          <a:stretch>
+            <a:fillRect/>
+          </a:stretch>
+        </p:blipFill>
+        <p:spPr>
+          <a:xfrm>
+            <a:off x="2274606" y="2119184"/>
+            <a:ext cx="4638675" cy="2886075"/>
+          </a:xfrm>
+        </p:spPr>
+      </p:pic>
+      <p:sp>
+        <p:nvSpPr>
+          <p:cNvPr id="4" name="スライド番号プレースホルダー 3"/>
+          <p:cNvSpPr>
+            <a:spLocks noGrp="1"/>
+          </p:cNvSpPr>
+          <p:nvPr>
+            <p:ph type="sldNum" sz="quarter" idx="12"/>
+          </p:nvPr>
+        </p:nvSpPr>
+        <p:spPr/>
+        <p:txBody>
+          <a:bodyPr/>
+          <a:lstStyle/>
+          <a:p>
+            <a:fld id="{879872E2-8930-43A6-82EA-52DD58EFA9F7}" type="slidenum">
+              <a:rPr lang="ja-JP" altLang="en-US" smtClean="0"/>
+              <a:pPr/>
+              <a:t>9</a:t>
+            </a:fld>
+            <a:endParaRPr lang="ja-JP" altLang="en-US" dirty="0"/>
+          </a:p>
+        </p:txBody>
+      </p:sp>
+      <p:sp>
+        <p:nvSpPr>
+          <p:cNvPr id="7" name="テキスト ボックス 6"/>
+          <p:cNvSpPr txBox="1"/>
+          <p:nvPr/>
+        </p:nvSpPr>
+        <p:spPr>
+          <a:xfrm>
+            <a:off x="2337619" y="5499850"/>
+            <a:ext cx="4503789" cy="369332"/>
+          </a:xfrm>
+          <a:prstGeom prst="rect">
+            <a:avLst/>
+          </a:prstGeom>
+          <a:noFill/>
+        </p:spPr>
+        <p:txBody>
+          <a:bodyPr wrap="square" rtlCol="0">
+            <a:spAutoFit/>
+          </a:bodyPr>
+          <a:lstStyle/>
+          <a:p>
+            <a:r>
+              <a:rPr kumimoji="1" lang="en-US" altLang="ja-JP" dirty="0" smtClean="0"/>
+              <a:t>5[sec]毎に台車の目標値を0, 0.1交互に変更</a:t>
+            </a:r>
+            <a:endParaRPr kumimoji="1" lang="ja-JP" altLang="en-US" dirty="0"/>
+          </a:p>
+        </p:txBody>
+      </p:sp>
+    </p:spTree>
+    <p:extLst>
+      <p:ext uri="{BB962C8B-B14F-4D97-AF65-F5344CB8AC3E}">
+        <p14:creationId xmlns:p14="http://schemas.microsoft.com/office/powerpoint/2010/main" val="1844638701"/>
       </p:ext>
     </p:extLst>
   </p:cSld>
